--- a/파일/대회.pptx
+++ b/파일/대회.pptx
@@ -9,10 +9,14 @@
     <p:sldId id="262" r:id="rId3"/>
     <p:sldId id="263" r:id="rId4"/>
     <p:sldId id="264" r:id="rId5"/>
-    <p:sldId id="256" r:id="rId6"/>
+    <p:sldId id="268" r:id="rId6"/>
     <p:sldId id="257" r:id="rId7"/>
     <p:sldId id="258" r:id="rId8"/>
-    <p:sldId id="259" r:id="rId9"/>
+    <p:sldId id="265" r:id="rId9"/>
+    <p:sldId id="259" r:id="rId10"/>
+    <p:sldId id="266" r:id="rId11"/>
+    <p:sldId id="256" r:id="rId12"/>
+    <p:sldId id="267" r:id="rId13"/>
   </p:sldIdLst>
   <p:sldSz cx="12192000" cy="6858000"/>
   <p:notesSz cx="6858000" cy="9144000"/>
@@ -111,6 +115,11 @@
       </a:defRPr>
     </a:lvl9pPr>
   </p:defaultTextStyle>
+  <p:extLst>
+    <p:ext uri="{EFAFB233-063F-42B5-8137-9DF3F51BA10A}">
+      <p15:sldGuideLst xmlns:p15="http://schemas.microsoft.com/office/powerpoint/2012/main"/>
+    </p:ext>
+  </p:extLst>
 </p:presentation>
 </file>
 
@@ -261,7 +270,7 @@
           <a:p>
             <a:fld id="{0168CAD0-5ADE-4380-96FD-BA74CB642842}" type="datetimeFigureOut">
               <a:rPr lang="ko-KR" altLang="en-US" smtClean="0"/>
-              <a:t>2023-08-08</a:t>
+              <a:t>2023-08-11</a:t>
             </a:fld>
             <a:endParaRPr lang="ko-KR" altLang="en-US"/>
           </a:p>
@@ -459,7 +468,7 @@
           <a:p>
             <a:fld id="{0168CAD0-5ADE-4380-96FD-BA74CB642842}" type="datetimeFigureOut">
               <a:rPr lang="ko-KR" altLang="en-US" smtClean="0"/>
-              <a:t>2023-08-08</a:t>
+              <a:t>2023-08-11</a:t>
             </a:fld>
             <a:endParaRPr lang="ko-KR" altLang="en-US"/>
           </a:p>
@@ -667,7 +676,7 @@
           <a:p>
             <a:fld id="{0168CAD0-5ADE-4380-96FD-BA74CB642842}" type="datetimeFigureOut">
               <a:rPr lang="ko-KR" altLang="en-US" smtClean="0"/>
-              <a:t>2023-08-08</a:t>
+              <a:t>2023-08-11</a:t>
             </a:fld>
             <a:endParaRPr lang="ko-KR" altLang="en-US"/>
           </a:p>
@@ -865,7 +874,7 @@
           <a:p>
             <a:fld id="{0168CAD0-5ADE-4380-96FD-BA74CB642842}" type="datetimeFigureOut">
               <a:rPr lang="ko-KR" altLang="en-US" smtClean="0"/>
-              <a:t>2023-08-08</a:t>
+              <a:t>2023-08-11</a:t>
             </a:fld>
             <a:endParaRPr lang="ko-KR" altLang="en-US"/>
           </a:p>
@@ -1140,7 +1149,7 @@
           <a:p>
             <a:fld id="{0168CAD0-5ADE-4380-96FD-BA74CB642842}" type="datetimeFigureOut">
               <a:rPr lang="ko-KR" altLang="en-US" smtClean="0"/>
-              <a:t>2023-08-08</a:t>
+              <a:t>2023-08-11</a:t>
             </a:fld>
             <a:endParaRPr lang="ko-KR" altLang="en-US"/>
           </a:p>
@@ -1405,7 +1414,7 @@
           <a:p>
             <a:fld id="{0168CAD0-5ADE-4380-96FD-BA74CB642842}" type="datetimeFigureOut">
               <a:rPr lang="ko-KR" altLang="en-US" smtClean="0"/>
-              <a:t>2023-08-08</a:t>
+              <a:t>2023-08-11</a:t>
             </a:fld>
             <a:endParaRPr lang="ko-KR" altLang="en-US"/>
           </a:p>
@@ -1817,7 +1826,7 @@
           <a:p>
             <a:fld id="{0168CAD0-5ADE-4380-96FD-BA74CB642842}" type="datetimeFigureOut">
               <a:rPr lang="ko-KR" altLang="en-US" smtClean="0"/>
-              <a:t>2023-08-08</a:t>
+              <a:t>2023-08-11</a:t>
             </a:fld>
             <a:endParaRPr lang="ko-KR" altLang="en-US"/>
           </a:p>
@@ -1958,7 +1967,7 @@
           <a:p>
             <a:fld id="{0168CAD0-5ADE-4380-96FD-BA74CB642842}" type="datetimeFigureOut">
               <a:rPr lang="ko-KR" altLang="en-US" smtClean="0"/>
-              <a:t>2023-08-08</a:t>
+              <a:t>2023-08-11</a:t>
             </a:fld>
             <a:endParaRPr lang="ko-KR" altLang="en-US"/>
           </a:p>
@@ -2071,7 +2080,7 @@
           <a:p>
             <a:fld id="{0168CAD0-5ADE-4380-96FD-BA74CB642842}" type="datetimeFigureOut">
               <a:rPr lang="ko-KR" altLang="en-US" smtClean="0"/>
-              <a:t>2023-08-08</a:t>
+              <a:t>2023-08-11</a:t>
             </a:fld>
             <a:endParaRPr lang="ko-KR" altLang="en-US"/>
           </a:p>
@@ -2382,7 +2391,7 @@
           <a:p>
             <a:fld id="{0168CAD0-5ADE-4380-96FD-BA74CB642842}" type="datetimeFigureOut">
               <a:rPr lang="ko-KR" altLang="en-US" smtClean="0"/>
-              <a:t>2023-08-08</a:t>
+              <a:t>2023-08-11</a:t>
             </a:fld>
             <a:endParaRPr lang="ko-KR" altLang="en-US"/>
           </a:p>
@@ -2670,7 +2679,7 @@
           <a:p>
             <a:fld id="{0168CAD0-5ADE-4380-96FD-BA74CB642842}" type="datetimeFigureOut">
               <a:rPr lang="ko-KR" altLang="en-US" smtClean="0"/>
-              <a:t>2023-08-08</a:t>
+              <a:t>2023-08-11</a:t>
             </a:fld>
             <a:endParaRPr lang="ko-KR" altLang="en-US"/>
           </a:p>
@@ -2911,7 +2920,7 @@
           <a:p>
             <a:fld id="{0168CAD0-5ADE-4380-96FD-BA74CB642842}" type="datetimeFigureOut">
               <a:rPr lang="ko-KR" altLang="en-US" smtClean="0"/>
-              <a:t>2023-08-08</a:t>
+              <a:t>2023-08-11</a:t>
             </a:fld>
             <a:endParaRPr lang="ko-KR" altLang="en-US"/>
           </a:p>
@@ -3591,6 +3600,883 @@
 </p:sld>
 </file>
 
+<file path=ppt/slides/slide10.xml><?xml version="1.0" encoding="utf-8"?>
+<p:sld xmlns:a="http://schemas.openxmlformats.org/drawingml/2006/main" xmlns:r="http://schemas.openxmlformats.org/officeDocument/2006/relationships" xmlns:p="http://schemas.openxmlformats.org/presentationml/2006/main">
+  <p:cSld>
+    <p:spTree>
+      <p:nvGrpSpPr>
+        <p:cNvPr id="1" name=""/>
+        <p:cNvGrpSpPr/>
+        <p:nvPr/>
+      </p:nvGrpSpPr>
+      <p:grpSpPr>
+        <a:xfrm>
+          <a:off x="0" y="0"/>
+          <a:ext cx="0" cy="0"/>
+          <a:chOff x="0" y="0"/>
+          <a:chExt cx="0" cy="0"/>
+        </a:xfrm>
+      </p:grpSpPr>
+      <p:graphicFrame>
+        <p:nvGraphicFramePr>
+          <p:cNvPr id="4" name="표 4">
+            <a:extLst>
+              <a:ext uri="{FF2B5EF4-FFF2-40B4-BE49-F238E27FC236}">
+                <a16:creationId xmlns:a16="http://schemas.microsoft.com/office/drawing/2014/main" id="{DB716F8A-65A9-4B0A-9557-CFE905D49230}"/>
+              </a:ext>
+            </a:extLst>
+          </p:cNvPr>
+          <p:cNvGraphicFramePr>
+            <a:graphicFrameLocks noGrp="1"/>
+          </p:cNvGraphicFramePr>
+          <p:nvPr>
+            <p:extLst>
+              <p:ext uri="{D42A27DB-BD31-4B8C-83A1-F6EECF244321}">
+                <p14:modId xmlns:p14="http://schemas.microsoft.com/office/powerpoint/2010/main" val="4268049200"/>
+              </p:ext>
+            </p:extLst>
+          </p:nvPr>
+        </p:nvGraphicFramePr>
+        <p:xfrm>
+          <a:off x="1118506" y="730819"/>
+          <a:ext cx="5186649" cy="5297316"/>
+        </p:xfrm>
+        <a:graphic>
+          <a:graphicData uri="http://schemas.openxmlformats.org/drawingml/2006/table">
+            <a:tbl>
+              <a:tblPr firstRow="1" bandRow="1">
+                <a:tableStyleId>{5940675A-B579-460E-94D1-54222C63F5DA}</a:tableStyleId>
+              </a:tblPr>
+              <a:tblGrid>
+                <a:gridCol w="1750759">
+                  <a:extLst>
+                    <a:ext uri="{9D8B030D-6E8A-4147-A177-3AD203B41FA5}">
+                      <a16:colId xmlns:a16="http://schemas.microsoft.com/office/drawing/2014/main" val="1413976546"/>
+                    </a:ext>
+                  </a:extLst>
+                </a:gridCol>
+                <a:gridCol w="1920240">
+                  <a:extLst>
+                    <a:ext uri="{9D8B030D-6E8A-4147-A177-3AD203B41FA5}">
+                      <a16:colId xmlns:a16="http://schemas.microsoft.com/office/drawing/2014/main" val="192059268"/>
+                    </a:ext>
+                  </a:extLst>
+                </a:gridCol>
+                <a:gridCol w="1515650">
+                  <a:extLst>
+                    <a:ext uri="{9D8B030D-6E8A-4147-A177-3AD203B41FA5}">
+                      <a16:colId xmlns:a16="http://schemas.microsoft.com/office/drawing/2014/main" val="2236916480"/>
+                    </a:ext>
+                  </a:extLst>
+                </a:gridCol>
+              </a:tblGrid>
+              <a:tr h="411281">
+                <a:tc>
+                  <a:txBody>
+                    <a:bodyPr/>
+                    <a:lstStyle/>
+                    <a:p>
+                      <a:pPr latinLnBrk="1"/>
+                      <a:endParaRPr lang="ko-KR" altLang="en-US" dirty="0"/>
+                    </a:p>
+                  </a:txBody>
+                  <a:tcPr/>
+                </a:tc>
+                <a:tc>
+                  <a:txBody>
+                    <a:bodyPr/>
+                    <a:lstStyle/>
+                    <a:p>
+                      <a:pPr latinLnBrk="1"/>
+                      <a:r>
+                        <a:rPr lang="ko-KR" altLang="en-US" dirty="0"/>
+                        <a:t>파일명</a:t>
+                      </a:r>
+                    </a:p>
+                  </a:txBody>
+                  <a:tcPr/>
+                </a:tc>
+                <a:tc>
+                  <a:txBody>
+                    <a:bodyPr/>
+                    <a:lstStyle/>
+                    <a:p>
+                      <a:pPr latinLnBrk="1"/>
+                      <a:r>
+                        <a:rPr lang="en-US" altLang="ko-KR" dirty="0"/>
+                        <a:t>SMAPE</a:t>
+                      </a:r>
+                      <a:endParaRPr lang="ko-KR" altLang="en-US" dirty="0"/>
+                    </a:p>
+                  </a:txBody>
+                  <a:tcPr/>
+                </a:tc>
+                <a:extLst>
+                  <a:ext uri="{0D108BD9-81ED-4DB2-BD59-A6C34878D82A}">
+                    <a16:rowId xmlns:a16="http://schemas.microsoft.com/office/drawing/2014/main" val="3429086994"/>
+                  </a:ext>
+                </a:extLst>
+              </a:tr>
+              <a:tr h="606565">
+                <a:tc>
+                  <a:txBody>
+                    <a:bodyPr/>
+                    <a:lstStyle/>
+                    <a:p>
+                      <a:pPr marL="0" marR="0" lvl="0" indent="0" algn="l" defTabSz="914400" rtl="0" eaLnBrk="1" fontAlgn="auto" latinLnBrk="1" hangingPunct="1">
+                        <a:lnSpc>
+                          <a:spcPct val="100000"/>
+                        </a:lnSpc>
+                        <a:spcBef>
+                          <a:spcPts val="0"/>
+                        </a:spcBef>
+                        <a:spcAft>
+                          <a:spcPts val="0"/>
+                        </a:spcAft>
+                        <a:buClrTx/>
+                        <a:buSzTx/>
+                        <a:buFontTx/>
+                        <a:buNone/>
+                        <a:tabLst/>
+                        <a:defRPr/>
+                      </a:pPr>
+                      <a:r>
+                        <a:rPr lang="en-US" altLang="ko-KR" dirty="0" err="1"/>
+                        <a:t>Pycaret</a:t>
+                      </a:r>
+                      <a:r>
+                        <a:rPr lang="en-US" altLang="ko-KR" dirty="0"/>
+                        <a:t>-et</a:t>
+                      </a:r>
+                      <a:r>
+                        <a:rPr lang="ko-KR" altLang="en-US" dirty="0"/>
+                        <a:t>모델</a:t>
+                      </a:r>
+                    </a:p>
+                  </a:txBody>
+                  <a:tcPr/>
+                </a:tc>
+                <a:tc>
+                  <a:txBody>
+                    <a:bodyPr/>
+                    <a:lstStyle/>
+                    <a:p>
+                      <a:pPr marL="0" marR="0" lvl="0" indent="0" algn="l" defTabSz="914400" rtl="0" eaLnBrk="1" fontAlgn="auto" latinLnBrk="1" hangingPunct="1">
+                        <a:lnSpc>
+                          <a:spcPct val="100000"/>
+                        </a:lnSpc>
+                        <a:spcBef>
+                          <a:spcPts val="0"/>
+                        </a:spcBef>
+                        <a:spcAft>
+                          <a:spcPts val="0"/>
+                        </a:spcAft>
+                        <a:buClrTx/>
+                        <a:buSzTx/>
+                        <a:buFontTx/>
+                        <a:buNone/>
+                        <a:tabLst/>
+                        <a:defRPr/>
+                      </a:pPr>
+                      <a:r>
+                        <a:rPr lang="en-US" altLang="ko-KR" sz="1800" b="0" i="0" kern="1200" dirty="0">
+                          <a:solidFill>
+                            <a:schemeClr val="tx1"/>
+                          </a:solidFill>
+                          <a:effectLst/>
+                          <a:latin typeface="+mn-lt"/>
+                          <a:ea typeface="+mn-ea"/>
+                          <a:cs typeface="+mn-cs"/>
+                        </a:rPr>
+                        <a:t>submit_et.csv</a:t>
+                      </a:r>
+                      <a:endParaRPr lang="ko-KR" altLang="en-US" b="0" dirty="0"/>
+                    </a:p>
+                  </a:txBody>
+                  <a:tcPr/>
+                </a:tc>
+                <a:tc>
+                  <a:txBody>
+                    <a:bodyPr/>
+                    <a:lstStyle/>
+                    <a:p>
+                      <a:pPr marL="0" marR="0" lvl="0" indent="0" algn="l" defTabSz="914400" rtl="0" eaLnBrk="1" fontAlgn="auto" latinLnBrk="1" hangingPunct="1">
+                        <a:lnSpc>
+                          <a:spcPct val="100000"/>
+                        </a:lnSpc>
+                        <a:spcBef>
+                          <a:spcPts val="0"/>
+                        </a:spcBef>
+                        <a:spcAft>
+                          <a:spcPts val="0"/>
+                        </a:spcAft>
+                        <a:buClrTx/>
+                        <a:buSzTx/>
+                        <a:buFontTx/>
+                        <a:buNone/>
+                        <a:tabLst/>
+                        <a:defRPr/>
+                      </a:pPr>
+                      <a:r>
+                        <a:rPr lang="en-US" altLang="ko-KR" sz="1800" b="0" i="0" kern="1200" dirty="0">
+                          <a:solidFill>
+                            <a:schemeClr val="tx1"/>
+                          </a:solidFill>
+                          <a:effectLst/>
+                          <a:latin typeface="+mn-lt"/>
+                          <a:ea typeface="+mn-ea"/>
+                          <a:cs typeface="+mn-cs"/>
+                        </a:rPr>
+                        <a:t>7.532</a:t>
+                      </a:r>
+                      <a:endParaRPr lang="ko-KR" altLang="en-US" b="0" dirty="0"/>
+                    </a:p>
+                  </a:txBody>
+                  <a:tcPr/>
+                </a:tc>
+                <a:extLst>
+                  <a:ext uri="{0D108BD9-81ED-4DB2-BD59-A6C34878D82A}">
+                    <a16:rowId xmlns:a16="http://schemas.microsoft.com/office/drawing/2014/main" val="275859928"/>
+                  </a:ext>
+                </a:extLst>
+              </a:tr>
+              <a:tr h="606565">
+                <a:tc>
+                  <a:txBody>
+                    <a:bodyPr/>
+                    <a:lstStyle/>
+                    <a:p>
+                      <a:pPr marL="0" marR="0" lvl="0" indent="0" algn="l" defTabSz="914400" rtl="0" eaLnBrk="1" fontAlgn="auto" latinLnBrk="1" hangingPunct="1">
+                        <a:lnSpc>
+                          <a:spcPct val="100000"/>
+                        </a:lnSpc>
+                        <a:spcBef>
+                          <a:spcPts val="0"/>
+                        </a:spcBef>
+                        <a:spcAft>
+                          <a:spcPts val="0"/>
+                        </a:spcAft>
+                        <a:buClrTx/>
+                        <a:buSzTx/>
+                        <a:buFontTx/>
+                        <a:buNone/>
+                        <a:tabLst/>
+                        <a:defRPr/>
+                      </a:pPr>
+                      <a:r>
+                        <a:rPr lang="ko-KR" altLang="en-US" dirty="0"/>
+                        <a:t>군집화</a:t>
+                      </a:r>
+                      <a:r>
+                        <a:rPr lang="en-US" altLang="ko-KR" dirty="0"/>
+                        <a:t>4</a:t>
+                      </a:r>
+                      <a:endParaRPr lang="ko-KR" altLang="en-US" dirty="0"/>
+                    </a:p>
+                  </a:txBody>
+                  <a:tcPr/>
+                </a:tc>
+                <a:tc>
+                  <a:txBody>
+                    <a:bodyPr/>
+                    <a:lstStyle/>
+                    <a:p>
+                      <a:pPr marL="0" marR="0" lvl="0" indent="0" algn="l" defTabSz="914400" rtl="0" eaLnBrk="1" fontAlgn="auto" latinLnBrk="1" hangingPunct="1">
+                        <a:lnSpc>
+                          <a:spcPct val="100000"/>
+                        </a:lnSpc>
+                        <a:spcBef>
+                          <a:spcPts val="0"/>
+                        </a:spcBef>
+                        <a:spcAft>
+                          <a:spcPts val="0"/>
+                        </a:spcAft>
+                        <a:buClrTx/>
+                        <a:buSzTx/>
+                        <a:buFontTx/>
+                        <a:buNone/>
+                        <a:tabLst/>
+                        <a:defRPr/>
+                      </a:pPr>
+                      <a:r>
+                        <a:rPr lang="en-US" altLang="ko-KR" sz="1800" b="0" i="0" kern="1200" dirty="0">
+                          <a:solidFill>
+                            <a:schemeClr val="tx1"/>
+                          </a:solidFill>
+                          <a:effectLst/>
+                          <a:latin typeface="+mn-lt"/>
+                          <a:ea typeface="+mn-ea"/>
+                          <a:cs typeface="+mn-cs"/>
+                        </a:rPr>
+                        <a:t>submit_clust.csv</a:t>
+                      </a:r>
+                      <a:endParaRPr lang="ko-KR" altLang="en-US" b="0" dirty="0"/>
+                    </a:p>
+                    <a:p>
+                      <a:pPr marL="0" marR="0" lvl="0" indent="0" algn="l" defTabSz="914400" rtl="0" eaLnBrk="1" fontAlgn="auto" latinLnBrk="1" hangingPunct="1">
+                        <a:lnSpc>
+                          <a:spcPct val="100000"/>
+                        </a:lnSpc>
+                        <a:spcBef>
+                          <a:spcPts val="0"/>
+                        </a:spcBef>
+                        <a:spcAft>
+                          <a:spcPts val="0"/>
+                        </a:spcAft>
+                        <a:buClrTx/>
+                        <a:buSzTx/>
+                        <a:buFontTx/>
+                        <a:buNone/>
+                        <a:tabLst/>
+                        <a:defRPr/>
+                      </a:pPr>
+                      <a:endParaRPr lang="ko-KR" altLang="en-US" b="0" dirty="0"/>
+                    </a:p>
+                  </a:txBody>
+                  <a:tcPr/>
+                </a:tc>
+                <a:tc>
+                  <a:txBody>
+                    <a:bodyPr/>
+                    <a:lstStyle/>
+                    <a:p>
+                      <a:pPr marL="0" marR="0" lvl="0" indent="0" algn="l" defTabSz="914400" rtl="0" eaLnBrk="1" fontAlgn="auto" latinLnBrk="1" hangingPunct="1">
+                        <a:lnSpc>
+                          <a:spcPct val="100000"/>
+                        </a:lnSpc>
+                        <a:spcBef>
+                          <a:spcPts val="0"/>
+                        </a:spcBef>
+                        <a:spcAft>
+                          <a:spcPts val="0"/>
+                        </a:spcAft>
+                        <a:buClrTx/>
+                        <a:buSzTx/>
+                        <a:buFontTx/>
+                        <a:buNone/>
+                        <a:tabLst/>
+                        <a:defRPr/>
+                      </a:pPr>
+                      <a:endParaRPr lang="ko-KR" altLang="en-US" b="0" dirty="0"/>
+                    </a:p>
+                  </a:txBody>
+                  <a:tcPr/>
+                </a:tc>
+                <a:extLst>
+                  <a:ext uri="{0D108BD9-81ED-4DB2-BD59-A6C34878D82A}">
+                    <a16:rowId xmlns:a16="http://schemas.microsoft.com/office/drawing/2014/main" val="793635337"/>
+                  </a:ext>
+                </a:extLst>
+              </a:tr>
+              <a:tr h="606565">
+                <a:tc>
+                  <a:txBody>
+                    <a:bodyPr/>
+                    <a:lstStyle/>
+                    <a:p>
+                      <a:endParaRPr lang="ko-KR" altLang="en-US" dirty="0"/>
+                    </a:p>
+                  </a:txBody>
+                  <a:tcPr/>
+                </a:tc>
+                <a:tc>
+                  <a:txBody>
+                    <a:bodyPr/>
+                    <a:lstStyle/>
+                    <a:p>
+                      <a:endParaRPr lang="ko-KR" altLang="en-US" b="0" dirty="0"/>
+                    </a:p>
+                  </a:txBody>
+                  <a:tcPr/>
+                </a:tc>
+                <a:tc>
+                  <a:txBody>
+                    <a:bodyPr/>
+                    <a:lstStyle/>
+                    <a:p>
+                      <a:endParaRPr lang="ko-KR" altLang="en-US" b="0" dirty="0"/>
+                    </a:p>
+                  </a:txBody>
+                  <a:tcPr/>
+                </a:tc>
+                <a:extLst>
+                  <a:ext uri="{0D108BD9-81ED-4DB2-BD59-A6C34878D82A}">
+                    <a16:rowId xmlns:a16="http://schemas.microsoft.com/office/drawing/2014/main" val="151129042"/>
+                  </a:ext>
+                </a:extLst>
+              </a:tr>
+              <a:tr h="606565">
+                <a:tc>
+                  <a:txBody>
+                    <a:bodyPr/>
+                    <a:lstStyle/>
+                    <a:p>
+                      <a:endParaRPr lang="ko-KR" altLang="en-US" dirty="0"/>
+                    </a:p>
+                  </a:txBody>
+                  <a:tcPr/>
+                </a:tc>
+                <a:tc>
+                  <a:txBody>
+                    <a:bodyPr/>
+                    <a:lstStyle/>
+                    <a:p>
+                      <a:endParaRPr lang="ko-KR" altLang="en-US" b="0" dirty="0"/>
+                    </a:p>
+                  </a:txBody>
+                  <a:tcPr/>
+                </a:tc>
+                <a:tc>
+                  <a:txBody>
+                    <a:bodyPr/>
+                    <a:lstStyle/>
+                    <a:p>
+                      <a:endParaRPr lang="ko-KR" altLang="en-US" b="0" dirty="0"/>
+                    </a:p>
+                  </a:txBody>
+                  <a:tcPr/>
+                </a:tc>
+                <a:extLst>
+                  <a:ext uri="{0D108BD9-81ED-4DB2-BD59-A6C34878D82A}">
+                    <a16:rowId xmlns:a16="http://schemas.microsoft.com/office/drawing/2014/main" val="379668471"/>
+                  </a:ext>
+                </a:extLst>
+              </a:tr>
+              <a:tr h="606565">
+                <a:tc>
+                  <a:txBody>
+                    <a:bodyPr/>
+                    <a:lstStyle/>
+                    <a:p>
+                      <a:endParaRPr lang="ko-KR" altLang="en-US" dirty="0"/>
+                    </a:p>
+                  </a:txBody>
+                  <a:tcPr/>
+                </a:tc>
+                <a:tc>
+                  <a:txBody>
+                    <a:bodyPr/>
+                    <a:lstStyle/>
+                    <a:p>
+                      <a:endParaRPr lang="ko-KR" altLang="en-US" b="0" dirty="0"/>
+                    </a:p>
+                  </a:txBody>
+                  <a:tcPr/>
+                </a:tc>
+                <a:tc>
+                  <a:txBody>
+                    <a:bodyPr/>
+                    <a:lstStyle/>
+                    <a:p>
+                      <a:endParaRPr lang="ko-KR" altLang="en-US" b="0" dirty="0"/>
+                    </a:p>
+                  </a:txBody>
+                  <a:tcPr/>
+                </a:tc>
+                <a:extLst>
+                  <a:ext uri="{0D108BD9-81ED-4DB2-BD59-A6C34878D82A}">
+                    <a16:rowId xmlns:a16="http://schemas.microsoft.com/office/drawing/2014/main" val="3392749830"/>
+                  </a:ext>
+                </a:extLst>
+              </a:tr>
+              <a:tr h="606565">
+                <a:tc>
+                  <a:txBody>
+                    <a:bodyPr/>
+                    <a:lstStyle/>
+                    <a:p>
+                      <a:endParaRPr lang="ko-KR" altLang="en-US" dirty="0"/>
+                    </a:p>
+                  </a:txBody>
+                  <a:tcPr/>
+                </a:tc>
+                <a:tc>
+                  <a:txBody>
+                    <a:bodyPr/>
+                    <a:lstStyle/>
+                    <a:p>
+                      <a:endParaRPr lang="ko-KR" altLang="en-US" b="0" dirty="0"/>
+                    </a:p>
+                  </a:txBody>
+                  <a:tcPr/>
+                </a:tc>
+                <a:tc>
+                  <a:txBody>
+                    <a:bodyPr/>
+                    <a:lstStyle/>
+                    <a:p>
+                      <a:endParaRPr lang="ko-KR" altLang="en-US" b="0" dirty="0"/>
+                    </a:p>
+                  </a:txBody>
+                  <a:tcPr/>
+                </a:tc>
+                <a:extLst>
+                  <a:ext uri="{0D108BD9-81ED-4DB2-BD59-A6C34878D82A}">
+                    <a16:rowId xmlns:a16="http://schemas.microsoft.com/office/drawing/2014/main" val="2996738327"/>
+                  </a:ext>
+                </a:extLst>
+              </a:tr>
+              <a:tr h="606565">
+                <a:tc>
+                  <a:txBody>
+                    <a:bodyPr/>
+                    <a:lstStyle/>
+                    <a:p>
+                      <a:endParaRPr lang="ko-KR" altLang="en-US" dirty="0"/>
+                    </a:p>
+                  </a:txBody>
+                  <a:tcPr/>
+                </a:tc>
+                <a:tc>
+                  <a:txBody>
+                    <a:bodyPr/>
+                    <a:lstStyle/>
+                    <a:p>
+                      <a:endParaRPr lang="ko-KR" altLang="en-US" b="0" dirty="0"/>
+                    </a:p>
+                  </a:txBody>
+                  <a:tcPr/>
+                </a:tc>
+                <a:tc>
+                  <a:txBody>
+                    <a:bodyPr/>
+                    <a:lstStyle/>
+                    <a:p>
+                      <a:endParaRPr lang="ko-KR" altLang="en-US" b="0" dirty="0"/>
+                    </a:p>
+                  </a:txBody>
+                  <a:tcPr/>
+                </a:tc>
+                <a:extLst>
+                  <a:ext uri="{0D108BD9-81ED-4DB2-BD59-A6C34878D82A}">
+                    <a16:rowId xmlns:a16="http://schemas.microsoft.com/office/drawing/2014/main" val="2962882694"/>
+                  </a:ext>
+                </a:extLst>
+              </a:tr>
+              <a:tr h="606565">
+                <a:tc>
+                  <a:txBody>
+                    <a:bodyPr/>
+                    <a:lstStyle/>
+                    <a:p>
+                      <a:endParaRPr lang="ko-KR" altLang="en-US" dirty="0"/>
+                    </a:p>
+                  </a:txBody>
+                  <a:tcPr/>
+                </a:tc>
+                <a:tc>
+                  <a:txBody>
+                    <a:bodyPr/>
+                    <a:lstStyle/>
+                    <a:p>
+                      <a:endParaRPr lang="ko-KR" altLang="en-US" b="0" dirty="0"/>
+                    </a:p>
+                  </a:txBody>
+                  <a:tcPr/>
+                </a:tc>
+                <a:tc>
+                  <a:txBody>
+                    <a:bodyPr/>
+                    <a:lstStyle/>
+                    <a:p>
+                      <a:endParaRPr lang="ko-KR" altLang="en-US" b="0" dirty="0"/>
+                    </a:p>
+                  </a:txBody>
+                  <a:tcPr/>
+                </a:tc>
+                <a:extLst>
+                  <a:ext uri="{0D108BD9-81ED-4DB2-BD59-A6C34878D82A}">
+                    <a16:rowId xmlns:a16="http://schemas.microsoft.com/office/drawing/2014/main" val="667559872"/>
+                  </a:ext>
+                </a:extLst>
+              </a:tr>
+            </a:tbl>
+          </a:graphicData>
+        </a:graphic>
+      </p:graphicFrame>
+      <p:pic>
+        <p:nvPicPr>
+          <p:cNvPr id="9" name="그림 8">
+            <a:extLst>
+              <a:ext uri="{FF2B5EF4-FFF2-40B4-BE49-F238E27FC236}">
+                <a16:creationId xmlns:a16="http://schemas.microsoft.com/office/drawing/2014/main" id="{7FC10B1F-F2ED-4F17-B4ED-B61E1D80FA11}"/>
+              </a:ext>
+            </a:extLst>
+          </p:cNvPr>
+          <p:cNvPicPr>
+            <a:picLocks noChangeAspect="1"/>
+          </p:cNvPicPr>
+          <p:nvPr/>
+        </p:nvPicPr>
+        <p:blipFill>
+          <a:blip r:embed="rId2"/>
+          <a:stretch>
+            <a:fillRect/>
+          </a:stretch>
+        </p:blipFill>
+        <p:spPr>
+          <a:xfrm>
+            <a:off x="8523491" y="371112"/>
+            <a:ext cx="2550003" cy="6115775"/>
+          </a:xfrm>
+          <a:prstGeom prst="rect">
+            <a:avLst/>
+          </a:prstGeom>
+          <a:ln>
+            <a:solidFill>
+              <a:schemeClr val="tx1"/>
+            </a:solidFill>
+          </a:ln>
+        </p:spPr>
+      </p:pic>
+    </p:spTree>
+    <p:extLst>
+      <p:ext uri="{BB962C8B-B14F-4D97-AF65-F5344CB8AC3E}">
+        <p14:creationId xmlns:p14="http://schemas.microsoft.com/office/powerpoint/2010/main" val="1946642156"/>
+      </p:ext>
+    </p:extLst>
+  </p:cSld>
+  <p:clrMapOvr>
+    <a:masterClrMapping/>
+  </p:clrMapOvr>
+</p:sld>
+</file>
+
+<file path=ppt/slides/slide11.xml><?xml version="1.0" encoding="utf-8"?>
+<p:sld xmlns:a="http://schemas.openxmlformats.org/drawingml/2006/main" xmlns:r="http://schemas.openxmlformats.org/officeDocument/2006/relationships" xmlns:p="http://schemas.openxmlformats.org/presentationml/2006/main">
+  <p:cSld>
+    <p:spTree>
+      <p:nvGrpSpPr>
+        <p:cNvPr id="1" name=""/>
+        <p:cNvGrpSpPr/>
+        <p:nvPr/>
+      </p:nvGrpSpPr>
+      <p:grpSpPr>
+        <a:xfrm>
+          <a:off x="0" y="0"/>
+          <a:ext cx="0" cy="0"/>
+          <a:chOff x="0" y="0"/>
+          <a:chExt cx="0" cy="0"/>
+        </a:xfrm>
+      </p:grpSpPr>
+      <p:pic>
+        <p:nvPicPr>
+          <p:cNvPr id="3" name="그림 2">
+            <a:extLst>
+              <a:ext uri="{FF2B5EF4-FFF2-40B4-BE49-F238E27FC236}">
+                <a16:creationId xmlns:a16="http://schemas.microsoft.com/office/drawing/2014/main" id="{DC0DAE71-7058-4772-B9B2-8ACCF2E2A19F}"/>
+              </a:ext>
+            </a:extLst>
+          </p:cNvPr>
+          <p:cNvPicPr>
+            <a:picLocks noChangeAspect="1"/>
+          </p:cNvPicPr>
+          <p:nvPr/>
+        </p:nvPicPr>
+        <p:blipFill>
+          <a:blip r:embed="rId2"/>
+          <a:stretch>
+            <a:fillRect/>
+          </a:stretch>
+        </p:blipFill>
+        <p:spPr>
+          <a:xfrm>
+            <a:off x="557792" y="3429000"/>
+            <a:ext cx="2673557" cy="3292913"/>
+          </a:xfrm>
+          <a:prstGeom prst="rect">
+            <a:avLst/>
+          </a:prstGeom>
+          <a:ln>
+            <a:solidFill>
+              <a:schemeClr val="tx1"/>
+            </a:solidFill>
+          </a:ln>
+        </p:spPr>
+      </p:pic>
+      <p:pic>
+        <p:nvPicPr>
+          <p:cNvPr id="6" name="그림 5">
+            <a:extLst>
+              <a:ext uri="{FF2B5EF4-FFF2-40B4-BE49-F238E27FC236}">
+                <a16:creationId xmlns:a16="http://schemas.microsoft.com/office/drawing/2014/main" id="{D0CDA39F-4077-4A6D-B2E9-FEAD230E25AA}"/>
+              </a:ext>
+            </a:extLst>
+          </p:cNvPr>
+          <p:cNvPicPr>
+            <a:picLocks noChangeAspect="1"/>
+          </p:cNvPicPr>
+          <p:nvPr/>
+        </p:nvPicPr>
+        <p:blipFill>
+          <a:blip r:embed="rId3"/>
+          <a:stretch>
+            <a:fillRect/>
+          </a:stretch>
+        </p:blipFill>
+        <p:spPr>
+          <a:xfrm>
+            <a:off x="4514630" y="3184989"/>
+            <a:ext cx="2463514" cy="3673011"/>
+          </a:xfrm>
+          <a:prstGeom prst="rect">
+            <a:avLst/>
+          </a:prstGeom>
+          <a:ln>
+            <a:solidFill>
+              <a:schemeClr val="tx1"/>
+            </a:solidFill>
+          </a:ln>
+        </p:spPr>
+      </p:pic>
+      <p:pic>
+        <p:nvPicPr>
+          <p:cNvPr id="11" name="그림 10">
+            <a:extLst>
+              <a:ext uri="{FF2B5EF4-FFF2-40B4-BE49-F238E27FC236}">
+                <a16:creationId xmlns:a16="http://schemas.microsoft.com/office/drawing/2014/main" id="{8128FD45-F9F7-4D4A-A5F7-6AF43B95E377}"/>
+              </a:ext>
+            </a:extLst>
+          </p:cNvPr>
+          <p:cNvPicPr>
+            <a:picLocks noChangeAspect="1"/>
+          </p:cNvPicPr>
+          <p:nvPr/>
+        </p:nvPicPr>
+        <p:blipFill>
+          <a:blip r:embed="rId4"/>
+          <a:stretch>
+            <a:fillRect/>
+          </a:stretch>
+        </p:blipFill>
+        <p:spPr>
+          <a:xfrm>
+            <a:off x="9389865" y="2006380"/>
+            <a:ext cx="2642036" cy="4715533"/>
+          </a:xfrm>
+          <a:prstGeom prst="rect">
+            <a:avLst/>
+          </a:prstGeom>
+          <a:ln>
+            <a:solidFill>
+              <a:schemeClr val="tx1"/>
+            </a:solidFill>
+          </a:ln>
+        </p:spPr>
+      </p:pic>
+      <p:pic>
+        <p:nvPicPr>
+          <p:cNvPr id="13" name="그림 12">
+            <a:extLst>
+              <a:ext uri="{FF2B5EF4-FFF2-40B4-BE49-F238E27FC236}">
+                <a16:creationId xmlns:a16="http://schemas.microsoft.com/office/drawing/2014/main" id="{9F38F81E-B773-4719-8EC5-36A2E70385B7}"/>
+              </a:ext>
+            </a:extLst>
+          </p:cNvPr>
+          <p:cNvPicPr>
+            <a:picLocks noChangeAspect="1"/>
+          </p:cNvPicPr>
+          <p:nvPr/>
+        </p:nvPicPr>
+        <p:blipFill>
+          <a:blip r:embed="rId5"/>
+          <a:stretch>
+            <a:fillRect/>
+          </a:stretch>
+        </p:blipFill>
+        <p:spPr>
+          <a:xfrm>
+            <a:off x="324486" y="275030"/>
+            <a:ext cx="8380288" cy="2781838"/>
+          </a:xfrm>
+          <a:prstGeom prst="rect">
+            <a:avLst/>
+          </a:prstGeom>
+          <a:ln>
+            <a:solidFill>
+              <a:schemeClr val="tx1"/>
+            </a:solidFill>
+          </a:ln>
+        </p:spPr>
+      </p:pic>
+    </p:spTree>
+    <p:extLst>
+      <p:ext uri="{BB962C8B-B14F-4D97-AF65-F5344CB8AC3E}">
+        <p14:creationId xmlns:p14="http://schemas.microsoft.com/office/powerpoint/2010/main" val="3864490755"/>
+      </p:ext>
+    </p:extLst>
+  </p:cSld>
+  <p:clrMapOvr>
+    <a:masterClrMapping/>
+  </p:clrMapOvr>
+</p:sld>
+</file>
+
+<file path=ppt/slides/slide12.xml><?xml version="1.0" encoding="utf-8"?>
+<p:sld xmlns:a="http://schemas.openxmlformats.org/drawingml/2006/main" xmlns:r="http://schemas.openxmlformats.org/officeDocument/2006/relationships" xmlns:p="http://schemas.openxmlformats.org/presentationml/2006/main">
+  <p:cSld>
+    <p:spTree>
+      <p:nvGrpSpPr>
+        <p:cNvPr id="1" name=""/>
+        <p:cNvGrpSpPr/>
+        <p:nvPr/>
+      </p:nvGrpSpPr>
+      <p:grpSpPr>
+        <a:xfrm>
+          <a:off x="0" y="0"/>
+          <a:ext cx="0" cy="0"/>
+          <a:chOff x="0" y="0"/>
+          <a:chExt cx="0" cy="0"/>
+        </a:xfrm>
+      </p:grpSpPr>
+      <p:pic>
+        <p:nvPicPr>
+          <p:cNvPr id="4" name="그림 3">
+            <a:extLst>
+              <a:ext uri="{FF2B5EF4-FFF2-40B4-BE49-F238E27FC236}">
+                <a16:creationId xmlns:a16="http://schemas.microsoft.com/office/drawing/2014/main" id="{2AF95E60-8791-4312-8B97-4797E0FDF33F}"/>
+              </a:ext>
+            </a:extLst>
+          </p:cNvPr>
+          <p:cNvPicPr>
+            <a:picLocks noChangeAspect="1"/>
+          </p:cNvPicPr>
+          <p:nvPr/>
+        </p:nvPicPr>
+        <p:blipFill>
+          <a:blip r:embed="rId2"/>
+          <a:stretch>
+            <a:fillRect/>
+          </a:stretch>
+        </p:blipFill>
+        <p:spPr>
+          <a:xfrm>
+            <a:off x="667146" y="333164"/>
+            <a:ext cx="4171982" cy="6191671"/>
+          </a:xfrm>
+          <a:prstGeom prst="rect">
+            <a:avLst/>
+          </a:prstGeom>
+          <a:ln>
+            <a:solidFill>
+              <a:schemeClr val="tx1"/>
+            </a:solidFill>
+          </a:ln>
+        </p:spPr>
+      </p:pic>
+    </p:spTree>
+    <p:extLst>
+      <p:ext uri="{BB962C8B-B14F-4D97-AF65-F5344CB8AC3E}">
+        <p14:creationId xmlns:p14="http://schemas.microsoft.com/office/powerpoint/2010/main" val="2737292999"/>
+      </p:ext>
+    </p:extLst>
+  </p:cSld>
+  <p:clrMapOvr>
+    <a:masterClrMapping/>
+  </p:clrMapOvr>
+</p:sld>
+</file>
+
 <file path=ppt/slides/slide2.xml><?xml version="1.0" encoding="utf-8"?>
 <p:sld xmlns:a="http://schemas.openxmlformats.org/drawingml/2006/main" xmlns:r="http://schemas.openxmlformats.org/officeDocument/2006/relationships" xmlns:p="http://schemas.openxmlformats.org/presentationml/2006/main">
   <p:cSld>
@@ -3996,7 +4882,7 @@
         </p:blipFill>
         <p:spPr>
           <a:xfrm>
-            <a:off x="7792338" y="582608"/>
+            <a:off x="7836942" y="582608"/>
             <a:ext cx="2416229" cy="5692783"/>
           </a:xfrm>
           <a:prstGeom prst="rect">
@@ -4106,7 +4992,7 @@
         </p:blipFill>
         <p:spPr>
           <a:xfrm>
-            <a:off x="4514629" y="471059"/>
+            <a:off x="4514629" y="356759"/>
             <a:ext cx="3162741" cy="6144482"/>
           </a:xfrm>
           <a:prstGeom prst="rect">
@@ -4119,6 +5005,97 @@
           </a:ln>
         </p:spPr>
       </p:pic>
+      <p:sp>
+        <p:nvSpPr>
+          <p:cNvPr id="7" name="직사각형 6">
+            <a:extLst>
+              <a:ext uri="{FF2B5EF4-FFF2-40B4-BE49-F238E27FC236}">
+                <a16:creationId xmlns:a16="http://schemas.microsoft.com/office/drawing/2014/main" id="{C030B1D4-B04B-4584-AB97-FEED5165503B}"/>
+              </a:ext>
+            </a:extLst>
+          </p:cNvPr>
+          <p:cNvSpPr/>
+          <p:nvPr/>
+        </p:nvSpPr>
+        <p:spPr>
+          <a:xfrm>
+            <a:off x="4514630" y="1059684"/>
+            <a:ext cx="2243010" cy="1538550"/>
+          </a:xfrm>
+          <a:prstGeom prst="rect">
+            <a:avLst/>
+          </a:prstGeom>
+          <a:noFill/>
+          <a:ln w="38100">
+            <a:solidFill>
+              <a:srgbClr val="FF0000"/>
+            </a:solidFill>
+          </a:ln>
+        </p:spPr>
+        <p:style>
+          <a:lnRef idx="2">
+            <a:schemeClr val="accent1">
+              <a:shade val="50000"/>
+            </a:schemeClr>
+          </a:lnRef>
+          <a:fillRef idx="1">
+            <a:schemeClr val="accent1"/>
+          </a:fillRef>
+          <a:effectRef idx="0">
+            <a:schemeClr val="accent1"/>
+          </a:effectRef>
+          <a:fontRef idx="minor">
+            <a:schemeClr val="lt1"/>
+          </a:fontRef>
+        </p:style>
+        <p:txBody>
+          <a:bodyPr rtlCol="0" anchor="ctr"/>
+          <a:lstStyle/>
+          <a:p>
+            <a:pPr algn="ctr"/>
+            <a:endParaRPr lang="ko-KR" altLang="en-US"/>
+          </a:p>
+        </p:txBody>
+      </p:sp>
+      <p:sp>
+        <p:nvSpPr>
+          <p:cNvPr id="8" name="TextBox 7">
+            <a:extLst>
+              <a:ext uri="{FF2B5EF4-FFF2-40B4-BE49-F238E27FC236}">
+                <a16:creationId xmlns:a16="http://schemas.microsoft.com/office/drawing/2014/main" id="{3D6F19A7-6D78-499D-BDCF-055265CDC41C}"/>
+              </a:ext>
+            </a:extLst>
+          </p:cNvPr>
+          <p:cNvSpPr txBox="1"/>
+          <p:nvPr/>
+        </p:nvSpPr>
+        <p:spPr>
+          <a:xfrm>
+            <a:off x="6757640" y="1546592"/>
+            <a:ext cx="1189749" cy="369332"/>
+          </a:xfrm>
+          <a:prstGeom prst="rect">
+            <a:avLst/>
+          </a:prstGeom>
+          <a:noFill/>
+        </p:spPr>
+        <p:txBody>
+          <a:bodyPr wrap="none" rtlCol="0">
+            <a:spAutoFit/>
+          </a:bodyPr>
+          <a:lstStyle/>
+          <a:p>
+            <a:r>
+              <a:rPr lang="ko-KR" altLang="en-US" b="1" dirty="0">
+                <a:solidFill>
+                  <a:srgbClr val="FF0000"/>
+                </a:solidFill>
+              </a:rPr>
+              <a:t>추가 변수</a:t>
+            </a:r>
+          </a:p>
+        </p:txBody>
+      </p:sp>
     </p:spTree>
     <p:extLst>
       <p:ext uri="{BB962C8B-B14F-4D97-AF65-F5344CB8AC3E}">
@@ -4161,13 +5138,7 @@
           <p:cNvGraphicFramePr>
             <a:graphicFrameLocks noGrp="1"/>
           </p:cNvGraphicFramePr>
-          <p:nvPr>
-            <p:extLst>
-              <p:ext uri="{D42A27DB-BD31-4B8C-83A1-F6EECF244321}">
-                <p14:modId xmlns:p14="http://schemas.microsoft.com/office/powerpoint/2010/main" val="2317019860"/>
-              </p:ext>
-            </p:extLst>
-          </p:nvPr>
+          <p:nvPr/>
         </p:nvGraphicFramePr>
         <p:xfrm>
           <a:off x="718456" y="529244"/>
@@ -4879,13 +5850,7 @@
           <p:cNvGraphicFramePr>
             <a:graphicFrameLocks noGrp="1"/>
           </p:cNvGraphicFramePr>
-          <p:nvPr>
-            <p:extLst>
-              <p:ext uri="{D42A27DB-BD31-4B8C-83A1-F6EECF244321}">
-                <p14:modId xmlns:p14="http://schemas.microsoft.com/office/powerpoint/2010/main" val="2970081191"/>
-              </p:ext>
-            </p:extLst>
-          </p:nvPr>
+          <p:nvPr/>
         </p:nvGraphicFramePr>
         <p:xfrm>
           <a:off x="5364479" y="529244"/>
@@ -5444,7 +6409,7 @@
     </p:spTree>
     <p:extLst>
       <p:ext uri="{BB962C8B-B14F-4D97-AF65-F5344CB8AC3E}">
-        <p14:creationId xmlns:p14="http://schemas.microsoft.com/office/powerpoint/2010/main" val="3864490755"/>
+        <p14:creationId xmlns:p14="http://schemas.microsoft.com/office/powerpoint/2010/main" val="479316048"/>
       </p:ext>
     </p:extLst>
   </p:cSld>
@@ -5486,14 +6451,14 @@
           <p:nvPr>
             <p:extLst>
               <p:ext uri="{D42A27DB-BD31-4B8C-83A1-F6EECF244321}">
-                <p14:modId xmlns:p14="http://schemas.microsoft.com/office/powerpoint/2010/main" val="3672972852"/>
+                <p14:modId xmlns:p14="http://schemas.microsoft.com/office/powerpoint/2010/main" val="1220422669"/>
               </p:ext>
             </p:extLst>
           </p:nvPr>
         </p:nvGraphicFramePr>
         <p:xfrm>
-          <a:off x="718456" y="529244"/>
-          <a:ext cx="4385533" cy="5263801"/>
+          <a:off x="774212" y="214944"/>
+          <a:ext cx="4385533" cy="6428111"/>
         </p:xfrm>
         <a:graphic>
           <a:graphicData uri="http://schemas.openxmlformats.org/drawingml/2006/table">
@@ -5776,19 +6741,63 @@
                     <a:lstStyle/>
                     <a:p>
                       <a:r>
-                        <a:rPr lang="en-US" altLang="ko-KR" dirty="0"/>
-                        <a:t>rf, </a:t>
+                        <a:rPr lang="ko-KR" altLang="en-US" sz="1800" b="0" i="0" kern="1200" dirty="0" err="1">
+                          <a:solidFill>
+                            <a:schemeClr val="tx1"/>
+                          </a:solidFill>
+                          <a:effectLst/>
+                          <a:latin typeface="+mn-lt"/>
+                          <a:ea typeface="+mn-ea"/>
+                          <a:cs typeface="+mn-cs"/>
+                        </a:rPr>
+                        <a:t>랜덤포레스트</a:t>
                       </a:r>
                       <a:r>
-                        <a:rPr lang="en-US" altLang="ko-KR" dirty="0" err="1"/>
+                        <a:rPr lang="en-US" altLang="ko-KR" sz="1800" b="0" i="0" kern="1200" dirty="0">
+                          <a:solidFill>
+                            <a:schemeClr val="tx1"/>
+                          </a:solidFill>
+                          <a:effectLst/>
+                          <a:latin typeface="+mn-lt"/>
+                          <a:ea typeface="+mn-ea"/>
+                          <a:cs typeface="+mn-cs"/>
+                        </a:rPr>
+                        <a:t>, </a:t>
+                      </a:r>
+                      <a:r>
+                        <a:rPr lang="en-US" altLang="ko-KR" sz="1800" b="0" i="0" kern="1200" dirty="0" err="1">
+                          <a:solidFill>
+                            <a:schemeClr val="tx1"/>
+                          </a:solidFill>
+                          <a:effectLst/>
+                          <a:latin typeface="+mn-lt"/>
+                          <a:ea typeface="+mn-ea"/>
+                          <a:cs typeface="+mn-cs"/>
+                        </a:rPr>
                         <a:t>svm</a:t>
                       </a:r>
                       <a:r>
-                        <a:rPr lang="en-US" altLang="ko-KR" dirty="0"/>
+                        <a:rPr lang="en-US" altLang="ko-KR" sz="1800" b="0" i="0" kern="1200" dirty="0">
+                          <a:solidFill>
+                            <a:schemeClr val="tx1"/>
+                          </a:solidFill>
+                          <a:effectLst/>
+                          <a:latin typeface="+mn-lt"/>
+                          <a:ea typeface="+mn-ea"/>
+                          <a:cs typeface="+mn-cs"/>
+                        </a:rPr>
                         <a:t>, </a:t>
                       </a:r>
                       <a:r>
-                        <a:rPr lang="en-US" altLang="ko-KR" dirty="0" err="1"/>
+                        <a:rPr lang="en-US" altLang="ko-KR" sz="1800" b="0" i="0" kern="1200" dirty="0" err="1">
+                          <a:solidFill>
+                            <a:schemeClr val="tx1"/>
+                          </a:solidFill>
+                          <a:effectLst/>
+                          <a:latin typeface="+mn-lt"/>
+                          <a:ea typeface="+mn-ea"/>
+                          <a:cs typeface="+mn-cs"/>
+                        </a:rPr>
                         <a:t>xgb</a:t>
                       </a:r>
                       <a:endParaRPr lang="ko-KR" altLang="en-US" dirty="0"/>
@@ -5829,8 +6838,16 @@
                     <a:lstStyle/>
                     <a:p>
                       <a:r>
-                        <a:rPr lang="en-US" altLang="ko-KR" dirty="0"/>
-                        <a:t>df, rf, et</a:t>
+                        <a:rPr lang="en-US" altLang="ko-KR" sz="1800" b="0" i="0" kern="1200" dirty="0">
+                          <a:solidFill>
+                            <a:schemeClr val="tx1"/>
+                          </a:solidFill>
+                          <a:effectLst/>
+                          <a:latin typeface="+mn-lt"/>
+                          <a:ea typeface="+mn-ea"/>
+                          <a:cs typeface="+mn-cs"/>
+                        </a:rPr>
+                        <a:t>Extra Trees Regressor, Random Forest Regressor, Decision Tree Regressor</a:t>
                       </a:r>
                       <a:endParaRPr lang="ko-KR" altLang="en-US" dirty="0"/>
                     </a:p>
@@ -6005,6 +7022,214 @@
           </a:graphicData>
         </a:graphic>
       </p:graphicFrame>
+      <p:sp>
+        <p:nvSpPr>
+          <p:cNvPr id="5" name="TextBox 4">
+            <a:extLst>
+              <a:ext uri="{FF2B5EF4-FFF2-40B4-BE49-F238E27FC236}">
+                <a16:creationId xmlns:a16="http://schemas.microsoft.com/office/drawing/2014/main" id="{A5D9A4F8-2BB5-4E78-8C96-BC347230A649}"/>
+              </a:ext>
+            </a:extLst>
+          </p:cNvPr>
+          <p:cNvSpPr txBox="1"/>
+          <p:nvPr/>
+        </p:nvSpPr>
+        <p:spPr>
+          <a:xfrm>
+            <a:off x="5767969" y="2163107"/>
+            <a:ext cx="6094140" cy="2531783"/>
+          </a:xfrm>
+          <a:prstGeom prst="rect">
+            <a:avLst/>
+          </a:prstGeom>
+          <a:noFill/>
+        </p:spPr>
+        <p:txBody>
+          <a:bodyPr wrap="square">
+            <a:spAutoFit/>
+          </a:bodyPr>
+          <a:lstStyle/>
+          <a:p>
+            <a:pPr>
+              <a:lnSpc>
+                <a:spcPct val="150000"/>
+              </a:lnSpc>
+            </a:pPr>
+            <a:r>
+              <a:rPr lang="ko-KR" altLang="en-US" b="1" dirty="0"/>
+              <a:t>1. </a:t>
+            </a:r>
+            <a:r>
+              <a:rPr lang="ko-KR" altLang="en-US" b="1" dirty="0" err="1"/>
+              <a:t>파이캐럿</a:t>
+            </a:r>
+            <a:r>
+              <a:rPr lang="ko-KR" altLang="en-US" b="1" dirty="0"/>
+              <a:t> 돌리기(모델비교), best3 </a:t>
+            </a:r>
+            <a:r>
+              <a:rPr lang="ko-KR" altLang="en-US" b="1" dirty="0" err="1"/>
+              <a:t>모델생성&amp;튜닝하기</a:t>
+            </a:r>
+            <a:endParaRPr lang="ko-KR" altLang="en-US" b="1" dirty="0"/>
+          </a:p>
+          <a:p>
+            <a:pPr>
+              <a:lnSpc>
+                <a:spcPct val="150000"/>
+              </a:lnSpc>
+            </a:pPr>
+            <a:r>
+              <a:rPr lang="ko-KR" altLang="en-US" dirty="0"/>
+              <a:t>2. 제출 비교 </a:t>
+            </a:r>
+            <a:endParaRPr lang="en-US" altLang="ko-KR" dirty="0"/>
+          </a:p>
+          <a:p>
+            <a:pPr>
+              <a:lnSpc>
+                <a:spcPct val="150000"/>
+              </a:lnSpc>
+            </a:pPr>
+            <a:r>
+              <a:rPr lang="en-US" altLang="ko-KR" dirty="0"/>
+              <a:t>	</a:t>
+            </a:r>
+            <a:r>
+              <a:rPr lang="ko-KR" altLang="en-US" dirty="0"/>
+              <a:t>일반 </a:t>
+            </a:r>
+            <a:r>
+              <a:rPr lang="ko-KR" altLang="en-US" dirty="0" err="1"/>
+              <a:t>xgboost</a:t>
+            </a:r>
+            <a:endParaRPr lang="en-US" altLang="ko-KR" dirty="0"/>
+          </a:p>
+          <a:p>
+            <a:pPr>
+              <a:lnSpc>
+                <a:spcPct val="150000"/>
+              </a:lnSpc>
+            </a:pPr>
+            <a:r>
+              <a:rPr lang="en-US" altLang="ko-KR" dirty="0"/>
+              <a:t>	</a:t>
+            </a:r>
+            <a:r>
+              <a:rPr lang="ko-KR" altLang="en-US" dirty="0" err="1"/>
+              <a:t>스태킹</a:t>
+            </a:r>
+            <a:r>
+              <a:rPr lang="ko-KR" altLang="en-US" dirty="0"/>
+              <a:t>  1</a:t>
+            </a:r>
+            <a:r>
+              <a:rPr lang="en-US" altLang="ko-KR" dirty="0"/>
+              <a:t>)</a:t>
+            </a:r>
+            <a:r>
+              <a:rPr lang="ko-KR" altLang="en-US" dirty="0"/>
+              <a:t> </a:t>
+            </a:r>
+            <a:r>
+              <a:rPr lang="ko-KR" altLang="en-US" dirty="0" err="1"/>
+              <a:t>rf</a:t>
+            </a:r>
+            <a:r>
+              <a:rPr lang="ko-KR" altLang="en-US" dirty="0"/>
+              <a:t> </a:t>
+            </a:r>
+            <a:r>
+              <a:rPr lang="ko-KR" altLang="en-US" dirty="0" err="1"/>
+              <a:t>svm</a:t>
+            </a:r>
+            <a:r>
+              <a:rPr lang="ko-KR" altLang="en-US" dirty="0"/>
+              <a:t> </a:t>
+            </a:r>
+            <a:r>
+              <a:rPr lang="ko-KR" altLang="en-US" dirty="0" err="1"/>
+              <a:t>xgb</a:t>
+            </a:r>
+            <a:r>
+              <a:rPr lang="ko-KR" altLang="en-US" dirty="0"/>
+              <a:t> 2</a:t>
+            </a:r>
+            <a:r>
+              <a:rPr lang="en-US" altLang="ko-KR" dirty="0"/>
+              <a:t>)</a:t>
+            </a:r>
+            <a:r>
+              <a:rPr lang="ko-KR" altLang="en-US" dirty="0"/>
+              <a:t> </a:t>
+            </a:r>
+            <a:r>
+              <a:rPr lang="ko-KR" altLang="en-US" dirty="0" err="1"/>
+              <a:t>dt</a:t>
+            </a:r>
+            <a:r>
+              <a:rPr lang="ko-KR" altLang="en-US" dirty="0"/>
+              <a:t> </a:t>
+            </a:r>
+            <a:r>
+              <a:rPr lang="ko-KR" altLang="en-US" dirty="0" err="1"/>
+              <a:t>rf</a:t>
+            </a:r>
+            <a:r>
+              <a:rPr lang="ko-KR" altLang="en-US" dirty="0"/>
+              <a:t> </a:t>
+            </a:r>
+            <a:r>
+              <a:rPr lang="ko-KR" altLang="en-US" dirty="0" err="1"/>
+              <a:t>et</a:t>
+            </a:r>
+            <a:endParaRPr lang="en-US" altLang="ko-KR" dirty="0"/>
+          </a:p>
+          <a:p>
+            <a:pPr>
+              <a:lnSpc>
+                <a:spcPct val="150000"/>
+              </a:lnSpc>
+            </a:pPr>
+            <a:r>
+              <a:rPr lang="en-US" altLang="ko-KR" dirty="0"/>
+              <a:t>	</a:t>
+            </a:r>
+            <a:r>
+              <a:rPr lang="ko-KR" altLang="en-US" dirty="0" err="1"/>
+              <a:t>파이캐럿</a:t>
+            </a:r>
+            <a:r>
+              <a:rPr lang="ko-KR" altLang="en-US" dirty="0"/>
+              <a:t> best3</a:t>
+            </a:r>
+          </a:p>
+          <a:p>
+            <a:pPr>
+              <a:lnSpc>
+                <a:spcPct val="150000"/>
+              </a:lnSpc>
+            </a:pPr>
+            <a:r>
+              <a:rPr lang="ko-KR" altLang="en-US" dirty="0"/>
+              <a:t>3. (</a:t>
+            </a:r>
+            <a:r>
+              <a:rPr lang="ko-KR" altLang="en-US" dirty="0" err="1"/>
+              <a:t>과적합</a:t>
+            </a:r>
+            <a:r>
+              <a:rPr lang="ko-KR" altLang="en-US" dirty="0"/>
+              <a:t> 문제로) CV 세트기반 </a:t>
+            </a:r>
+            <a:r>
+              <a:rPr lang="ko-KR" altLang="en-US" dirty="0" err="1"/>
+              <a:t>스태킹</a:t>
+            </a:r>
+            <a:endParaRPr lang="ko-KR" altLang="en-US" dirty="0"/>
+          </a:p>
+        </p:txBody>
+      </p:sp>
     </p:spTree>
     <p:extLst>
       <p:ext uri="{BB962C8B-B14F-4D97-AF65-F5344CB8AC3E}">
@@ -6037,10 +7262,10 @@
       </p:grpSpPr>
       <p:pic>
         <p:nvPicPr>
-          <p:cNvPr id="3" name="그림 2">
-            <a:extLst>
-              <a:ext uri="{FF2B5EF4-FFF2-40B4-BE49-F238E27FC236}">
-                <a16:creationId xmlns:a16="http://schemas.microsoft.com/office/drawing/2014/main" id="{E85926A9-4E0B-4DDF-A657-73A020EDA24B}"/>
+          <p:cNvPr id="4" name="그림 3">
+            <a:extLst>
+              <a:ext uri="{FF2B5EF4-FFF2-40B4-BE49-F238E27FC236}">
+                <a16:creationId xmlns:a16="http://schemas.microsoft.com/office/drawing/2014/main" id="{CFFF9BC1-C7ED-4B4D-B62F-C7F6994FC666}"/>
               </a:ext>
             </a:extLst>
           </p:cNvPr>
@@ -6057,8 +7282,8 @@
         </p:blipFill>
         <p:spPr>
           <a:xfrm>
-            <a:off x="346860" y="823549"/>
-            <a:ext cx="11498280" cy="5210902"/>
+            <a:off x="432597" y="833075"/>
+            <a:ext cx="11326806" cy="5191850"/>
           </a:xfrm>
           <a:prstGeom prst="rect">
             <a:avLst/>
@@ -6102,10 +7327,10 @@
       </p:grpSpPr>
       <p:pic>
         <p:nvPicPr>
-          <p:cNvPr id="4" name="그림 3">
-            <a:extLst>
-              <a:ext uri="{FF2B5EF4-FFF2-40B4-BE49-F238E27FC236}">
-                <a16:creationId xmlns:a16="http://schemas.microsoft.com/office/drawing/2014/main" id="{C0012D68-8CAE-4D1A-9546-99BC07DD77C5}"/>
+          <p:cNvPr id="3" name="그림 2">
+            <a:extLst>
+              <a:ext uri="{FF2B5EF4-FFF2-40B4-BE49-F238E27FC236}">
+                <a16:creationId xmlns:a16="http://schemas.microsoft.com/office/drawing/2014/main" id="{F0472D7D-8867-407F-83F5-3097D977C750}"/>
               </a:ext>
             </a:extLst>
           </p:cNvPr>
@@ -6122,8 +7347,8 @@
         </p:blipFill>
         <p:spPr>
           <a:xfrm>
-            <a:off x="1145622" y="299442"/>
-            <a:ext cx="9369978" cy="6259115"/>
+            <a:off x="1018902" y="264125"/>
+            <a:ext cx="9624773" cy="6493513"/>
           </a:xfrm>
           <a:prstGeom prst="rect">
             <a:avLst/>
@@ -6187,6 +7412,70 @@
           </a:p>
         </p:txBody>
       </p:sp>
+    </p:spTree>
+    <p:extLst>
+      <p:ext uri="{BB962C8B-B14F-4D97-AF65-F5344CB8AC3E}">
+        <p14:creationId xmlns:p14="http://schemas.microsoft.com/office/powerpoint/2010/main" val="1854588153"/>
+      </p:ext>
+    </p:extLst>
+  </p:cSld>
+  <p:clrMapOvr>
+    <a:masterClrMapping/>
+  </p:clrMapOvr>
+</p:sld>
+</file>
+
+<file path=ppt/slides/slide9.xml><?xml version="1.0" encoding="utf-8"?>
+<p:sld xmlns:a="http://schemas.openxmlformats.org/drawingml/2006/main" xmlns:r="http://schemas.openxmlformats.org/officeDocument/2006/relationships" xmlns:p="http://schemas.openxmlformats.org/presentationml/2006/main">
+  <p:cSld>
+    <p:spTree>
+      <p:nvGrpSpPr>
+        <p:cNvPr id="1" name=""/>
+        <p:cNvGrpSpPr/>
+        <p:nvPr/>
+      </p:nvGrpSpPr>
+      <p:grpSpPr>
+        <a:xfrm>
+          <a:off x="0" y="0"/>
+          <a:ext cx="0" cy="0"/>
+          <a:chOff x="0" y="0"/>
+          <a:chExt cx="0" cy="0"/>
+        </a:xfrm>
+      </p:grpSpPr>
+      <p:pic>
+        <p:nvPicPr>
+          <p:cNvPr id="7" name="그림 6">
+            <a:extLst>
+              <a:ext uri="{FF2B5EF4-FFF2-40B4-BE49-F238E27FC236}">
+                <a16:creationId xmlns:a16="http://schemas.microsoft.com/office/drawing/2014/main" id="{63FB7876-DFAE-4CD7-AD68-F6EE6DA12F13}"/>
+              </a:ext>
+            </a:extLst>
+          </p:cNvPr>
+          <p:cNvPicPr>
+            <a:picLocks noChangeAspect="1"/>
+          </p:cNvPicPr>
+          <p:nvPr/>
+        </p:nvPicPr>
+        <p:blipFill rotWithShape="1">
+          <a:blip r:embed="rId2"/>
+          <a:srcRect t="1909"/>
+          <a:stretch/>
+        </p:blipFill>
+        <p:spPr>
+          <a:xfrm>
+            <a:off x="1197693" y="602888"/>
+            <a:ext cx="4898307" cy="5652223"/>
+          </a:xfrm>
+          <a:prstGeom prst="rect">
+            <a:avLst/>
+          </a:prstGeom>
+          <a:ln>
+            <a:solidFill>
+              <a:schemeClr val="tx1"/>
+            </a:solidFill>
+          </a:ln>
+        </p:spPr>
+      </p:pic>
     </p:spTree>
     <p:extLst>
       <p:ext uri="{BB962C8B-B14F-4D97-AF65-F5344CB8AC3E}">

--- a/파일/대회.pptx
+++ b/파일/대회.pptx
@@ -17,6 +17,7 @@
     <p:sldId id="266" r:id="rId11"/>
     <p:sldId id="256" r:id="rId12"/>
     <p:sldId id="267" r:id="rId13"/>
+    <p:sldId id="269" r:id="rId14"/>
   </p:sldIdLst>
   <p:sldSz cx="12192000" cy="6858000"/>
   <p:notesSz cx="6858000" cy="9144000"/>
@@ -4468,6 +4469,141 @@
     <p:extLst>
       <p:ext uri="{BB962C8B-B14F-4D97-AF65-F5344CB8AC3E}">
         <p14:creationId xmlns:p14="http://schemas.microsoft.com/office/powerpoint/2010/main" val="2737292999"/>
+      </p:ext>
+    </p:extLst>
+  </p:cSld>
+  <p:clrMapOvr>
+    <a:masterClrMapping/>
+  </p:clrMapOvr>
+</p:sld>
+</file>
+
+<file path=ppt/slides/slide13.xml><?xml version="1.0" encoding="utf-8"?>
+<p:sld xmlns:a="http://schemas.openxmlformats.org/drawingml/2006/main" xmlns:r="http://schemas.openxmlformats.org/officeDocument/2006/relationships" xmlns:p="http://schemas.openxmlformats.org/presentationml/2006/main">
+  <p:cSld>
+    <p:spTree>
+      <p:nvGrpSpPr>
+        <p:cNvPr id="1" name=""/>
+        <p:cNvGrpSpPr/>
+        <p:nvPr/>
+      </p:nvGrpSpPr>
+      <p:grpSpPr>
+        <a:xfrm>
+          <a:off x="0" y="0"/>
+          <a:ext cx="0" cy="0"/>
+          <a:chOff x="0" y="0"/>
+          <a:chExt cx="0" cy="0"/>
+        </a:xfrm>
+      </p:grpSpPr>
+      <p:pic>
+        <p:nvPicPr>
+          <p:cNvPr id="6" name="그림 5">
+            <a:extLst>
+              <a:ext uri="{FF2B5EF4-FFF2-40B4-BE49-F238E27FC236}">
+                <a16:creationId xmlns:a16="http://schemas.microsoft.com/office/drawing/2014/main" id="{3F9DFC4A-1CFC-466F-937C-7CAAAB466D5A}"/>
+              </a:ext>
+            </a:extLst>
+          </p:cNvPr>
+          <p:cNvPicPr>
+            <a:picLocks noChangeAspect="1"/>
+          </p:cNvPicPr>
+          <p:nvPr/>
+        </p:nvPicPr>
+        <p:blipFill>
+          <a:blip r:embed="rId2"/>
+          <a:stretch>
+            <a:fillRect/>
+          </a:stretch>
+        </p:blipFill>
+        <p:spPr>
+          <a:xfrm>
+            <a:off x="146739" y="235867"/>
+            <a:ext cx="7712992" cy="3193133"/>
+          </a:xfrm>
+          <a:prstGeom prst="rect">
+            <a:avLst/>
+          </a:prstGeom>
+          <a:ln>
+            <a:solidFill>
+              <a:schemeClr val="tx1"/>
+            </a:solidFill>
+          </a:ln>
+        </p:spPr>
+      </p:pic>
+      <p:pic>
+        <p:nvPicPr>
+          <p:cNvPr id="3" name="그림 2">
+            <a:extLst>
+              <a:ext uri="{FF2B5EF4-FFF2-40B4-BE49-F238E27FC236}">
+                <a16:creationId xmlns:a16="http://schemas.microsoft.com/office/drawing/2014/main" id="{317F32D0-7239-471A-94ED-F22D060D3C1E}"/>
+              </a:ext>
+            </a:extLst>
+          </p:cNvPr>
+          <p:cNvPicPr>
+            <a:picLocks noChangeAspect="1"/>
+          </p:cNvPicPr>
+          <p:nvPr/>
+        </p:nvPicPr>
+        <p:blipFill>
+          <a:blip r:embed="rId3"/>
+          <a:stretch>
+            <a:fillRect/>
+          </a:stretch>
+        </p:blipFill>
+        <p:spPr>
+          <a:xfrm>
+            <a:off x="6096000" y="3649855"/>
+            <a:ext cx="4958901" cy="2876919"/>
+          </a:xfrm>
+          <a:prstGeom prst="rect">
+            <a:avLst/>
+          </a:prstGeom>
+          <a:ln>
+            <a:solidFill>
+              <a:schemeClr val="tx1"/>
+            </a:solidFill>
+          </a:ln>
+        </p:spPr>
+      </p:pic>
+      <p:sp>
+        <p:nvSpPr>
+          <p:cNvPr id="8" name="TextBox 7">
+            <a:extLst>
+              <a:ext uri="{FF2B5EF4-FFF2-40B4-BE49-F238E27FC236}">
+                <a16:creationId xmlns:a16="http://schemas.microsoft.com/office/drawing/2014/main" id="{1BC3009A-8575-4F7B-9229-B74BCF4C6A0D}"/>
+              </a:ext>
+            </a:extLst>
+          </p:cNvPr>
+          <p:cNvSpPr txBox="1"/>
+          <p:nvPr/>
+        </p:nvSpPr>
+        <p:spPr>
+          <a:xfrm>
+            <a:off x="387849" y="3649855"/>
+            <a:ext cx="6097712" cy="246221"/>
+          </a:xfrm>
+          <a:prstGeom prst="rect">
+            <a:avLst/>
+          </a:prstGeom>
+          <a:noFill/>
+        </p:spPr>
+        <p:txBody>
+          <a:bodyPr wrap="square">
+            <a:spAutoFit/>
+          </a:bodyPr>
+          <a:lstStyle/>
+          <a:p>
+            <a:r>
+              <a:rPr lang="ko-KR" altLang="en-US" sz="1000" dirty="0"/>
+              <a:t>https://www.dbpia.co.kr/journal/articleDetail?nodeId=NODE11398084</a:t>
+            </a:r>
+          </a:p>
+        </p:txBody>
+      </p:sp>
+    </p:spTree>
+    <p:extLst>
+      <p:ext uri="{BB962C8B-B14F-4D97-AF65-F5344CB8AC3E}">
+        <p14:creationId xmlns:p14="http://schemas.microsoft.com/office/powerpoint/2010/main" val="3064327712"/>
       </p:ext>
     </p:extLst>
   </p:cSld>

--- a/파일/대회.pptx
+++ b/파일/대회.pptx
@@ -18,6 +18,8 @@
     <p:sldId id="256" r:id="rId12"/>
     <p:sldId id="267" r:id="rId13"/>
     <p:sldId id="269" r:id="rId14"/>
+    <p:sldId id="272" r:id="rId15"/>
+    <p:sldId id="270" r:id="rId16"/>
   </p:sldIdLst>
   <p:sldSz cx="12192000" cy="6858000"/>
   <p:notesSz cx="6858000" cy="9144000"/>
@@ -3633,14 +3635,14 @@
           <p:nvPr>
             <p:extLst>
               <p:ext uri="{D42A27DB-BD31-4B8C-83A1-F6EECF244321}">
-                <p14:modId xmlns:p14="http://schemas.microsoft.com/office/powerpoint/2010/main" val="4268049200"/>
+                <p14:modId xmlns:p14="http://schemas.microsoft.com/office/powerpoint/2010/main" val="3518808750"/>
               </p:ext>
             </p:extLst>
           </p:nvPr>
         </p:nvGraphicFramePr>
         <p:xfrm>
-          <a:off x="1118506" y="730819"/>
-          <a:ext cx="5186649" cy="5297316"/>
+          <a:off x="779458" y="555778"/>
+          <a:ext cx="6550248" cy="6162896"/>
         </p:xfrm>
         <a:graphic>
           <a:graphicData uri="http://schemas.openxmlformats.org/drawingml/2006/table">
@@ -3649,14 +3651,14 @@
                 <a:tableStyleId>{5940675A-B579-460E-94D1-54222C63F5DA}</a:tableStyleId>
               </a:tblPr>
               <a:tblGrid>
-                <a:gridCol w="1750759">
+                <a:gridCol w="2294255">
                   <a:extLst>
                     <a:ext uri="{9D8B030D-6E8A-4147-A177-3AD203B41FA5}">
                       <a16:colId xmlns:a16="http://schemas.microsoft.com/office/drawing/2014/main" val="1413976546"/>
                     </a:ext>
                   </a:extLst>
                 </a:gridCol>
-                <a:gridCol w="1920240">
+                <a:gridCol w="2740343">
                   <a:extLst>
                     <a:ext uri="{9D8B030D-6E8A-4147-A177-3AD203B41FA5}">
                       <a16:colId xmlns:a16="http://schemas.microsoft.com/office/drawing/2014/main" val="192059268"/>
@@ -3742,20 +3744,60 @@
                         <a:defRPr/>
                       </a:pPr>
                       <a:r>
-                        <a:rPr lang="en-US" altLang="ko-KR" dirty="0" err="1"/>
+                        <a:rPr lang="en-US" altLang="ko-KR" sz="1200" dirty="0" err="1"/>
                         <a:t>Pycaret</a:t>
                       </a:r>
                       <a:r>
-                        <a:rPr lang="en-US" altLang="ko-KR" dirty="0"/>
+                        <a:rPr lang="en-US" altLang="ko-KR" sz="1200" dirty="0"/>
                         <a:t>-et</a:t>
                       </a:r>
                       <a:r>
-                        <a:rPr lang="ko-KR" altLang="en-US" dirty="0"/>
+                        <a:rPr lang="ko-KR" altLang="en-US" sz="1200" dirty="0"/>
                         <a:t>모델</a:t>
                       </a:r>
+                      <a:endParaRPr lang="en-US" altLang="ko-KR" sz="1200" dirty="0"/>
+                    </a:p>
+                    <a:p>
+                      <a:pPr marL="0" marR="0" lvl="0" indent="0" algn="l" defTabSz="914400" rtl="0" eaLnBrk="1" fontAlgn="auto" latinLnBrk="1" hangingPunct="1">
+                        <a:lnSpc>
+                          <a:spcPct val="100000"/>
+                        </a:lnSpc>
+                        <a:spcBef>
+                          <a:spcPts val="0"/>
+                        </a:spcBef>
+                        <a:spcAft>
+                          <a:spcPts val="0"/>
+                        </a:spcAft>
+                        <a:buClrTx/>
+                        <a:buSzTx/>
+                        <a:buFontTx/>
+                        <a:buNone/>
+                        <a:tabLst/>
+                        <a:defRPr/>
+                      </a:pPr>
+                      <a:r>
+                        <a:rPr lang="en-US" altLang="ko-KR" sz="1200" dirty="0"/>
+                        <a:t>(</a:t>
+                      </a:r>
+                      <a:r>
+                        <a:rPr lang="ko-KR" altLang="en-US" sz="1200" dirty="0"/>
+                        <a:t>군집화 </a:t>
+                      </a:r>
+                      <a:r>
+                        <a:rPr lang="en-US" altLang="ko-KR" sz="1200" dirty="0"/>
+                        <a:t>x)</a:t>
+                      </a:r>
+                      <a:endParaRPr lang="ko-KR" altLang="en-US" sz="1200" dirty="0"/>
                     </a:p>
                   </a:txBody>
-                  <a:tcPr/>
+                  <a:tcPr>
+                    <a:solidFill>
+                      <a:schemeClr val="accent1">
+                        <a:lumMod val="20000"/>
+                        <a:lumOff val="80000"/>
+                      </a:schemeClr>
+                    </a:solidFill>
+                  </a:tcPr>
                 </a:tc>
                 <a:tc>
                   <a:txBody>
@@ -3794,7 +3836,14 @@
                       <a:endParaRPr lang="ko-KR" altLang="en-US" b="0" dirty="0"/>
                     </a:p>
                   </a:txBody>
-                  <a:tcPr/>
+                  <a:tcPr>
+                    <a:solidFill>
+                      <a:schemeClr val="accent1">
+                        <a:lumMod val="20000"/>
+                        <a:lumOff val="80000"/>
+                      </a:schemeClr>
+                    </a:solidFill>
+                  </a:tcPr>
                 </a:tc>
                 <a:tc>
                   <a:txBody>
@@ -3833,7 +3882,14 @@
                       <a:endParaRPr lang="ko-KR" altLang="en-US" b="0" dirty="0"/>
                     </a:p>
                   </a:txBody>
-                  <a:tcPr/>
+                  <a:tcPr>
+                    <a:solidFill>
+                      <a:schemeClr val="accent1">
+                        <a:lumMod val="20000"/>
+                        <a:lumOff val="80000"/>
+                      </a:schemeClr>
+                    </a:solidFill>
+                  </a:tcPr>
                 </a:tc>
                 <a:extLst>
                   <a:ext uri="{0D108BD9-81ED-4DB2-BD59-A6C34878D82A}">
@@ -3865,14 +3921,449 @@
                         <a:defRPr/>
                       </a:pPr>
                       <a:r>
-                        <a:rPr lang="ko-KR" altLang="en-US" dirty="0"/>
-                        <a:t>군집화</a:t>
-                      </a:r>
-                      <a:r>
-                        <a:rPr lang="en-US" altLang="ko-KR" dirty="0"/>
-                        <a:t>4</a:t>
-                      </a:r>
-                      <a:endParaRPr lang="ko-KR" altLang="en-US" dirty="0"/>
+                        <a:rPr lang="en-US" altLang="ko-KR" sz="1200" dirty="0" err="1"/>
+                        <a:t>Xgb</a:t>
+                      </a:r>
+                      <a:r>
+                        <a:rPr lang="en-US" altLang="ko-KR" sz="1200" dirty="0"/>
+                        <a:t> </a:t>
+                      </a:r>
+                      <a:r>
+                        <a:rPr lang="ko-KR" altLang="en-US" sz="1200" dirty="0"/>
+                        <a:t>모델</a:t>
+                      </a:r>
+                      <a:endParaRPr lang="en-US" altLang="ko-KR" sz="1200" dirty="0"/>
+                    </a:p>
+                    <a:p>
+                      <a:pPr marL="0" marR="0" lvl="0" indent="0" algn="l" defTabSz="914400" rtl="0" eaLnBrk="1" fontAlgn="auto" latinLnBrk="1" hangingPunct="1">
+                        <a:lnSpc>
+                          <a:spcPct val="100000"/>
+                        </a:lnSpc>
+                        <a:spcBef>
+                          <a:spcPts val="0"/>
+                        </a:spcBef>
+                        <a:spcAft>
+                          <a:spcPts val="0"/>
+                        </a:spcAft>
+                        <a:buClrTx/>
+                        <a:buSzTx/>
+                        <a:buFontTx/>
+                        <a:buNone/>
+                        <a:tabLst/>
+                        <a:defRPr/>
+                      </a:pPr>
+                      <a:r>
+                        <a:rPr lang="en-US" altLang="ko-KR" sz="1200" dirty="0"/>
+                        <a:t>(</a:t>
+                      </a:r>
+                      <a:r>
+                        <a:rPr lang="ko-KR" altLang="en-US" sz="1200" dirty="0"/>
+                        <a:t>군집화 </a:t>
+                      </a:r>
+                      <a:r>
+                        <a:rPr lang="en-US" altLang="ko-KR" sz="1200" dirty="0"/>
+                        <a:t>x)</a:t>
+                      </a:r>
+                      <a:endParaRPr lang="ko-KR" altLang="en-US" sz="1200" dirty="0"/>
+                    </a:p>
+                  </a:txBody>
+                  <a:tcPr>
+                    <a:solidFill>
+                      <a:schemeClr val="accent1">
+                        <a:lumMod val="20000"/>
+                        <a:lumOff val="80000"/>
+                      </a:schemeClr>
+                    </a:solidFill>
+                  </a:tcPr>
+                </a:tc>
+                <a:tc>
+                  <a:txBody>
+                    <a:bodyPr/>
+                    <a:lstStyle/>
+                    <a:p>
+                      <a:pPr marL="0" marR="0" lvl="0" indent="0" algn="l" defTabSz="914400" rtl="0" eaLnBrk="1" fontAlgn="auto" latinLnBrk="1" hangingPunct="1">
+                        <a:lnSpc>
+                          <a:spcPct val="100000"/>
+                        </a:lnSpc>
+                        <a:spcBef>
+                          <a:spcPts val="0"/>
+                        </a:spcBef>
+                        <a:spcAft>
+                          <a:spcPts val="0"/>
+                        </a:spcAft>
+                        <a:buClrTx/>
+                        <a:buSzTx/>
+                        <a:buFontTx/>
+                        <a:buNone/>
+                        <a:tabLst/>
+                        <a:defRPr/>
+                      </a:pPr>
+                      <a:r>
+                        <a:rPr lang="en-US" altLang="ko-KR" b="0" dirty="0"/>
+                        <a:t>submit_xgb.csv</a:t>
+                      </a:r>
+                      <a:endParaRPr lang="ko-KR" altLang="en-US" b="0" dirty="0"/>
+                    </a:p>
+                  </a:txBody>
+                  <a:tcPr>
+                    <a:solidFill>
+                      <a:schemeClr val="accent1">
+                        <a:lumMod val="20000"/>
+                        <a:lumOff val="80000"/>
+                      </a:schemeClr>
+                    </a:solidFill>
+                  </a:tcPr>
+                </a:tc>
+                <a:tc>
+                  <a:txBody>
+                    <a:bodyPr/>
+                    <a:lstStyle/>
+                    <a:p>
+                      <a:pPr marL="0" marR="0" lvl="0" indent="0" algn="l" defTabSz="914400" rtl="0" eaLnBrk="1" fontAlgn="auto" latinLnBrk="1" hangingPunct="1">
+                        <a:lnSpc>
+                          <a:spcPct val="100000"/>
+                        </a:lnSpc>
+                        <a:spcBef>
+                          <a:spcPts val="0"/>
+                        </a:spcBef>
+                        <a:spcAft>
+                          <a:spcPts val="0"/>
+                        </a:spcAft>
+                        <a:buClrTx/>
+                        <a:buSzTx/>
+                        <a:buFontTx/>
+                        <a:buNone/>
+                        <a:tabLst/>
+                        <a:defRPr/>
+                      </a:pPr>
+                      <a:endParaRPr lang="ko-KR" altLang="en-US" b="0" dirty="0"/>
+                    </a:p>
+                  </a:txBody>
+                  <a:tcPr>
+                    <a:solidFill>
+                      <a:schemeClr val="accent1">
+                        <a:lumMod val="20000"/>
+                        <a:lumOff val="80000"/>
+                      </a:schemeClr>
+                    </a:solidFill>
+                  </a:tcPr>
+                </a:tc>
+                <a:extLst>
+                  <a:ext uri="{0D108BD9-81ED-4DB2-BD59-A6C34878D82A}">
+                    <a16:rowId xmlns:a16="http://schemas.microsoft.com/office/drawing/2014/main" val="3032278111"/>
+                  </a:ext>
+                </a:extLst>
+              </a:tr>
+              <a:tr h="606565">
+                <a:tc>
+                  <a:txBody>
+                    <a:bodyPr/>
+                    <a:lstStyle/>
+                    <a:p>
+                      <a:pPr marL="0" marR="0" lvl="0" indent="0" algn="l" defTabSz="914400" rtl="0" eaLnBrk="1" fontAlgn="auto" latinLnBrk="1" hangingPunct="1">
+                        <a:lnSpc>
+                          <a:spcPct val="100000"/>
+                        </a:lnSpc>
+                        <a:spcBef>
+                          <a:spcPts val="0"/>
+                        </a:spcBef>
+                        <a:spcAft>
+                          <a:spcPts val="0"/>
+                        </a:spcAft>
+                        <a:buClrTx/>
+                        <a:buSzTx/>
+                        <a:buFontTx/>
+                        <a:buNone/>
+                        <a:tabLst/>
+                        <a:defRPr/>
+                      </a:pPr>
+                      <a:r>
+                        <a:rPr lang="en-US" altLang="ko-KR" sz="1200" dirty="0" err="1"/>
+                        <a:t>Pycaret</a:t>
+                      </a:r>
+                      <a:r>
+                        <a:rPr lang="en-US" altLang="ko-KR" sz="1200" dirty="0"/>
+                        <a:t> et</a:t>
+                      </a:r>
+                      <a:r>
+                        <a:rPr lang="ko-KR" altLang="en-US" sz="1200" dirty="0"/>
+                        <a:t> </a:t>
+                      </a:r>
+                      <a:r>
+                        <a:rPr lang="en-US" altLang="ko-KR" sz="1200" dirty="0"/>
+                        <a:t>model</a:t>
+                      </a:r>
+                      <a:r>
+                        <a:rPr lang="ko-KR" altLang="en-US" sz="1200" dirty="0"/>
+                        <a:t> 사용</a:t>
+                      </a:r>
+                      <a:endParaRPr lang="en-US" altLang="ko-KR" sz="1200" dirty="0"/>
+                    </a:p>
+                    <a:p>
+                      <a:pPr marL="0" marR="0" lvl="0" indent="0" algn="l" defTabSz="914400" rtl="0" eaLnBrk="1" fontAlgn="auto" latinLnBrk="1" hangingPunct="1">
+                        <a:lnSpc>
+                          <a:spcPct val="100000"/>
+                        </a:lnSpc>
+                        <a:spcBef>
+                          <a:spcPts val="0"/>
+                        </a:spcBef>
+                        <a:spcAft>
+                          <a:spcPts val="0"/>
+                        </a:spcAft>
+                        <a:buClrTx/>
+                        <a:buSzTx/>
+                        <a:buFontTx/>
+                        <a:buNone/>
+                        <a:tabLst/>
+                        <a:defRPr/>
+                      </a:pPr>
+                      <a:r>
+                        <a:rPr lang="en-US" altLang="ko-KR" sz="1200" dirty="0"/>
+                        <a:t>(</a:t>
+                      </a:r>
+                      <a:r>
+                        <a:rPr lang="en-US" altLang="ko-KR" sz="1200" b="0" kern="1200" dirty="0" err="1">
+                          <a:solidFill>
+                            <a:schemeClr val="tx1"/>
+                          </a:solidFill>
+                          <a:effectLst/>
+                          <a:latin typeface="+mn-lt"/>
+                          <a:ea typeface="+mn-ea"/>
+                          <a:cs typeface="+mn-cs"/>
+                        </a:rPr>
+                        <a:t>model_clust_et</a:t>
+                      </a:r>
+                      <a:endParaRPr lang="en-US" altLang="ko-KR" sz="1200" b="0" kern="1200" dirty="0">
+                        <a:solidFill>
+                          <a:schemeClr val="tx1"/>
+                        </a:solidFill>
+                        <a:effectLst/>
+                        <a:latin typeface="+mn-lt"/>
+                        <a:ea typeface="+mn-ea"/>
+                        <a:cs typeface="+mn-cs"/>
+                      </a:endParaRPr>
+                    </a:p>
+                    <a:p>
+                      <a:pPr marL="0" marR="0" lvl="0" indent="0" algn="l" defTabSz="914400" rtl="0" eaLnBrk="1" fontAlgn="auto" latinLnBrk="1" hangingPunct="1">
+                        <a:lnSpc>
+                          <a:spcPct val="100000"/>
+                        </a:lnSpc>
+                        <a:spcBef>
+                          <a:spcPts val="0"/>
+                        </a:spcBef>
+                        <a:spcAft>
+                          <a:spcPts val="0"/>
+                        </a:spcAft>
+                        <a:buClrTx/>
+                        <a:buSzTx/>
+                        <a:buFontTx/>
+                        <a:buNone/>
+                        <a:tabLst/>
+                        <a:defRPr/>
+                      </a:pPr>
+                      <a:r>
+                        <a:rPr lang="en-US" altLang="ko-KR" sz="1200" dirty="0" err="1"/>
+                        <a:t>N.pkl</a:t>
+                      </a:r>
+                      <a:r>
+                        <a:rPr lang="en-US" altLang="ko-KR" sz="1200" dirty="0"/>
+                        <a:t>)</a:t>
+                      </a:r>
+                      <a:endParaRPr lang="ko-KR" altLang="en-US" sz="1200" dirty="0"/>
+                    </a:p>
+                    <a:p>
+                      <a:pPr marL="0" marR="0" lvl="0" indent="0" algn="l" defTabSz="914400" rtl="0" eaLnBrk="1" fontAlgn="auto" latinLnBrk="1" hangingPunct="1">
+                        <a:lnSpc>
+                          <a:spcPct val="100000"/>
+                        </a:lnSpc>
+                        <a:spcBef>
+                          <a:spcPts val="0"/>
+                        </a:spcBef>
+                        <a:spcAft>
+                          <a:spcPts val="0"/>
+                        </a:spcAft>
+                        <a:buClrTx/>
+                        <a:buSzTx/>
+                        <a:buFontTx/>
+                        <a:buNone/>
+                        <a:tabLst/>
+                        <a:defRPr/>
+                      </a:pPr>
+                      <a:endParaRPr lang="ko-KR" altLang="en-US" sz="1200" dirty="0"/>
+                    </a:p>
+                  </a:txBody>
+                  <a:tcPr>
+                    <a:noFill/>
+                  </a:tcPr>
+                </a:tc>
+                <a:tc>
+                  <a:txBody>
+                    <a:bodyPr/>
+                    <a:lstStyle/>
+                    <a:p>
+                      <a:pPr marL="0" marR="0" lvl="0" indent="0" algn="l" defTabSz="914400" rtl="0" eaLnBrk="1" fontAlgn="auto" latinLnBrk="1" hangingPunct="1">
+                        <a:lnSpc>
+                          <a:spcPct val="100000"/>
+                        </a:lnSpc>
+                        <a:spcBef>
+                          <a:spcPts val="0"/>
+                        </a:spcBef>
+                        <a:spcAft>
+                          <a:spcPts val="0"/>
+                        </a:spcAft>
+                        <a:buClrTx/>
+                        <a:buSzTx/>
+                        <a:buFontTx/>
+                        <a:buNone/>
+                        <a:tabLst/>
+                        <a:defRPr/>
+                      </a:pPr>
+                      <a:r>
+                        <a:rPr lang="en-US" altLang="ko-KR" sz="1800" b="0" i="0" kern="1200" dirty="0">
+                          <a:solidFill>
+                            <a:schemeClr val="tx1"/>
+                          </a:solidFill>
+                          <a:effectLst/>
+                          <a:latin typeface="+mn-lt"/>
+                          <a:ea typeface="+mn-ea"/>
+                          <a:cs typeface="+mn-cs"/>
+                        </a:rPr>
+                        <a:t>submit_clust_et.csv</a:t>
+                      </a:r>
+                      <a:endParaRPr lang="ko-KR" altLang="en-US" b="0" dirty="0"/>
+                    </a:p>
+                    <a:p>
+                      <a:pPr marL="0" marR="0" lvl="0" indent="0" algn="l" defTabSz="914400" rtl="0" eaLnBrk="1" fontAlgn="auto" latinLnBrk="1" hangingPunct="1">
+                        <a:lnSpc>
+                          <a:spcPct val="100000"/>
+                        </a:lnSpc>
+                        <a:spcBef>
+                          <a:spcPts val="0"/>
+                        </a:spcBef>
+                        <a:spcAft>
+                          <a:spcPts val="0"/>
+                        </a:spcAft>
+                        <a:buClrTx/>
+                        <a:buSzTx/>
+                        <a:buFontTx/>
+                        <a:buNone/>
+                        <a:tabLst/>
+                        <a:defRPr/>
+                      </a:pPr>
+                      <a:endParaRPr lang="ko-KR" altLang="en-US" b="0" dirty="0"/>
+                    </a:p>
+                  </a:txBody>
+                  <a:tcPr>
+                    <a:noFill/>
+                  </a:tcPr>
+                </a:tc>
+                <a:tc>
+                  <a:txBody>
+                    <a:bodyPr/>
+                    <a:lstStyle/>
+                    <a:p>
+                      <a:pPr marL="0" marR="0" lvl="0" indent="0" algn="l" defTabSz="914400" rtl="0" eaLnBrk="1" fontAlgn="auto" latinLnBrk="1" hangingPunct="1">
+                        <a:lnSpc>
+                          <a:spcPct val="100000"/>
+                        </a:lnSpc>
+                        <a:spcBef>
+                          <a:spcPts val="0"/>
+                        </a:spcBef>
+                        <a:spcAft>
+                          <a:spcPts val="0"/>
+                        </a:spcAft>
+                        <a:buClrTx/>
+                        <a:buSzTx/>
+                        <a:buFontTx/>
+                        <a:buNone/>
+                        <a:tabLst/>
+                        <a:defRPr/>
+                      </a:pPr>
+                      <a:r>
+                        <a:rPr lang="en-US" altLang="ko-KR" b="0" dirty="0"/>
+                        <a:t>40.223</a:t>
+                      </a:r>
+                      <a:endParaRPr lang="ko-KR" altLang="en-US" b="0" dirty="0"/>
+                    </a:p>
+                  </a:txBody>
+                  <a:tcPr>
+                    <a:noFill/>
+                  </a:tcPr>
+                </a:tc>
+                <a:extLst>
+                  <a:ext uri="{0D108BD9-81ED-4DB2-BD59-A6C34878D82A}">
+                    <a16:rowId xmlns:a16="http://schemas.microsoft.com/office/drawing/2014/main" val="1496979251"/>
+                  </a:ext>
+                </a:extLst>
+              </a:tr>
+              <a:tr h="606565">
+                <a:tc>
+                  <a:txBody>
+                    <a:bodyPr/>
+                    <a:lstStyle/>
+                    <a:p>
+                      <a:pPr marL="0" marR="0" lvl="0" indent="0" algn="l" defTabSz="914400" rtl="0" eaLnBrk="1" fontAlgn="auto" latinLnBrk="1" hangingPunct="1">
+                        <a:lnSpc>
+                          <a:spcPct val="100000"/>
+                        </a:lnSpc>
+                        <a:spcBef>
+                          <a:spcPts val="0"/>
+                        </a:spcBef>
+                        <a:spcAft>
+                          <a:spcPts val="0"/>
+                        </a:spcAft>
+                        <a:buClrTx/>
+                        <a:buSzTx/>
+                        <a:buFontTx/>
+                        <a:buNone/>
+                        <a:tabLst/>
+                        <a:defRPr/>
+                      </a:pPr>
+                      <a:r>
+                        <a:rPr lang="en-US" altLang="ko-KR" sz="1200" dirty="0" err="1"/>
+                        <a:t>Pycaret</a:t>
+                      </a:r>
+                      <a:r>
+                        <a:rPr lang="en-US" altLang="ko-KR" sz="1200" dirty="0"/>
+                        <a:t> best model </a:t>
+                      </a:r>
+                      <a:r>
+                        <a:rPr lang="ko-KR" altLang="en-US" sz="1200" dirty="0"/>
+                        <a:t>사용</a:t>
+                      </a:r>
+                      <a:endParaRPr lang="en-US" altLang="ko-KR" sz="1200" dirty="0"/>
+                    </a:p>
+                    <a:p>
+                      <a:pPr marL="0" marR="0" lvl="0" indent="0" algn="l" defTabSz="914400" rtl="0" eaLnBrk="1" fontAlgn="auto" latinLnBrk="1" hangingPunct="1">
+                        <a:lnSpc>
+                          <a:spcPct val="100000"/>
+                        </a:lnSpc>
+                        <a:spcBef>
+                          <a:spcPts val="0"/>
+                        </a:spcBef>
+                        <a:spcAft>
+                          <a:spcPts val="0"/>
+                        </a:spcAft>
+                        <a:buClrTx/>
+                        <a:buSzTx/>
+                        <a:buFontTx/>
+                        <a:buNone/>
+                        <a:tabLst/>
+                        <a:defRPr/>
+                      </a:pPr>
+                      <a:r>
+                        <a:rPr lang="en-US" altLang="ko-KR" sz="1200" dirty="0"/>
+                        <a:t>(</a:t>
+                      </a:r>
+                      <a:r>
+                        <a:rPr lang="en-US" altLang="ko-KR" sz="1200" dirty="0" err="1"/>
+                        <a:t>model_clustN.pkl</a:t>
+                      </a:r>
+                      <a:r>
+                        <a:rPr lang="en-US" altLang="ko-KR" sz="1200" dirty="0"/>
+                        <a:t>)</a:t>
+                      </a:r>
+                      <a:endParaRPr lang="ko-KR" altLang="en-US" sz="1200" dirty="0"/>
                     </a:p>
                   </a:txBody>
                   <a:tcPr/>
@@ -3958,6 +4449,18 @@
                         <a:tabLst/>
                         <a:defRPr/>
                       </a:pPr>
+                      <a:r>
+                        <a:rPr lang="en-US" altLang="ko-KR" sz="1800" b="0" i="0" kern="1200" dirty="0">
+                          <a:solidFill>
+                            <a:schemeClr val="tx1"/>
+                          </a:solidFill>
+                          <a:effectLst/>
+                          <a:latin typeface="+mn-lt"/>
+                          <a:ea typeface="+mn-ea"/>
+                          <a:cs typeface="+mn-cs"/>
+                        </a:rPr>
+                        <a:t>40.180</a:t>
+                      </a:r>
                       <a:endParaRPr lang="ko-KR" altLang="en-US" b="0" dirty="0"/>
                     </a:p>
                   </a:txBody>
@@ -3975,7 +4478,344 @@
                     <a:bodyPr/>
                     <a:lstStyle/>
                     <a:p>
-                      <a:endParaRPr lang="ko-KR" altLang="en-US" dirty="0"/>
+                      <a:pPr marL="0" marR="0" lvl="0" indent="0" algn="l" defTabSz="914400" rtl="0" eaLnBrk="1" fontAlgn="auto" latinLnBrk="1" hangingPunct="1">
+                        <a:lnSpc>
+                          <a:spcPct val="100000"/>
+                        </a:lnSpc>
+                        <a:spcBef>
+                          <a:spcPts val="0"/>
+                        </a:spcBef>
+                        <a:spcAft>
+                          <a:spcPts val="0"/>
+                        </a:spcAft>
+                        <a:buClrTx/>
+                        <a:buSzTx/>
+                        <a:buFontTx/>
+                        <a:buNone/>
+                        <a:tabLst/>
+                        <a:defRPr/>
+                      </a:pPr>
+                      <a:r>
+                        <a:rPr lang="en-US" altLang="ko-KR" sz="1200" dirty="0" err="1"/>
+                        <a:t>Pycaret</a:t>
+                      </a:r>
+                      <a:r>
+                        <a:rPr lang="en-US" altLang="ko-KR" sz="1200" dirty="0"/>
+                        <a:t> best model </a:t>
+                      </a:r>
+                      <a:r>
+                        <a:rPr lang="ko-KR" altLang="en-US" sz="1200" dirty="0"/>
+                        <a:t>사용</a:t>
+                      </a:r>
+                      <a:endParaRPr lang="en-US" altLang="ko-KR" sz="1200" dirty="0"/>
+                    </a:p>
+                    <a:p>
+                      <a:pPr marL="0" marR="0" lvl="0" indent="0" algn="l" defTabSz="914400" rtl="0" eaLnBrk="1" fontAlgn="auto" latinLnBrk="1" hangingPunct="1">
+                        <a:lnSpc>
+                          <a:spcPct val="100000"/>
+                        </a:lnSpc>
+                        <a:spcBef>
+                          <a:spcPts val="0"/>
+                        </a:spcBef>
+                        <a:spcAft>
+                          <a:spcPts val="0"/>
+                        </a:spcAft>
+                        <a:buClrTx/>
+                        <a:buSzTx/>
+                        <a:buFontTx/>
+                        <a:buNone/>
+                        <a:tabLst/>
+                        <a:defRPr/>
+                      </a:pPr>
+                      <a:r>
+                        <a:rPr lang="en-US" altLang="ko-KR" sz="1200" dirty="0"/>
+                        <a:t>(</a:t>
+                      </a:r>
+                      <a:r>
+                        <a:rPr lang="en-US" altLang="ko-KR" sz="1200" dirty="0" err="1"/>
+                        <a:t>model_clustN.pkl</a:t>
+                      </a:r>
+                      <a:r>
+                        <a:rPr lang="en-US" altLang="ko-KR" sz="1200" dirty="0"/>
+                        <a:t>)</a:t>
+                      </a:r>
+                      <a:endParaRPr lang="ko-KR" altLang="en-US" sz="1200" dirty="0"/>
+                    </a:p>
+                    <a:p>
+                      <a:pPr marL="0" marR="0" lvl="0" indent="0" algn="l" defTabSz="914400" rtl="0" eaLnBrk="1" fontAlgn="auto" latinLnBrk="1" hangingPunct="1">
+                        <a:lnSpc>
+                          <a:spcPct val="100000"/>
+                        </a:lnSpc>
+                        <a:spcBef>
+                          <a:spcPts val="0"/>
+                        </a:spcBef>
+                        <a:spcAft>
+                          <a:spcPts val="0"/>
+                        </a:spcAft>
+                        <a:buClrTx/>
+                        <a:buSzTx/>
+                        <a:buFontTx/>
+                        <a:buNone/>
+                        <a:tabLst/>
+                        <a:defRPr/>
+                      </a:pPr>
+                      <a:endParaRPr lang="en-US" altLang="ko-KR" sz="1200" dirty="0"/>
+                    </a:p>
+                    <a:p>
+                      <a:pPr marL="0" marR="0" lvl="0" indent="0" algn="l" defTabSz="914400" rtl="0" eaLnBrk="1" fontAlgn="auto" latinLnBrk="1" hangingPunct="1">
+                        <a:lnSpc>
+                          <a:spcPct val="100000"/>
+                        </a:lnSpc>
+                        <a:spcBef>
+                          <a:spcPts val="0"/>
+                        </a:spcBef>
+                        <a:spcAft>
+                          <a:spcPts val="0"/>
+                        </a:spcAft>
+                        <a:buClrTx/>
+                        <a:buSzTx/>
+                        <a:buFontTx/>
+                        <a:buNone/>
+                        <a:tabLst/>
+                        <a:defRPr/>
+                      </a:pPr>
+                      <a:r>
+                        <a:rPr lang="ko-KR" altLang="en-US" sz="1200" dirty="0" err="1"/>
+                        <a:t>예측값</a:t>
+                      </a:r>
+                      <a:r>
+                        <a:rPr lang="ko-KR" altLang="en-US" sz="1200" dirty="0"/>
+                        <a:t> </a:t>
+                      </a:r>
+                      <a:r>
+                        <a:rPr lang="en-US" altLang="ko-KR" sz="1200" dirty="0"/>
+                        <a:t>Invers </a:t>
+                      </a:r>
+                      <a:r>
+                        <a:rPr lang="ko-KR" altLang="en-US" sz="1200" dirty="0"/>
+                        <a:t>수행</a:t>
+                      </a:r>
+                    </a:p>
+                  </a:txBody>
+                  <a:tcPr>
+                    <a:solidFill>
+                      <a:schemeClr val="bg2">
+                        <a:lumMod val="75000"/>
+                      </a:schemeClr>
+                    </a:solidFill>
+                  </a:tcPr>
+                </a:tc>
+                <a:tc>
+                  <a:txBody>
+                    <a:bodyPr/>
+                    <a:lstStyle/>
+                    <a:p>
+                      <a:pPr marL="0" marR="0" lvl="0" indent="0" algn="l" defTabSz="914400" rtl="0" eaLnBrk="1" fontAlgn="auto" latinLnBrk="1" hangingPunct="1">
+                        <a:lnSpc>
+                          <a:spcPct val="100000"/>
+                        </a:lnSpc>
+                        <a:spcBef>
+                          <a:spcPts val="0"/>
+                        </a:spcBef>
+                        <a:spcAft>
+                          <a:spcPts val="0"/>
+                        </a:spcAft>
+                        <a:buClrTx/>
+                        <a:buSzTx/>
+                        <a:buFontTx/>
+                        <a:buNone/>
+                        <a:tabLst/>
+                        <a:defRPr/>
+                      </a:pPr>
+                      <a:r>
+                        <a:rPr lang="en-US" altLang="ko-KR" sz="1800" b="0" i="0" kern="1200" dirty="0">
+                          <a:solidFill>
+                            <a:schemeClr val="tx1"/>
+                          </a:solidFill>
+                          <a:effectLst/>
+                          <a:latin typeface="+mn-lt"/>
+                          <a:ea typeface="+mn-ea"/>
+                          <a:cs typeface="+mn-cs"/>
+                        </a:rPr>
+                        <a:t>submit_clust_invers.csv</a:t>
+                      </a:r>
+                      <a:endParaRPr lang="ko-KR" altLang="en-US" b="0" dirty="0"/>
+                    </a:p>
+                  </a:txBody>
+                  <a:tcPr>
+                    <a:solidFill>
+                      <a:schemeClr val="bg2">
+                        <a:lumMod val="75000"/>
+                      </a:schemeClr>
+                    </a:solidFill>
+                  </a:tcPr>
+                </a:tc>
+                <a:tc>
+                  <a:txBody>
+                    <a:bodyPr/>
+                    <a:lstStyle/>
+                    <a:p>
+                      <a:pPr marL="0" marR="0" lvl="0" indent="0" algn="l" defTabSz="914400" rtl="0" eaLnBrk="1" fontAlgn="auto" latinLnBrk="1" hangingPunct="1">
+                        <a:lnSpc>
+                          <a:spcPct val="100000"/>
+                        </a:lnSpc>
+                        <a:spcBef>
+                          <a:spcPts val="0"/>
+                        </a:spcBef>
+                        <a:spcAft>
+                          <a:spcPts val="0"/>
+                        </a:spcAft>
+                        <a:buClrTx/>
+                        <a:buSzTx/>
+                        <a:buFontTx/>
+                        <a:buNone/>
+                        <a:tabLst/>
+                        <a:defRPr/>
+                      </a:pPr>
+                      <a:r>
+                        <a:rPr lang="en-US" altLang="ko-KR" sz="1800" b="0" i="0" kern="1200" dirty="0">
+                          <a:solidFill>
+                            <a:schemeClr val="tx1"/>
+                          </a:solidFill>
+                          <a:effectLst/>
+                          <a:latin typeface="+mn-lt"/>
+                          <a:ea typeface="+mn-ea"/>
+                          <a:cs typeface="+mn-cs"/>
+                        </a:rPr>
+                        <a:t>182.009</a:t>
+                      </a:r>
+                      <a:endParaRPr lang="ko-KR" altLang="en-US" b="0" dirty="0"/>
+                    </a:p>
+                  </a:txBody>
+                  <a:tcPr>
+                    <a:solidFill>
+                      <a:schemeClr val="bg2">
+                        <a:lumMod val="75000"/>
+                      </a:schemeClr>
+                    </a:solidFill>
+                  </a:tcPr>
+                </a:tc>
+                <a:extLst>
+                  <a:ext uri="{0D108BD9-81ED-4DB2-BD59-A6C34878D82A}">
+                    <a16:rowId xmlns:a16="http://schemas.microsoft.com/office/drawing/2014/main" val="2617082872"/>
+                  </a:ext>
+                </a:extLst>
+              </a:tr>
+              <a:tr h="606565">
+                <a:tc>
+                  <a:txBody>
+                    <a:bodyPr/>
+                    <a:lstStyle/>
+                    <a:p>
+                      <a:pPr marL="0" marR="0" lvl="0" indent="0" algn="l" defTabSz="914400" rtl="0" eaLnBrk="1" fontAlgn="auto" latinLnBrk="1" hangingPunct="1">
+                        <a:lnSpc>
+                          <a:spcPct val="100000"/>
+                        </a:lnSpc>
+                        <a:spcBef>
+                          <a:spcPts val="0"/>
+                        </a:spcBef>
+                        <a:spcAft>
+                          <a:spcPts val="0"/>
+                        </a:spcAft>
+                        <a:buClrTx/>
+                        <a:buSzTx/>
+                        <a:buFontTx/>
+                        <a:buNone/>
+                        <a:tabLst/>
+                        <a:defRPr/>
+                      </a:pPr>
+                      <a:r>
+                        <a:rPr lang="en-US" altLang="ko-KR" sz="1200" dirty="0" err="1"/>
+                        <a:t>Pycaret</a:t>
+                      </a:r>
+                      <a:r>
+                        <a:rPr lang="en-US" altLang="ko-KR" sz="1200" dirty="0"/>
+                        <a:t> best model </a:t>
+                      </a:r>
+                      <a:r>
+                        <a:rPr lang="ko-KR" altLang="en-US" sz="1200" dirty="0"/>
+                        <a:t>사용</a:t>
+                      </a:r>
+                      <a:endParaRPr lang="en-US" altLang="ko-KR" sz="1200" dirty="0"/>
+                    </a:p>
+                    <a:p>
+                      <a:pPr marL="0" marR="0" lvl="0" indent="0" algn="l" defTabSz="914400" rtl="0" eaLnBrk="1" fontAlgn="auto" latinLnBrk="1" hangingPunct="1">
+                        <a:lnSpc>
+                          <a:spcPct val="100000"/>
+                        </a:lnSpc>
+                        <a:spcBef>
+                          <a:spcPts val="0"/>
+                        </a:spcBef>
+                        <a:spcAft>
+                          <a:spcPts val="0"/>
+                        </a:spcAft>
+                        <a:buClrTx/>
+                        <a:buSzTx/>
+                        <a:buFontTx/>
+                        <a:buNone/>
+                        <a:tabLst/>
+                        <a:defRPr/>
+                      </a:pPr>
+                      <a:endParaRPr lang="en-US" altLang="ko-KR" sz="1200" dirty="0"/>
+                    </a:p>
+                    <a:p>
+                      <a:pPr marL="0" marR="0" lvl="0" indent="0" algn="l" defTabSz="914400" rtl="0" eaLnBrk="1" fontAlgn="auto" latinLnBrk="1" hangingPunct="1">
+                        <a:lnSpc>
+                          <a:spcPct val="100000"/>
+                        </a:lnSpc>
+                        <a:spcBef>
+                          <a:spcPts val="0"/>
+                        </a:spcBef>
+                        <a:spcAft>
+                          <a:spcPts val="0"/>
+                        </a:spcAft>
+                        <a:buClrTx/>
+                        <a:buSzTx/>
+                        <a:buFontTx/>
+                        <a:buNone/>
+                        <a:tabLst/>
+                        <a:defRPr/>
+                      </a:pPr>
+                      <a:r>
+                        <a:rPr lang="ko-KR" altLang="en-US" sz="1200" dirty="0" err="1"/>
+                        <a:t>원핫인코딩</a:t>
+                      </a:r>
+                      <a:r>
+                        <a:rPr lang="ko-KR" altLang="en-US" sz="1200" dirty="0"/>
+                        <a:t> 컬럼 제거</a:t>
+                      </a:r>
+                    </a:p>
+                    <a:p>
+                      <a:pPr marL="0" marR="0" lvl="0" indent="0" algn="l" defTabSz="914400" rtl="0" eaLnBrk="1" fontAlgn="auto" latinLnBrk="1" hangingPunct="1">
+                        <a:lnSpc>
+                          <a:spcPct val="100000"/>
+                        </a:lnSpc>
+                        <a:spcBef>
+                          <a:spcPts val="0"/>
+                        </a:spcBef>
+                        <a:spcAft>
+                          <a:spcPts val="0"/>
+                        </a:spcAft>
+                        <a:buClrTx/>
+                        <a:buSzTx/>
+                        <a:buFontTx/>
+                        <a:buNone/>
+                        <a:tabLst/>
+                        <a:defRPr/>
+                      </a:pPr>
+                      <a:r>
+                        <a:rPr lang="en-US" altLang="ko-KR" sz="1200" dirty="0"/>
+                        <a:t>(</a:t>
+                      </a:r>
+                      <a:r>
+                        <a:rPr lang="en-US" altLang="ko-KR" sz="1200" dirty="0" err="1"/>
+                        <a:t>model_clust_noOneHotN.pkl</a:t>
+                      </a:r>
+                      <a:r>
+                        <a:rPr lang="en-US" altLang="ko-KR" sz="1200" dirty="0"/>
+                        <a:t>)</a:t>
+                      </a:r>
+                      <a:endParaRPr lang="ko-KR" altLang="en-US" sz="1200" dirty="0"/>
                     </a:p>
                   </a:txBody>
                   <a:tcPr/>
@@ -3985,6 +4825,38 @@
                     <a:bodyPr/>
                     <a:lstStyle/>
                     <a:p>
+                      <a:pPr marL="0" marR="0" lvl="0" indent="0" algn="l" defTabSz="914400" rtl="0" eaLnBrk="1" fontAlgn="auto" latinLnBrk="1" hangingPunct="1">
+                        <a:lnSpc>
+                          <a:spcPct val="100000"/>
+                        </a:lnSpc>
+                        <a:spcBef>
+                          <a:spcPts val="0"/>
+                        </a:spcBef>
+                        <a:spcAft>
+                          <a:spcPts val="0"/>
+                        </a:spcAft>
+                        <a:buClrTx/>
+                        <a:buSzTx/>
+                        <a:buFontTx/>
+                        <a:buNone/>
+                        <a:tabLst/>
+                        <a:defRPr/>
+                      </a:pPr>
+                      <a:r>
+                        <a:rPr lang="en-US" altLang="ko-KR" sz="1800" b="0" i="0" kern="1200" dirty="0">
+                          <a:solidFill>
+                            <a:schemeClr val="tx1"/>
+                          </a:solidFill>
+                          <a:effectLst/>
+                          <a:latin typeface="+mn-lt"/>
+                          <a:ea typeface="+mn-ea"/>
+                          <a:cs typeface="+mn-cs"/>
+                        </a:rPr>
+                        <a:t>submit_clust_onehot.csv</a:t>
+                      </a:r>
+                      <a:endParaRPr lang="ko-KR" altLang="en-US" b="0" dirty="0"/>
+                    </a:p>
+                    <a:p>
                       <a:endParaRPr lang="ko-KR" altLang="en-US" b="0" dirty="0"/>
                     </a:p>
                   </a:txBody>
@@ -3995,6 +4867,18 @@
                     <a:bodyPr/>
                     <a:lstStyle/>
                     <a:p>
+                      <a:r>
+                        <a:rPr lang="en-US" altLang="ko-KR" sz="1800" b="0" i="0" kern="1200" dirty="0">
+                          <a:solidFill>
+                            <a:schemeClr val="tx1"/>
+                          </a:solidFill>
+                          <a:effectLst/>
+                          <a:latin typeface="+mn-lt"/>
+                          <a:ea typeface="+mn-ea"/>
+                          <a:cs typeface="+mn-cs"/>
+                        </a:rPr>
+                        <a:t>41.290</a:t>
+                      </a:r>
                       <a:endParaRPr lang="ko-KR" altLang="en-US" b="0" dirty="0"/>
                     </a:p>
                   </a:txBody>
@@ -4012,7 +4896,51 @@
                     <a:bodyPr/>
                     <a:lstStyle/>
                     <a:p>
-                      <a:endParaRPr lang="ko-KR" altLang="en-US" dirty="0"/>
+                      <a:pPr marL="0" marR="0" lvl="0" indent="0" algn="l" defTabSz="914400" rtl="0" eaLnBrk="1" fontAlgn="auto" latinLnBrk="1" hangingPunct="1">
+                        <a:lnSpc>
+                          <a:spcPct val="100000"/>
+                        </a:lnSpc>
+                        <a:spcBef>
+                          <a:spcPts val="0"/>
+                        </a:spcBef>
+                        <a:spcAft>
+                          <a:spcPts val="0"/>
+                        </a:spcAft>
+                        <a:buClrTx/>
+                        <a:buSzTx/>
+                        <a:buFontTx/>
+                        <a:buNone/>
+                        <a:tabLst/>
+                        <a:defRPr/>
+                      </a:pPr>
+                      <a:r>
+                        <a:rPr lang="en-US" altLang="ko-KR" sz="1200" dirty="0" err="1"/>
+                        <a:t>Xgb</a:t>
+                      </a:r>
+                      <a:r>
+                        <a:rPr lang="en-US" altLang="ko-KR" sz="1200" dirty="0"/>
+                        <a:t> </a:t>
+                      </a:r>
+                      <a:r>
+                        <a:rPr lang="ko-KR" altLang="en-US" sz="1200" dirty="0"/>
+                        <a:t>사용</a:t>
+                      </a:r>
+                      <a:endParaRPr lang="en-US" altLang="ko-KR" sz="1200" dirty="0"/>
+                    </a:p>
+                    <a:p>
+                      <a:r>
+                        <a:rPr lang="en-US" altLang="ko-KR" sz="1200" dirty="0"/>
+                        <a:t>(</a:t>
+                      </a:r>
+                      <a:r>
+                        <a:rPr lang="en-US" altLang="ko-KR" sz="1200" dirty="0" err="1"/>
+                        <a:t>model_xgbN.pkl</a:t>
+                      </a:r>
+                      <a:r>
+                        <a:rPr lang="en-US" altLang="ko-KR" sz="1200" dirty="0"/>
+                        <a:t>)</a:t>
+                      </a:r>
+                      <a:endParaRPr lang="ko-KR" altLang="en-US" sz="1200" dirty="0"/>
                     </a:p>
                   </a:txBody>
                   <a:tcPr/>
@@ -4022,7 +4950,35 @@
                     <a:bodyPr/>
                     <a:lstStyle/>
                     <a:p>
-                      <a:endParaRPr lang="ko-KR" altLang="en-US" b="0" dirty="0"/>
+                      <a:pPr marL="0" marR="0" lvl="0" indent="0" algn="l" defTabSz="914400" rtl="0" eaLnBrk="1" fontAlgn="auto" latinLnBrk="1" hangingPunct="1">
+                        <a:lnSpc>
+                          <a:spcPct val="100000"/>
+                        </a:lnSpc>
+                        <a:spcBef>
+                          <a:spcPts val="0"/>
+                        </a:spcBef>
+                        <a:spcAft>
+                          <a:spcPts val="0"/>
+                        </a:spcAft>
+                        <a:buClrTx/>
+                        <a:buSzTx/>
+                        <a:buFontTx/>
+                        <a:buNone/>
+                        <a:tabLst/>
+                        <a:defRPr/>
+                      </a:pPr>
+                      <a:r>
+                        <a:rPr lang="en-US" altLang="ko-KR" sz="1800" b="0" kern="1200" dirty="0">
+                          <a:solidFill>
+                            <a:schemeClr val="tx1"/>
+                          </a:solidFill>
+                          <a:effectLst/>
+                          <a:latin typeface="+mn-lt"/>
+                          <a:ea typeface="+mn-ea"/>
+                          <a:cs typeface="+mn-cs"/>
+                        </a:rPr>
+                        <a:t>submit_clust_xgb.csv</a:t>
+                      </a:r>
                     </a:p>
                   </a:txBody>
                   <a:tcPr/>
@@ -4032,6 +4988,18 @@
                     <a:bodyPr/>
                     <a:lstStyle/>
                     <a:p>
+                      <a:r>
+                        <a:rPr lang="en-US" altLang="ko-KR" sz="1800" b="0" i="0" kern="1200" dirty="0">
+                          <a:solidFill>
+                            <a:schemeClr val="tx1"/>
+                          </a:solidFill>
+                          <a:effectLst/>
+                          <a:latin typeface="+mn-lt"/>
+                          <a:ea typeface="+mn-ea"/>
+                          <a:cs typeface="+mn-cs"/>
+                        </a:rPr>
+                        <a:t>9.392</a:t>
+                      </a:r>
                       <a:endParaRPr lang="ko-KR" altLang="en-US" b="0" dirty="0"/>
                     </a:p>
                   </a:txBody>
@@ -4049,7 +5017,81 @@
                     <a:bodyPr/>
                     <a:lstStyle/>
                     <a:p>
-                      <a:endParaRPr lang="ko-KR" altLang="en-US" dirty="0"/>
+                      <a:pPr marL="0" marR="0" lvl="0" indent="0" algn="l" defTabSz="914400" rtl="0" eaLnBrk="1" fontAlgn="auto" latinLnBrk="1" hangingPunct="1">
+                        <a:lnSpc>
+                          <a:spcPct val="100000"/>
+                        </a:lnSpc>
+                        <a:spcBef>
+                          <a:spcPts val="0"/>
+                        </a:spcBef>
+                        <a:spcAft>
+                          <a:spcPts val="0"/>
+                        </a:spcAft>
+                        <a:buClrTx/>
+                        <a:buSzTx/>
+                        <a:buFontTx/>
+                        <a:buNone/>
+                        <a:tabLst/>
+                        <a:defRPr/>
+                      </a:pPr>
+                      <a:r>
+                        <a:rPr lang="en-US" altLang="ko-KR" sz="1200" dirty="0" err="1"/>
+                        <a:t>Xgb</a:t>
+                      </a:r>
+                      <a:r>
+                        <a:rPr lang="en-US" altLang="ko-KR" sz="1200" dirty="0"/>
+                        <a:t> </a:t>
+                      </a:r>
+                      <a:r>
+                        <a:rPr lang="ko-KR" altLang="en-US" sz="1200" dirty="0"/>
+                        <a:t>사용</a:t>
+                      </a:r>
+                      <a:endParaRPr lang="en-US" altLang="ko-KR" sz="1200" dirty="0"/>
+                    </a:p>
+                    <a:p>
+                      <a:r>
+                        <a:rPr lang="en-US" altLang="ko-KR" sz="1200" dirty="0"/>
+                        <a:t>(</a:t>
+                      </a:r>
+                      <a:r>
+                        <a:rPr lang="en-US" altLang="ko-KR" sz="1200" dirty="0" err="1"/>
+                        <a:t>model_xgbN.pkl</a:t>
+                      </a:r>
+                      <a:r>
+                        <a:rPr lang="en-US" altLang="ko-KR" sz="1200" dirty="0"/>
+                        <a:t>)</a:t>
+                      </a:r>
+                      <a:endParaRPr lang="ko-KR" altLang="en-US" sz="1200" dirty="0"/>
+                    </a:p>
+                    <a:p>
+                      <a:endParaRPr lang="en-US" altLang="ko-KR" sz="1200" dirty="0"/>
+                    </a:p>
+                    <a:p>
+                      <a:pPr marL="0" marR="0" lvl="0" indent="0" algn="l" defTabSz="914400" rtl="0" eaLnBrk="1" fontAlgn="auto" latinLnBrk="1" hangingPunct="1">
+                        <a:lnSpc>
+                          <a:spcPct val="100000"/>
+                        </a:lnSpc>
+                        <a:spcBef>
+                          <a:spcPts val="0"/>
+                        </a:spcBef>
+                        <a:spcAft>
+                          <a:spcPts val="0"/>
+                        </a:spcAft>
+                        <a:buClrTx/>
+                        <a:buSzTx/>
+                        <a:buFontTx/>
+                        <a:buNone/>
+                        <a:tabLst/>
+                        <a:defRPr/>
+                      </a:pPr>
+                      <a:r>
+                        <a:rPr lang="ko-KR" altLang="en-US" sz="1200" dirty="0" err="1"/>
+                        <a:t>원핫인코딩</a:t>
+                      </a:r>
+                      <a:r>
+                        <a:rPr lang="ko-KR" altLang="en-US" sz="1200" dirty="0"/>
+                        <a:t> 컬럼 제거</a:t>
+                      </a:r>
                     </a:p>
                   </a:txBody>
                   <a:tcPr/>
@@ -4059,7 +5101,44 @@
                     <a:bodyPr/>
                     <a:lstStyle/>
                     <a:p>
-                      <a:endParaRPr lang="ko-KR" altLang="en-US" b="0" dirty="0"/>
+                      <a:pPr marL="0" marR="0" lvl="0" indent="0" algn="l" defTabSz="914400" rtl="0" eaLnBrk="1" fontAlgn="auto" latinLnBrk="1" hangingPunct="1">
+                        <a:lnSpc>
+                          <a:spcPct val="100000"/>
+                        </a:lnSpc>
+                        <a:spcBef>
+                          <a:spcPts val="0"/>
+                        </a:spcBef>
+                        <a:spcAft>
+                          <a:spcPts val="0"/>
+                        </a:spcAft>
+                        <a:buClrTx/>
+                        <a:buSzTx/>
+                        <a:buFontTx/>
+                        <a:buNone/>
+                        <a:tabLst/>
+                        <a:defRPr/>
+                      </a:pPr>
+                      <a:r>
+                        <a:rPr lang="en-US" altLang="ko-KR" sz="1800" b="0" i="0" kern="1200" dirty="0">
+                          <a:solidFill>
+                            <a:schemeClr val="tx1"/>
+                          </a:solidFill>
+                          <a:effectLst/>
+                          <a:latin typeface="+mn-lt"/>
+                          <a:ea typeface="+mn-ea"/>
+                          <a:cs typeface="+mn-cs"/>
+                        </a:rPr>
+                        <a:t>submit_clust_xgb_noOneHot.csv</a:t>
+                      </a:r>
+                      <a:endParaRPr lang="en-US" altLang="ko-KR" sz="1800" b="0" kern="1200" dirty="0">
+                        <a:solidFill>
+                          <a:schemeClr val="tx1"/>
+                        </a:solidFill>
+                        <a:effectLst/>
+                        <a:latin typeface="+mn-lt"/>
+                        <a:ea typeface="+mn-ea"/>
+                        <a:cs typeface="+mn-cs"/>
+                      </a:endParaRPr>
                     </a:p>
                   </a:txBody>
                   <a:tcPr/>
@@ -4069,6 +5148,18 @@
                     <a:bodyPr/>
                     <a:lstStyle/>
                     <a:p>
+                      <a:r>
+                        <a:rPr lang="en-US" altLang="ko-KR" sz="1800" b="0" i="0" kern="1200" dirty="0">
+                          <a:solidFill>
+                            <a:schemeClr val="tx1"/>
+                          </a:solidFill>
+                          <a:effectLst/>
+                          <a:latin typeface="+mn-lt"/>
+                          <a:ea typeface="+mn-ea"/>
+                          <a:cs typeface="+mn-cs"/>
+                        </a:rPr>
+                        <a:t>9.672</a:t>
+                      </a:r>
                       <a:endParaRPr lang="ko-KR" altLang="en-US" b="0" dirty="0"/>
                     </a:p>
                   </a:txBody>
@@ -4076,118 +5167,7 @@
                 </a:tc>
                 <a:extLst>
                   <a:ext uri="{0D108BD9-81ED-4DB2-BD59-A6C34878D82A}">
-                    <a16:rowId xmlns:a16="http://schemas.microsoft.com/office/drawing/2014/main" val="3392749830"/>
-                  </a:ext>
-                </a:extLst>
-              </a:tr>
-              <a:tr h="606565">
-                <a:tc>
-                  <a:txBody>
-                    <a:bodyPr/>
-                    <a:lstStyle/>
-                    <a:p>
-                      <a:endParaRPr lang="ko-KR" altLang="en-US" dirty="0"/>
-                    </a:p>
-                  </a:txBody>
-                  <a:tcPr/>
-                </a:tc>
-                <a:tc>
-                  <a:txBody>
-                    <a:bodyPr/>
-                    <a:lstStyle/>
-                    <a:p>
-                      <a:endParaRPr lang="ko-KR" altLang="en-US" b="0" dirty="0"/>
-                    </a:p>
-                  </a:txBody>
-                  <a:tcPr/>
-                </a:tc>
-                <a:tc>
-                  <a:txBody>
-                    <a:bodyPr/>
-                    <a:lstStyle/>
-                    <a:p>
-                      <a:endParaRPr lang="ko-KR" altLang="en-US" b="0" dirty="0"/>
-                    </a:p>
-                  </a:txBody>
-                  <a:tcPr/>
-                </a:tc>
-                <a:extLst>
-                  <a:ext uri="{0D108BD9-81ED-4DB2-BD59-A6C34878D82A}">
-                    <a16:rowId xmlns:a16="http://schemas.microsoft.com/office/drawing/2014/main" val="2996738327"/>
-                  </a:ext>
-                </a:extLst>
-              </a:tr>
-              <a:tr h="606565">
-                <a:tc>
-                  <a:txBody>
-                    <a:bodyPr/>
-                    <a:lstStyle/>
-                    <a:p>
-                      <a:endParaRPr lang="ko-KR" altLang="en-US" dirty="0"/>
-                    </a:p>
-                  </a:txBody>
-                  <a:tcPr/>
-                </a:tc>
-                <a:tc>
-                  <a:txBody>
-                    <a:bodyPr/>
-                    <a:lstStyle/>
-                    <a:p>
-                      <a:endParaRPr lang="ko-KR" altLang="en-US" b="0" dirty="0"/>
-                    </a:p>
-                  </a:txBody>
-                  <a:tcPr/>
-                </a:tc>
-                <a:tc>
-                  <a:txBody>
-                    <a:bodyPr/>
-                    <a:lstStyle/>
-                    <a:p>
-                      <a:endParaRPr lang="ko-KR" altLang="en-US" b="0" dirty="0"/>
-                    </a:p>
-                  </a:txBody>
-                  <a:tcPr/>
-                </a:tc>
-                <a:extLst>
-                  <a:ext uri="{0D108BD9-81ED-4DB2-BD59-A6C34878D82A}">
-                    <a16:rowId xmlns:a16="http://schemas.microsoft.com/office/drawing/2014/main" val="2962882694"/>
-                  </a:ext>
-                </a:extLst>
-              </a:tr>
-              <a:tr h="606565">
-                <a:tc>
-                  <a:txBody>
-                    <a:bodyPr/>
-                    <a:lstStyle/>
-                    <a:p>
-                      <a:endParaRPr lang="ko-KR" altLang="en-US" dirty="0"/>
-                    </a:p>
-                  </a:txBody>
-                  <a:tcPr/>
-                </a:tc>
-                <a:tc>
-                  <a:txBody>
-                    <a:bodyPr/>
-                    <a:lstStyle/>
-                    <a:p>
-                      <a:endParaRPr lang="ko-KR" altLang="en-US" b="0" dirty="0"/>
-                    </a:p>
-                  </a:txBody>
-                  <a:tcPr/>
-                </a:tc>
-                <a:tc>
-                  <a:txBody>
-                    <a:bodyPr/>
-                    <a:lstStyle/>
-                    <a:p>
-                      <a:endParaRPr lang="ko-KR" altLang="en-US" b="0" dirty="0"/>
-                    </a:p>
-                  </a:txBody>
-                  <a:tcPr/>
-                </a:tc>
-                <a:extLst>
-                  <a:ext uri="{0D108BD9-81ED-4DB2-BD59-A6C34878D82A}">
-                    <a16:rowId xmlns:a16="http://schemas.microsoft.com/office/drawing/2014/main" val="667559872"/>
+                    <a16:rowId xmlns:a16="http://schemas.microsoft.com/office/drawing/2014/main" val="2426582760"/>
                   </a:ext>
                 </a:extLst>
               </a:tr>
@@ -4209,16 +5189,15 @@
           </p:cNvPicPr>
           <p:nvPr/>
         </p:nvPicPr>
-        <p:blipFill>
+        <p:blipFill rotWithShape="1">
           <a:blip r:embed="rId2"/>
-          <a:stretch>
-            <a:fillRect/>
-          </a:stretch>
+          <a:srcRect b="4264"/>
+          <a:stretch/>
         </p:blipFill>
         <p:spPr>
           <a:xfrm>
-            <a:off x="8523491" y="371112"/>
-            <a:ext cx="2550003" cy="6115775"/>
+            <a:off x="8533766" y="555778"/>
+            <a:ext cx="2550003" cy="5855027"/>
           </a:xfrm>
           <a:prstGeom prst="rect">
             <a:avLst/>
@@ -4230,6 +5209,41 @@
           </a:ln>
         </p:spPr>
       </p:pic>
+      <p:sp>
+        <p:nvSpPr>
+          <p:cNvPr id="2" name="TextBox 1">
+            <a:extLst>
+              <a:ext uri="{FF2B5EF4-FFF2-40B4-BE49-F238E27FC236}">
+                <a16:creationId xmlns:a16="http://schemas.microsoft.com/office/drawing/2014/main" id="{8BED1D43-A03E-4A41-B501-F978FB5E5186}"/>
+              </a:ext>
+            </a:extLst>
+          </p:cNvPr>
+          <p:cNvSpPr txBox="1"/>
+          <p:nvPr/>
+        </p:nvSpPr>
+        <p:spPr>
+          <a:xfrm>
+            <a:off x="955497" y="186446"/>
+            <a:ext cx="1420582" cy="369332"/>
+          </a:xfrm>
+          <a:prstGeom prst="rect">
+            <a:avLst/>
+          </a:prstGeom>
+          <a:noFill/>
+        </p:spPr>
+        <p:txBody>
+          <a:bodyPr wrap="none" rtlCol="0">
+            <a:spAutoFit/>
+          </a:bodyPr>
+          <a:lstStyle/>
+          <a:p>
+            <a:r>
+              <a:rPr lang="ko-KR" altLang="en-US"/>
+              <a:t>군집화 수행</a:t>
+            </a:r>
+          </a:p>
+        </p:txBody>
+      </p:sp>
     </p:spTree>
     <p:extLst>
       <p:ext uri="{BB962C8B-B14F-4D97-AF65-F5344CB8AC3E}">
@@ -4613,6 +5627,328 @@
 </p:sld>
 </file>
 
+<file path=ppt/slides/slide14.xml><?xml version="1.0" encoding="utf-8"?>
+<p:sld xmlns:a="http://schemas.openxmlformats.org/drawingml/2006/main" xmlns:r="http://schemas.openxmlformats.org/officeDocument/2006/relationships" xmlns:p="http://schemas.openxmlformats.org/presentationml/2006/main">
+  <p:cSld>
+    <p:spTree>
+      <p:nvGrpSpPr>
+        <p:cNvPr id="1" name=""/>
+        <p:cNvGrpSpPr/>
+        <p:nvPr/>
+      </p:nvGrpSpPr>
+      <p:grpSpPr>
+        <a:xfrm>
+          <a:off x="0" y="0"/>
+          <a:ext cx="0" cy="0"/>
+          <a:chOff x="0" y="0"/>
+          <a:chExt cx="0" cy="0"/>
+        </a:xfrm>
+      </p:grpSpPr>
+      <p:pic>
+        <p:nvPicPr>
+          <p:cNvPr id="5" name="그림 4">
+            <a:extLst>
+              <a:ext uri="{FF2B5EF4-FFF2-40B4-BE49-F238E27FC236}">
+                <a16:creationId xmlns:a16="http://schemas.microsoft.com/office/drawing/2014/main" id="{0ADBDB6B-C214-4560-8363-88B353C8BFF6}"/>
+              </a:ext>
+            </a:extLst>
+          </p:cNvPr>
+          <p:cNvPicPr>
+            <a:picLocks noChangeAspect="1"/>
+          </p:cNvPicPr>
+          <p:nvPr/>
+        </p:nvPicPr>
+        <p:blipFill>
+          <a:blip r:embed="rId2"/>
+          <a:stretch>
+            <a:fillRect/>
+          </a:stretch>
+        </p:blipFill>
+        <p:spPr>
+          <a:xfrm>
+            <a:off x="4171023" y="847380"/>
+            <a:ext cx="6966164" cy="2581620"/>
+          </a:xfrm>
+          <a:prstGeom prst="rect">
+            <a:avLst/>
+          </a:prstGeom>
+          <a:ln>
+            <a:solidFill>
+              <a:schemeClr val="tx1"/>
+            </a:solidFill>
+          </a:ln>
+        </p:spPr>
+      </p:pic>
+      <p:pic>
+        <p:nvPicPr>
+          <p:cNvPr id="7" name="그림 6">
+            <a:extLst>
+              <a:ext uri="{FF2B5EF4-FFF2-40B4-BE49-F238E27FC236}">
+                <a16:creationId xmlns:a16="http://schemas.microsoft.com/office/drawing/2014/main" id="{91BD3651-C035-45C6-BA0A-62C084FDE9CB}"/>
+              </a:ext>
+            </a:extLst>
+          </p:cNvPr>
+          <p:cNvPicPr>
+            <a:picLocks noChangeAspect="1"/>
+          </p:cNvPicPr>
+          <p:nvPr/>
+        </p:nvPicPr>
+        <p:blipFill>
+          <a:blip r:embed="rId3"/>
+          <a:stretch>
+            <a:fillRect/>
+          </a:stretch>
+        </p:blipFill>
+        <p:spPr>
+          <a:xfrm>
+            <a:off x="4237706" y="3933373"/>
+            <a:ext cx="6917057" cy="2258917"/>
+          </a:xfrm>
+          <a:prstGeom prst="rect">
+            <a:avLst/>
+          </a:prstGeom>
+          <a:ln>
+            <a:solidFill>
+              <a:schemeClr val="tx1"/>
+            </a:solidFill>
+          </a:ln>
+        </p:spPr>
+      </p:pic>
+      <p:sp>
+        <p:nvSpPr>
+          <p:cNvPr id="9" name="TextBox 8">
+            <a:extLst>
+              <a:ext uri="{FF2B5EF4-FFF2-40B4-BE49-F238E27FC236}">
+                <a16:creationId xmlns:a16="http://schemas.microsoft.com/office/drawing/2014/main" id="{7D0B4725-ED83-4BE8-8CCF-2F026A2F86E5}"/>
+              </a:ext>
+            </a:extLst>
+          </p:cNvPr>
+          <p:cNvSpPr txBox="1"/>
+          <p:nvPr/>
+        </p:nvSpPr>
+        <p:spPr>
+          <a:xfrm>
+            <a:off x="665251" y="1732392"/>
+            <a:ext cx="6097712" cy="369332"/>
+          </a:xfrm>
+          <a:prstGeom prst="rect">
+            <a:avLst/>
+          </a:prstGeom>
+          <a:noFill/>
+        </p:spPr>
+        <p:txBody>
+          <a:bodyPr wrap="square">
+            <a:spAutoFit/>
+          </a:bodyPr>
+          <a:lstStyle/>
+          <a:p>
+            <a:pPr marL="0" marR="0" lvl="0" indent="0" algn="l" defTabSz="914400" rtl="0" eaLnBrk="1" fontAlgn="auto" latinLnBrk="1" hangingPunct="1">
+              <a:lnSpc>
+                <a:spcPct val="100000"/>
+              </a:lnSpc>
+              <a:spcBef>
+                <a:spcPts val="0"/>
+              </a:spcBef>
+              <a:spcAft>
+                <a:spcPts val="0"/>
+              </a:spcAft>
+              <a:buClrTx/>
+              <a:buSzTx/>
+              <a:buFontTx/>
+              <a:buNone/>
+              <a:tabLst/>
+              <a:defRPr/>
+            </a:pPr>
+            <a:r>
+              <a:rPr lang="en-US" altLang="ko-KR" sz="1800" dirty="0"/>
+              <a:t>(</a:t>
+            </a:r>
+            <a:r>
+              <a:rPr lang="en-US" altLang="ko-KR" sz="1800" dirty="0" err="1"/>
+              <a:t>model_clustN.pkl</a:t>
+            </a:r>
+            <a:r>
+              <a:rPr lang="en-US" altLang="ko-KR" sz="1800" dirty="0"/>
+              <a:t>)</a:t>
+            </a:r>
+            <a:endParaRPr lang="ko-KR" altLang="en-US" sz="1800" dirty="0"/>
+          </a:p>
+        </p:txBody>
+      </p:sp>
+    </p:spTree>
+    <p:extLst>
+      <p:ext uri="{BB962C8B-B14F-4D97-AF65-F5344CB8AC3E}">
+        <p14:creationId xmlns:p14="http://schemas.microsoft.com/office/powerpoint/2010/main" val="1621544813"/>
+      </p:ext>
+    </p:extLst>
+  </p:cSld>
+  <p:clrMapOvr>
+    <a:masterClrMapping/>
+  </p:clrMapOvr>
+</p:sld>
+</file>
+
+<file path=ppt/slides/slide15.xml><?xml version="1.0" encoding="utf-8"?>
+<p:sld xmlns:a="http://schemas.openxmlformats.org/drawingml/2006/main" xmlns:r="http://schemas.openxmlformats.org/officeDocument/2006/relationships" xmlns:p="http://schemas.openxmlformats.org/presentationml/2006/main">
+  <p:cSld>
+    <p:spTree>
+      <p:nvGrpSpPr>
+        <p:cNvPr id="1" name=""/>
+        <p:cNvGrpSpPr/>
+        <p:nvPr/>
+      </p:nvGrpSpPr>
+      <p:grpSpPr>
+        <a:xfrm>
+          <a:off x="0" y="0"/>
+          <a:ext cx="0" cy="0"/>
+          <a:chOff x="0" y="0"/>
+          <a:chExt cx="0" cy="0"/>
+        </a:xfrm>
+      </p:grpSpPr>
+      <p:pic>
+        <p:nvPicPr>
+          <p:cNvPr id="5" name="그림 4">
+            <a:extLst>
+              <a:ext uri="{FF2B5EF4-FFF2-40B4-BE49-F238E27FC236}">
+                <a16:creationId xmlns:a16="http://schemas.microsoft.com/office/drawing/2014/main" id="{0E93B6BE-1A12-4CDE-B73A-FE1FB3D717A0}"/>
+              </a:ext>
+            </a:extLst>
+          </p:cNvPr>
+          <p:cNvPicPr>
+            <a:picLocks noChangeAspect="1"/>
+          </p:cNvPicPr>
+          <p:nvPr/>
+        </p:nvPicPr>
+        <p:blipFill>
+          <a:blip r:embed="rId2"/>
+          <a:stretch>
+            <a:fillRect/>
+          </a:stretch>
+        </p:blipFill>
+        <p:spPr>
+          <a:xfrm>
+            <a:off x="3839567" y="965353"/>
+            <a:ext cx="7183498" cy="2175972"/>
+          </a:xfrm>
+          <a:prstGeom prst="rect">
+            <a:avLst/>
+          </a:prstGeom>
+          <a:ln>
+            <a:solidFill>
+              <a:schemeClr val="tx1"/>
+            </a:solidFill>
+          </a:ln>
+        </p:spPr>
+      </p:pic>
+      <p:pic>
+        <p:nvPicPr>
+          <p:cNvPr id="7" name="그림 6">
+            <a:extLst>
+              <a:ext uri="{FF2B5EF4-FFF2-40B4-BE49-F238E27FC236}">
+                <a16:creationId xmlns:a16="http://schemas.microsoft.com/office/drawing/2014/main" id="{9C960AAF-90B5-43B0-8D8D-B7915FA784AB}"/>
+              </a:ext>
+            </a:extLst>
+          </p:cNvPr>
+          <p:cNvPicPr>
+            <a:picLocks noChangeAspect="1"/>
+          </p:cNvPicPr>
+          <p:nvPr/>
+        </p:nvPicPr>
+        <p:blipFill>
+          <a:blip r:embed="rId3"/>
+          <a:stretch>
+            <a:fillRect/>
+          </a:stretch>
+        </p:blipFill>
+        <p:spPr>
+          <a:xfrm>
+            <a:off x="3839567" y="3955629"/>
+            <a:ext cx="7364829" cy="2141101"/>
+          </a:xfrm>
+          <a:prstGeom prst="rect">
+            <a:avLst/>
+          </a:prstGeom>
+          <a:ln>
+            <a:solidFill>
+              <a:schemeClr val="tx1"/>
+            </a:solidFill>
+          </a:ln>
+        </p:spPr>
+      </p:pic>
+      <p:sp>
+        <p:nvSpPr>
+          <p:cNvPr id="9" name="TextBox 8">
+            <a:extLst>
+              <a:ext uri="{FF2B5EF4-FFF2-40B4-BE49-F238E27FC236}">
+                <a16:creationId xmlns:a16="http://schemas.microsoft.com/office/drawing/2014/main" id="{49990BF6-C6D3-4B53-9DE5-BFA41813691B}"/>
+              </a:ext>
+            </a:extLst>
+          </p:cNvPr>
+          <p:cNvSpPr txBox="1"/>
+          <p:nvPr/>
+        </p:nvSpPr>
+        <p:spPr>
+          <a:xfrm>
+            <a:off x="675526" y="1315360"/>
+            <a:ext cx="6097712" cy="369332"/>
+          </a:xfrm>
+          <a:prstGeom prst="rect">
+            <a:avLst/>
+          </a:prstGeom>
+          <a:noFill/>
+        </p:spPr>
+        <p:txBody>
+          <a:bodyPr wrap="square">
+            <a:spAutoFit/>
+          </a:bodyPr>
+          <a:lstStyle/>
+          <a:p>
+            <a:pPr marL="0" marR="0" lvl="0" indent="0" algn="l" defTabSz="914400" rtl="0" eaLnBrk="1" fontAlgn="auto" latinLnBrk="1" hangingPunct="1">
+              <a:lnSpc>
+                <a:spcPct val="100000"/>
+              </a:lnSpc>
+              <a:spcBef>
+                <a:spcPts val="0"/>
+              </a:spcBef>
+              <a:spcAft>
+                <a:spcPts val="0"/>
+              </a:spcAft>
+              <a:buClrTx/>
+              <a:buSzTx/>
+              <a:buFontTx/>
+              <a:buNone/>
+              <a:tabLst/>
+              <a:defRPr/>
+            </a:pPr>
+            <a:r>
+              <a:rPr lang="en-US" altLang="ko-KR" sz="1800" dirty="0"/>
+              <a:t>(</a:t>
+            </a:r>
+            <a:r>
+              <a:rPr lang="en-US" altLang="ko-KR" sz="1800" dirty="0" err="1"/>
+              <a:t>model_clustN.pkl</a:t>
+            </a:r>
+            <a:r>
+              <a:rPr lang="en-US" altLang="ko-KR" sz="1800" dirty="0"/>
+              <a:t>)</a:t>
+            </a:r>
+            <a:endParaRPr lang="ko-KR" altLang="en-US" sz="1800" dirty="0"/>
+          </a:p>
+        </p:txBody>
+      </p:sp>
+    </p:spTree>
+    <p:extLst>
+      <p:ext uri="{BB962C8B-B14F-4D97-AF65-F5344CB8AC3E}">
+        <p14:creationId xmlns:p14="http://schemas.microsoft.com/office/powerpoint/2010/main" val="1092511429"/>
+      </p:ext>
+    </p:extLst>
+  </p:cSld>
+  <p:clrMapOvr>
+    <a:masterClrMapping/>
+  </p:clrMapOvr>
+</p:sld>
+</file>
+
 <file path=ppt/slides/slide2.xml><?xml version="1.0" encoding="utf-8"?>
 <p:sld xmlns:a="http://schemas.openxmlformats.org/drawingml/2006/main" xmlns:r="http://schemas.openxmlformats.org/officeDocument/2006/relationships" xmlns:p="http://schemas.openxmlformats.org/presentationml/2006/main">
   <p:cSld>
@@ -6572,592 +7908,6 @@
           <a:chExt cx="0" cy="0"/>
         </a:xfrm>
       </p:grpSpPr>
-      <p:graphicFrame>
-        <p:nvGraphicFramePr>
-          <p:cNvPr id="4" name="표 4">
-            <a:extLst>
-              <a:ext uri="{FF2B5EF4-FFF2-40B4-BE49-F238E27FC236}">
-                <a16:creationId xmlns:a16="http://schemas.microsoft.com/office/drawing/2014/main" id="{DB716F8A-65A9-4B0A-9557-CFE905D49230}"/>
-              </a:ext>
-            </a:extLst>
-          </p:cNvPr>
-          <p:cNvGraphicFramePr>
-            <a:graphicFrameLocks noGrp="1"/>
-          </p:cNvGraphicFramePr>
-          <p:nvPr>
-            <p:extLst>
-              <p:ext uri="{D42A27DB-BD31-4B8C-83A1-F6EECF244321}">
-                <p14:modId xmlns:p14="http://schemas.microsoft.com/office/powerpoint/2010/main" val="1220422669"/>
-              </p:ext>
-            </p:extLst>
-          </p:nvPr>
-        </p:nvGraphicFramePr>
-        <p:xfrm>
-          <a:off x="774212" y="214944"/>
-          <a:ext cx="4385533" cy="6428111"/>
-        </p:xfrm>
-        <a:graphic>
-          <a:graphicData uri="http://schemas.openxmlformats.org/drawingml/2006/table">
-            <a:tbl>
-              <a:tblPr firstRow="1" bandRow="1">
-                <a:tableStyleId>{5940675A-B579-460E-94D1-54222C63F5DA}</a:tableStyleId>
-              </a:tblPr>
-              <a:tblGrid>
-                <a:gridCol w="949643">
-                  <a:extLst>
-                    <a:ext uri="{9D8B030D-6E8A-4147-A177-3AD203B41FA5}">
-                      <a16:colId xmlns:a16="http://schemas.microsoft.com/office/drawing/2014/main" val="1413976546"/>
-                    </a:ext>
-                  </a:extLst>
-                </a:gridCol>
-                <a:gridCol w="1920240">
-                  <a:extLst>
-                    <a:ext uri="{9D8B030D-6E8A-4147-A177-3AD203B41FA5}">
-                      <a16:colId xmlns:a16="http://schemas.microsoft.com/office/drawing/2014/main" val="192059268"/>
-                    </a:ext>
-                  </a:extLst>
-                </a:gridCol>
-                <a:gridCol w="1515650">
-                  <a:extLst>
-                    <a:ext uri="{9D8B030D-6E8A-4147-A177-3AD203B41FA5}">
-                      <a16:colId xmlns:a16="http://schemas.microsoft.com/office/drawing/2014/main" val="2236916480"/>
-                    </a:ext>
-                  </a:extLst>
-                </a:gridCol>
-              </a:tblGrid>
-              <a:tr h="411281">
-                <a:tc>
-                  <a:txBody>
-                    <a:bodyPr/>
-                    <a:lstStyle/>
-                    <a:p>
-                      <a:pPr latinLnBrk="1"/>
-                      <a:endParaRPr lang="ko-KR" altLang="en-US" dirty="0"/>
-                    </a:p>
-                  </a:txBody>
-                  <a:tcPr/>
-                </a:tc>
-                <a:tc>
-                  <a:txBody>
-                    <a:bodyPr/>
-                    <a:lstStyle/>
-                    <a:p>
-                      <a:pPr latinLnBrk="1"/>
-                      <a:r>
-                        <a:rPr lang="ko-KR" altLang="en-US" dirty="0"/>
-                        <a:t>변수</a:t>
-                      </a:r>
-                    </a:p>
-                  </a:txBody>
-                  <a:tcPr/>
-                </a:tc>
-                <a:tc>
-                  <a:txBody>
-                    <a:bodyPr/>
-                    <a:lstStyle/>
-                    <a:p>
-                      <a:pPr latinLnBrk="1"/>
-                      <a:r>
-                        <a:rPr lang="en-US" altLang="ko-KR" dirty="0"/>
-                        <a:t>SMAPE</a:t>
-                      </a:r>
-                      <a:endParaRPr lang="ko-KR" altLang="en-US" dirty="0"/>
-                    </a:p>
-                  </a:txBody>
-                  <a:tcPr/>
-                </a:tc>
-                <a:extLst>
-                  <a:ext uri="{0D108BD9-81ED-4DB2-BD59-A6C34878D82A}">
-                    <a16:rowId xmlns:a16="http://schemas.microsoft.com/office/drawing/2014/main" val="3429086994"/>
-                  </a:ext>
-                </a:extLst>
-              </a:tr>
-              <a:tr h="606565">
-                <a:tc rowSpan="2">
-                  <a:txBody>
-                    <a:bodyPr/>
-                    <a:lstStyle/>
-                    <a:p>
-                      <a:pPr marL="0" marR="0" lvl="0" indent="0" algn="l" defTabSz="914400" rtl="0" eaLnBrk="1" fontAlgn="auto" latinLnBrk="1" hangingPunct="1">
-                        <a:lnSpc>
-                          <a:spcPct val="100000"/>
-                        </a:lnSpc>
-                        <a:spcBef>
-                          <a:spcPts val="0"/>
-                        </a:spcBef>
-                        <a:spcAft>
-                          <a:spcPts val="0"/>
-                        </a:spcAft>
-                        <a:buClrTx/>
-                        <a:buSzTx/>
-                        <a:buFontTx/>
-                        <a:buNone/>
-                        <a:tabLst/>
-                        <a:defRPr/>
-                      </a:pPr>
-                      <a:endParaRPr lang="ko-KR" altLang="en-US" dirty="0"/>
-                    </a:p>
-                  </a:txBody>
-                  <a:tcPr/>
-                </a:tc>
-                <a:tc>
-                  <a:txBody>
-                    <a:bodyPr/>
-                    <a:lstStyle/>
-                    <a:p>
-                      <a:pPr marL="0" marR="0" lvl="0" indent="0" algn="l" defTabSz="914400" rtl="0" eaLnBrk="1" fontAlgn="auto" latinLnBrk="1" hangingPunct="1">
-                        <a:lnSpc>
-                          <a:spcPct val="100000"/>
-                        </a:lnSpc>
-                        <a:spcBef>
-                          <a:spcPts val="0"/>
-                        </a:spcBef>
-                        <a:spcAft>
-                          <a:spcPts val="0"/>
-                        </a:spcAft>
-                        <a:buClrTx/>
-                        <a:buSzTx/>
-                        <a:buFontTx/>
-                        <a:buNone/>
-                        <a:tabLst/>
-                        <a:defRPr/>
-                      </a:pPr>
-                      <a:r>
-                        <a:rPr lang="ko-KR" altLang="en-US" b="0" dirty="0"/>
-                        <a:t>원래 </a:t>
-                      </a:r>
-                      <a:r>
-                        <a:rPr lang="en-US" altLang="ko-KR" b="0" dirty="0"/>
-                        <a:t>(XGB)</a:t>
-                      </a:r>
-                      <a:endParaRPr lang="ko-KR" altLang="en-US" b="0" dirty="0"/>
-                    </a:p>
-                  </a:txBody>
-                  <a:tcPr/>
-                </a:tc>
-                <a:tc>
-                  <a:txBody>
-                    <a:bodyPr/>
-                    <a:lstStyle/>
-                    <a:p>
-                      <a:pPr marL="0" marR="0" lvl="0" indent="0" algn="l" defTabSz="914400" rtl="0" eaLnBrk="1" fontAlgn="auto" latinLnBrk="1" hangingPunct="1">
-                        <a:lnSpc>
-                          <a:spcPct val="100000"/>
-                        </a:lnSpc>
-                        <a:spcBef>
-                          <a:spcPts val="0"/>
-                        </a:spcBef>
-                        <a:spcAft>
-                          <a:spcPts val="0"/>
-                        </a:spcAft>
-                        <a:buClrTx/>
-                        <a:buSzTx/>
-                        <a:buFontTx/>
-                        <a:buNone/>
-                        <a:tabLst/>
-                        <a:defRPr/>
-                      </a:pPr>
-                      <a:endParaRPr lang="ko-KR" altLang="en-US" dirty="0"/>
-                    </a:p>
-                  </a:txBody>
-                  <a:tcPr/>
-                </a:tc>
-                <a:extLst>
-                  <a:ext uri="{0D108BD9-81ED-4DB2-BD59-A6C34878D82A}">
-                    <a16:rowId xmlns:a16="http://schemas.microsoft.com/office/drawing/2014/main" val="275859928"/>
-                  </a:ext>
-                </a:extLst>
-              </a:tr>
-              <a:tr h="606565">
-                <a:tc vMerge="1">
-                  <a:txBody>
-                    <a:bodyPr/>
-                    <a:lstStyle/>
-                    <a:p>
-                      <a:pPr marL="0" marR="0" lvl="0" indent="0" algn="l" defTabSz="914400" rtl="0" eaLnBrk="1" fontAlgn="auto" latinLnBrk="1" hangingPunct="1">
-                        <a:lnSpc>
-                          <a:spcPct val="100000"/>
-                        </a:lnSpc>
-                        <a:spcBef>
-                          <a:spcPts val="0"/>
-                        </a:spcBef>
-                        <a:spcAft>
-                          <a:spcPts val="0"/>
-                        </a:spcAft>
-                        <a:buClrTx/>
-                        <a:buSzTx/>
-                        <a:buFontTx/>
-                        <a:buNone/>
-                        <a:tabLst/>
-                        <a:defRPr/>
-                      </a:pPr>
-                      <a:endParaRPr lang="ko-KR" altLang="en-US" dirty="0"/>
-                    </a:p>
-                  </a:txBody>
-                  <a:tcPr/>
-                </a:tc>
-                <a:tc>
-                  <a:txBody>
-                    <a:bodyPr/>
-                    <a:lstStyle/>
-                    <a:p>
-                      <a:pPr marL="0" marR="0" lvl="0" indent="0" algn="l" defTabSz="914400" rtl="0" eaLnBrk="1" fontAlgn="auto" latinLnBrk="1" hangingPunct="1">
-                        <a:lnSpc>
-                          <a:spcPct val="100000"/>
-                        </a:lnSpc>
-                        <a:spcBef>
-                          <a:spcPts val="0"/>
-                        </a:spcBef>
-                        <a:spcAft>
-                          <a:spcPts val="0"/>
-                        </a:spcAft>
-                        <a:buClrTx/>
-                        <a:buSzTx/>
-                        <a:buFontTx/>
-                        <a:buNone/>
-                        <a:tabLst/>
-                        <a:defRPr/>
-                      </a:pPr>
-                      <a:endParaRPr lang="ko-KR" altLang="en-US" dirty="0"/>
-                    </a:p>
-                  </a:txBody>
-                  <a:tcPr/>
-                </a:tc>
-                <a:tc>
-                  <a:txBody>
-                    <a:bodyPr/>
-                    <a:lstStyle/>
-                    <a:p>
-                      <a:pPr marL="0" marR="0" lvl="0" indent="0" algn="l" defTabSz="914400" rtl="0" eaLnBrk="1" fontAlgn="auto" latinLnBrk="1" hangingPunct="1">
-                        <a:lnSpc>
-                          <a:spcPct val="100000"/>
-                        </a:lnSpc>
-                        <a:spcBef>
-                          <a:spcPts val="0"/>
-                        </a:spcBef>
-                        <a:spcAft>
-                          <a:spcPts val="0"/>
-                        </a:spcAft>
-                        <a:buClrTx/>
-                        <a:buSzTx/>
-                        <a:buFontTx/>
-                        <a:buNone/>
-                        <a:tabLst/>
-                        <a:defRPr/>
-                      </a:pPr>
-                      <a:endParaRPr lang="ko-KR" altLang="en-US" dirty="0"/>
-                    </a:p>
-                  </a:txBody>
-                  <a:tcPr/>
-                </a:tc>
-                <a:extLst>
-                  <a:ext uri="{0D108BD9-81ED-4DB2-BD59-A6C34878D82A}">
-                    <a16:rowId xmlns:a16="http://schemas.microsoft.com/office/drawing/2014/main" val="793635337"/>
-                  </a:ext>
-                </a:extLst>
-              </a:tr>
-              <a:tr h="606565">
-                <a:tc rowSpan="2">
-                  <a:txBody>
-                    <a:bodyPr/>
-                    <a:lstStyle/>
-                    <a:p>
-                      <a:r>
-                        <a:rPr lang="ko-KR" altLang="en-US" dirty="0" err="1"/>
-                        <a:t>스태킹</a:t>
-                      </a:r>
-                      <a:endParaRPr lang="ko-KR" altLang="en-US" dirty="0"/>
-                    </a:p>
-                  </a:txBody>
-                  <a:tcPr/>
-                </a:tc>
-                <a:tc>
-                  <a:txBody>
-                    <a:bodyPr/>
-                    <a:lstStyle/>
-                    <a:p>
-                      <a:r>
-                        <a:rPr lang="ko-KR" altLang="en-US" sz="1800" b="0" i="0" kern="1200" dirty="0" err="1">
-                          <a:solidFill>
-                            <a:schemeClr val="tx1"/>
-                          </a:solidFill>
-                          <a:effectLst/>
-                          <a:latin typeface="+mn-lt"/>
-                          <a:ea typeface="+mn-ea"/>
-                          <a:cs typeface="+mn-cs"/>
-                        </a:rPr>
-                        <a:t>랜덤포레스트</a:t>
-                      </a:r>
-                      <a:r>
-                        <a:rPr lang="en-US" altLang="ko-KR" sz="1800" b="0" i="0" kern="1200" dirty="0">
-                          <a:solidFill>
-                            <a:schemeClr val="tx1"/>
-                          </a:solidFill>
-                          <a:effectLst/>
-                          <a:latin typeface="+mn-lt"/>
-                          <a:ea typeface="+mn-ea"/>
-                          <a:cs typeface="+mn-cs"/>
-                        </a:rPr>
-                        <a:t>, </a:t>
-                      </a:r>
-                      <a:r>
-                        <a:rPr lang="en-US" altLang="ko-KR" sz="1800" b="0" i="0" kern="1200" dirty="0" err="1">
-                          <a:solidFill>
-                            <a:schemeClr val="tx1"/>
-                          </a:solidFill>
-                          <a:effectLst/>
-                          <a:latin typeface="+mn-lt"/>
-                          <a:ea typeface="+mn-ea"/>
-                          <a:cs typeface="+mn-cs"/>
-                        </a:rPr>
-                        <a:t>svm</a:t>
-                      </a:r>
-                      <a:r>
-                        <a:rPr lang="en-US" altLang="ko-KR" sz="1800" b="0" i="0" kern="1200" dirty="0">
-                          <a:solidFill>
-                            <a:schemeClr val="tx1"/>
-                          </a:solidFill>
-                          <a:effectLst/>
-                          <a:latin typeface="+mn-lt"/>
-                          <a:ea typeface="+mn-ea"/>
-                          <a:cs typeface="+mn-cs"/>
-                        </a:rPr>
-                        <a:t>, </a:t>
-                      </a:r>
-                      <a:r>
-                        <a:rPr lang="en-US" altLang="ko-KR" sz="1800" b="0" i="0" kern="1200" dirty="0" err="1">
-                          <a:solidFill>
-                            <a:schemeClr val="tx1"/>
-                          </a:solidFill>
-                          <a:effectLst/>
-                          <a:latin typeface="+mn-lt"/>
-                          <a:ea typeface="+mn-ea"/>
-                          <a:cs typeface="+mn-cs"/>
-                        </a:rPr>
-                        <a:t>xgb</a:t>
-                      </a:r>
-                      <a:endParaRPr lang="ko-KR" altLang="en-US" dirty="0"/>
-                    </a:p>
-                  </a:txBody>
-                  <a:tcPr/>
-                </a:tc>
-                <a:tc>
-                  <a:txBody>
-                    <a:bodyPr/>
-                    <a:lstStyle/>
-                    <a:p>
-                      <a:endParaRPr lang="ko-KR" altLang="en-US" dirty="0"/>
-                    </a:p>
-                  </a:txBody>
-                  <a:tcPr/>
-                </a:tc>
-                <a:extLst>
-                  <a:ext uri="{0D108BD9-81ED-4DB2-BD59-A6C34878D82A}">
-                    <a16:rowId xmlns:a16="http://schemas.microsoft.com/office/drawing/2014/main" val="151129042"/>
-                  </a:ext>
-                </a:extLst>
-              </a:tr>
-              <a:tr h="606565">
-                <a:tc vMerge="1">
-                  <a:txBody>
-                    <a:bodyPr/>
-                    <a:lstStyle/>
-                    <a:p>
-                      <a:endParaRPr lang="ko-KR" altLang="en-US" dirty="0"/>
-                    </a:p>
-                  </a:txBody>
-                  <a:tcPr/>
-                </a:tc>
-                <a:tc>
-                  <a:txBody>
-                    <a:bodyPr/>
-                    <a:lstStyle/>
-                    <a:p>
-                      <a:r>
-                        <a:rPr lang="en-US" altLang="ko-KR" sz="1800" b="0" i="0" kern="1200" dirty="0">
-                          <a:solidFill>
-                            <a:schemeClr val="tx1"/>
-                          </a:solidFill>
-                          <a:effectLst/>
-                          <a:latin typeface="+mn-lt"/>
-                          <a:ea typeface="+mn-ea"/>
-                          <a:cs typeface="+mn-cs"/>
-                        </a:rPr>
-                        <a:t>Extra Trees Regressor, Random Forest Regressor, Decision Tree Regressor</a:t>
-                      </a:r>
-                      <a:endParaRPr lang="ko-KR" altLang="en-US" dirty="0"/>
-                    </a:p>
-                  </a:txBody>
-                  <a:tcPr/>
-                </a:tc>
-                <a:tc>
-                  <a:txBody>
-                    <a:bodyPr/>
-                    <a:lstStyle/>
-                    <a:p>
-                      <a:endParaRPr lang="ko-KR" altLang="en-US" dirty="0"/>
-                    </a:p>
-                  </a:txBody>
-                  <a:tcPr/>
-                </a:tc>
-                <a:extLst>
-                  <a:ext uri="{0D108BD9-81ED-4DB2-BD59-A6C34878D82A}">
-                    <a16:rowId xmlns:a16="http://schemas.microsoft.com/office/drawing/2014/main" val="379668471"/>
-                  </a:ext>
-                </a:extLst>
-              </a:tr>
-              <a:tr h="606565">
-                <a:tc rowSpan="2">
-                  <a:txBody>
-                    <a:bodyPr/>
-                    <a:lstStyle/>
-                    <a:p>
-                      <a:endParaRPr lang="ko-KR" altLang="en-US" dirty="0"/>
-                    </a:p>
-                  </a:txBody>
-                  <a:tcPr/>
-                </a:tc>
-                <a:tc>
-                  <a:txBody>
-                    <a:bodyPr/>
-                    <a:lstStyle/>
-                    <a:p>
-                      <a:endParaRPr lang="ko-KR" altLang="en-US" dirty="0"/>
-                    </a:p>
-                  </a:txBody>
-                  <a:tcPr/>
-                </a:tc>
-                <a:tc>
-                  <a:txBody>
-                    <a:bodyPr/>
-                    <a:lstStyle/>
-                    <a:p>
-                      <a:endParaRPr lang="ko-KR" altLang="en-US" dirty="0"/>
-                    </a:p>
-                  </a:txBody>
-                  <a:tcPr/>
-                </a:tc>
-                <a:extLst>
-                  <a:ext uri="{0D108BD9-81ED-4DB2-BD59-A6C34878D82A}">
-                    <a16:rowId xmlns:a16="http://schemas.microsoft.com/office/drawing/2014/main" val="3392749830"/>
-                  </a:ext>
-                </a:extLst>
-              </a:tr>
-              <a:tr h="606565">
-                <a:tc vMerge="1">
-                  <a:txBody>
-                    <a:bodyPr/>
-                    <a:lstStyle/>
-                    <a:p>
-                      <a:endParaRPr lang="ko-KR" altLang="en-US" dirty="0"/>
-                    </a:p>
-                  </a:txBody>
-                  <a:tcPr/>
-                </a:tc>
-                <a:tc>
-                  <a:txBody>
-                    <a:bodyPr/>
-                    <a:lstStyle/>
-                    <a:p>
-                      <a:endParaRPr lang="ko-KR" altLang="en-US" b="1" dirty="0"/>
-                    </a:p>
-                  </a:txBody>
-                  <a:tcPr/>
-                </a:tc>
-                <a:tc>
-                  <a:txBody>
-                    <a:bodyPr/>
-                    <a:lstStyle/>
-                    <a:p>
-                      <a:endParaRPr lang="ko-KR" altLang="en-US" dirty="0"/>
-                    </a:p>
-                  </a:txBody>
-                  <a:tcPr/>
-                </a:tc>
-                <a:extLst>
-                  <a:ext uri="{0D108BD9-81ED-4DB2-BD59-A6C34878D82A}">
-                    <a16:rowId xmlns:a16="http://schemas.microsoft.com/office/drawing/2014/main" val="2996738327"/>
-                  </a:ext>
-                </a:extLst>
-              </a:tr>
-              <a:tr h="606565">
-                <a:tc>
-                  <a:txBody>
-                    <a:bodyPr/>
-                    <a:lstStyle/>
-                    <a:p>
-                      <a:endParaRPr lang="ko-KR" altLang="en-US" dirty="0"/>
-                    </a:p>
-                  </a:txBody>
-                  <a:tcPr/>
-                </a:tc>
-                <a:tc>
-                  <a:txBody>
-                    <a:bodyPr/>
-                    <a:lstStyle/>
-                    <a:p>
-                      <a:endParaRPr lang="ko-KR" altLang="en-US" b="1" dirty="0"/>
-                    </a:p>
-                  </a:txBody>
-                  <a:tcPr/>
-                </a:tc>
-                <a:tc>
-                  <a:txBody>
-                    <a:bodyPr/>
-                    <a:lstStyle/>
-                    <a:p>
-                      <a:endParaRPr lang="ko-KR" altLang="en-US" dirty="0"/>
-                    </a:p>
-                  </a:txBody>
-                  <a:tcPr/>
-                </a:tc>
-                <a:extLst>
-                  <a:ext uri="{0D108BD9-81ED-4DB2-BD59-A6C34878D82A}">
-                    <a16:rowId xmlns:a16="http://schemas.microsoft.com/office/drawing/2014/main" val="2962882694"/>
-                  </a:ext>
-                </a:extLst>
-              </a:tr>
-              <a:tr h="606565">
-                <a:tc>
-                  <a:txBody>
-                    <a:bodyPr/>
-                    <a:lstStyle/>
-                    <a:p>
-                      <a:endParaRPr lang="ko-KR" altLang="en-US" dirty="0"/>
-                    </a:p>
-                  </a:txBody>
-                  <a:tcPr/>
-                </a:tc>
-                <a:tc>
-                  <a:txBody>
-                    <a:bodyPr/>
-                    <a:lstStyle/>
-                    <a:p>
-                      <a:endParaRPr lang="ko-KR" altLang="en-US" b="0" dirty="0"/>
-                    </a:p>
-                  </a:txBody>
-                  <a:tcPr/>
-                </a:tc>
-                <a:tc>
-                  <a:txBody>
-                    <a:bodyPr/>
-                    <a:lstStyle/>
-                    <a:p>
-                      <a:endParaRPr lang="ko-KR" altLang="en-US" dirty="0"/>
-                    </a:p>
-                  </a:txBody>
-                  <a:tcPr/>
-                </a:tc>
-                <a:extLst>
-                  <a:ext uri="{0D108BD9-81ED-4DB2-BD59-A6C34878D82A}">
-                    <a16:rowId xmlns:a16="http://schemas.microsoft.com/office/drawing/2014/main" val="667559872"/>
-                  </a:ext>
-                </a:extLst>
-              </a:tr>
-            </a:tbl>
-          </a:graphicData>
-        </a:graphic>
-      </p:graphicFrame>
       <p:sp>
         <p:nvSpPr>
           <p:cNvPr id="5" name="TextBox 4">
@@ -7172,7 +7922,7 @@
         </p:nvSpPr>
         <p:spPr>
           <a:xfrm>
-            <a:off x="5767969" y="2163107"/>
+            <a:off x="2202837" y="2306945"/>
             <a:ext cx="6094140" cy="2531783"/>
           </a:xfrm>
           <a:prstGeom prst="rect">

--- a/파일/대회.pptx
+++ b/파일/대회.pptx
@@ -27,6 +27,7 @@
     <p:sldId id="273" r:id="rId21"/>
     <p:sldId id="276" r:id="rId22"/>
     <p:sldId id="277" r:id="rId23"/>
+    <p:sldId id="285" r:id="rId24"/>
   </p:sldIdLst>
   <p:sldSz cx="12192000" cy="6858000"/>
   <p:notesSz cx="6858000" cy="9144000"/>
@@ -280,7 +281,7 @@
           <a:p>
             <a:fld id="{0168CAD0-5ADE-4380-96FD-BA74CB642842}" type="datetimeFigureOut">
               <a:rPr lang="ko-KR" altLang="en-US" smtClean="0"/>
-              <a:t>2023-08-13</a:t>
+              <a:t>2023-08-16</a:t>
             </a:fld>
             <a:endParaRPr lang="ko-KR" altLang="en-US"/>
           </a:p>
@@ -478,7 +479,7 @@
           <a:p>
             <a:fld id="{0168CAD0-5ADE-4380-96FD-BA74CB642842}" type="datetimeFigureOut">
               <a:rPr lang="ko-KR" altLang="en-US" smtClean="0"/>
-              <a:t>2023-08-13</a:t>
+              <a:t>2023-08-16</a:t>
             </a:fld>
             <a:endParaRPr lang="ko-KR" altLang="en-US"/>
           </a:p>
@@ -686,7 +687,7 @@
           <a:p>
             <a:fld id="{0168CAD0-5ADE-4380-96FD-BA74CB642842}" type="datetimeFigureOut">
               <a:rPr lang="ko-KR" altLang="en-US" smtClean="0"/>
-              <a:t>2023-08-13</a:t>
+              <a:t>2023-08-16</a:t>
             </a:fld>
             <a:endParaRPr lang="ko-KR" altLang="en-US"/>
           </a:p>
@@ -884,7 +885,7 @@
           <a:p>
             <a:fld id="{0168CAD0-5ADE-4380-96FD-BA74CB642842}" type="datetimeFigureOut">
               <a:rPr lang="ko-KR" altLang="en-US" smtClean="0"/>
-              <a:t>2023-08-13</a:t>
+              <a:t>2023-08-16</a:t>
             </a:fld>
             <a:endParaRPr lang="ko-KR" altLang="en-US"/>
           </a:p>
@@ -1159,7 +1160,7 @@
           <a:p>
             <a:fld id="{0168CAD0-5ADE-4380-96FD-BA74CB642842}" type="datetimeFigureOut">
               <a:rPr lang="ko-KR" altLang="en-US" smtClean="0"/>
-              <a:t>2023-08-13</a:t>
+              <a:t>2023-08-16</a:t>
             </a:fld>
             <a:endParaRPr lang="ko-KR" altLang="en-US"/>
           </a:p>
@@ -1424,7 +1425,7 @@
           <a:p>
             <a:fld id="{0168CAD0-5ADE-4380-96FD-BA74CB642842}" type="datetimeFigureOut">
               <a:rPr lang="ko-KR" altLang="en-US" smtClean="0"/>
-              <a:t>2023-08-13</a:t>
+              <a:t>2023-08-16</a:t>
             </a:fld>
             <a:endParaRPr lang="ko-KR" altLang="en-US"/>
           </a:p>
@@ -1836,7 +1837,7 @@
           <a:p>
             <a:fld id="{0168CAD0-5ADE-4380-96FD-BA74CB642842}" type="datetimeFigureOut">
               <a:rPr lang="ko-KR" altLang="en-US" smtClean="0"/>
-              <a:t>2023-08-13</a:t>
+              <a:t>2023-08-16</a:t>
             </a:fld>
             <a:endParaRPr lang="ko-KR" altLang="en-US"/>
           </a:p>
@@ -1977,7 +1978,7 @@
           <a:p>
             <a:fld id="{0168CAD0-5ADE-4380-96FD-BA74CB642842}" type="datetimeFigureOut">
               <a:rPr lang="ko-KR" altLang="en-US" smtClean="0"/>
-              <a:t>2023-08-13</a:t>
+              <a:t>2023-08-16</a:t>
             </a:fld>
             <a:endParaRPr lang="ko-KR" altLang="en-US"/>
           </a:p>
@@ -2090,7 +2091,7 @@
           <a:p>
             <a:fld id="{0168CAD0-5ADE-4380-96FD-BA74CB642842}" type="datetimeFigureOut">
               <a:rPr lang="ko-KR" altLang="en-US" smtClean="0"/>
-              <a:t>2023-08-13</a:t>
+              <a:t>2023-08-16</a:t>
             </a:fld>
             <a:endParaRPr lang="ko-KR" altLang="en-US"/>
           </a:p>
@@ -2401,7 +2402,7 @@
           <a:p>
             <a:fld id="{0168CAD0-5ADE-4380-96FD-BA74CB642842}" type="datetimeFigureOut">
               <a:rPr lang="ko-KR" altLang="en-US" smtClean="0"/>
-              <a:t>2023-08-13</a:t>
+              <a:t>2023-08-16</a:t>
             </a:fld>
             <a:endParaRPr lang="ko-KR" altLang="en-US"/>
           </a:p>
@@ -2689,7 +2690,7 @@
           <a:p>
             <a:fld id="{0168CAD0-5ADE-4380-96FD-BA74CB642842}" type="datetimeFigureOut">
               <a:rPr lang="ko-KR" altLang="en-US" smtClean="0"/>
-              <a:t>2023-08-13</a:t>
+              <a:t>2023-08-16</a:t>
             </a:fld>
             <a:endParaRPr lang="ko-KR" altLang="en-US"/>
           </a:p>
@@ -2930,7 +2931,7 @@
           <a:p>
             <a:fld id="{0168CAD0-5ADE-4380-96FD-BA74CB642842}" type="datetimeFigureOut">
               <a:rPr lang="ko-KR" altLang="en-US" smtClean="0"/>
-              <a:t>2023-08-13</a:t>
+              <a:t>2023-08-16</a:t>
             </a:fld>
             <a:endParaRPr lang="ko-KR" altLang="en-US"/>
           </a:p>
@@ -7961,14 +7962,14 @@
           <p:nvPr>
             <p:extLst>
               <p:ext uri="{D42A27DB-BD31-4B8C-83A1-F6EECF244321}">
-                <p14:modId xmlns:p14="http://schemas.microsoft.com/office/powerpoint/2010/main" val="2071528349"/>
+                <p14:modId xmlns:p14="http://schemas.microsoft.com/office/powerpoint/2010/main" val="3817118960"/>
               </p:ext>
             </p:extLst>
           </p:nvPr>
         </p:nvGraphicFramePr>
         <p:xfrm>
           <a:off x="7351904" y="441226"/>
-          <a:ext cx="4545189" cy="5614256"/>
+          <a:ext cx="4545189" cy="5647771"/>
         </p:xfrm>
         <a:graphic>
           <a:graphicData uri="http://schemas.openxmlformats.org/drawingml/2006/table">
@@ -8637,6 +8638,10 @@
                         <a:tabLst/>
                         <a:defRPr/>
                       </a:pPr>
+                      <a:r>
+                        <a:rPr lang="en-US" altLang="ko-KR" b="0" dirty="0"/>
+                        <a:t>9.300</a:t>
+                      </a:r>
                       <a:endParaRPr lang="ko-KR" altLang="en-US" b="0" dirty="0"/>
                     </a:p>
                   </a:txBody>
@@ -8645,6 +8650,99 @@
                 <a:extLst>
                   <a:ext uri="{0D108BD9-81ED-4DB2-BD59-A6C34878D82A}">
                     <a16:rowId xmlns:a16="http://schemas.microsoft.com/office/drawing/2014/main" val="793635337"/>
+                  </a:ext>
+                </a:extLst>
+              </a:tr>
+              <a:tr h="606565">
+                <a:tc>
+                  <a:txBody>
+                    <a:bodyPr/>
+                    <a:lstStyle/>
+                    <a:p>
+                      <a:pPr marL="0" marR="0" lvl="0" indent="0" algn="l" defTabSz="914400" rtl="0" eaLnBrk="1" fontAlgn="auto" latinLnBrk="1" hangingPunct="1">
+                        <a:lnSpc>
+                          <a:spcPct val="100000"/>
+                        </a:lnSpc>
+                        <a:spcBef>
+                          <a:spcPts val="0"/>
+                        </a:spcBef>
+                        <a:spcAft>
+                          <a:spcPts val="0"/>
+                        </a:spcAft>
+                        <a:buClrTx/>
+                        <a:buSzTx/>
+                        <a:buFontTx/>
+                        <a:buNone/>
+                        <a:tabLst/>
+                        <a:defRPr/>
+                      </a:pPr>
+                      <a:r>
+                        <a:rPr lang="ko-KR" altLang="en-US" sz="1200" dirty="0"/>
+                        <a:t>모델만 변경 </a:t>
+                      </a:r>
+                      <a:r>
+                        <a:rPr lang="en-US" altLang="ko-KR" sz="1200" dirty="0"/>
+                        <a:t>(et </a:t>
+                      </a:r>
+                      <a:r>
+                        <a:rPr lang="ko-KR" altLang="en-US" sz="1200" dirty="0"/>
+                        <a:t>사용</a:t>
+                      </a:r>
+                      <a:r>
+                        <a:rPr lang="en-US" altLang="ko-KR" sz="1200" dirty="0"/>
+                        <a:t>)</a:t>
+                      </a:r>
+                      <a:endParaRPr lang="ko-KR" altLang="en-US" sz="1200" dirty="0"/>
+                    </a:p>
+                  </a:txBody>
+                  <a:tcPr/>
+                </a:tc>
+                <a:tc>
+                  <a:txBody>
+                    <a:bodyPr/>
+                    <a:lstStyle/>
+                    <a:p>
+                      <a:r>
+                        <a:rPr lang="fr-FR" altLang="ko-KR" sz="1800" b="0" kern="1200" dirty="0">
+                          <a:solidFill>
+                            <a:schemeClr val="tx1"/>
+                          </a:solidFill>
+                          <a:effectLst/>
+                          <a:latin typeface="+mn-lt"/>
+                          <a:ea typeface="+mn-ea"/>
+                          <a:cs typeface="+mn-cs"/>
+                        </a:rPr>
+                        <a:t>submit_clust_et_model_fianl.csv</a:t>
+                      </a:r>
+                    </a:p>
+                  </a:txBody>
+                  <a:tcPr/>
+                </a:tc>
+                <a:tc>
+                  <a:txBody>
+                    <a:bodyPr/>
+                    <a:lstStyle/>
+                    <a:p>
+                      <a:r>
+                        <a:rPr lang="en-US" altLang="ko-KR" sz="1800" b="0" i="0" kern="1200" dirty="0">
+                          <a:solidFill>
+                            <a:schemeClr val="tx1"/>
+                          </a:solidFill>
+                          <a:effectLst/>
+                          <a:latin typeface="+mn-lt"/>
+                          <a:ea typeface="+mn-ea"/>
+                          <a:cs typeface="+mn-cs"/>
+                        </a:rPr>
+                        <a:t>6.135</a:t>
+                      </a:r>
+                      <a:endParaRPr lang="ko-KR" altLang="en-US" b="0" dirty="0"/>
+                    </a:p>
+                  </a:txBody>
+                  <a:tcPr/>
+                </a:tc>
+                <a:extLst>
+                  <a:ext uri="{0D108BD9-81ED-4DB2-BD59-A6C34878D82A}">
+                    <a16:rowId xmlns:a16="http://schemas.microsoft.com/office/drawing/2014/main" val="151129042"/>
                   </a:ext>
                 </a:extLst>
               </a:tr>
@@ -8681,33 +8779,6 @@
                     <a:bodyPr/>
                     <a:lstStyle/>
                     <a:p>
-                      <a:endParaRPr lang="ko-KR" altLang="en-US" b="0" dirty="0"/>
-                    </a:p>
-                  </a:txBody>
-                  <a:tcPr/>
-                </a:tc>
-                <a:tc>
-                  <a:txBody>
-                    <a:bodyPr/>
-                    <a:lstStyle/>
-                    <a:p>
-                      <a:endParaRPr lang="ko-KR" altLang="en-US" b="0" dirty="0"/>
-                    </a:p>
-                  </a:txBody>
-                  <a:tcPr/>
-                </a:tc>
-                <a:extLst>
-                  <a:ext uri="{0D108BD9-81ED-4DB2-BD59-A6C34878D82A}">
-                    <a16:rowId xmlns:a16="http://schemas.microsoft.com/office/drawing/2014/main" val="151129042"/>
-                  </a:ext>
-                </a:extLst>
-              </a:tr>
-              <a:tr h="606565">
-                <a:tc>
-                  <a:txBody>
-                    <a:bodyPr/>
-                    <a:lstStyle/>
-                    <a:p>
                       <a:pPr marL="0" marR="0" lvl="0" indent="0" algn="l" defTabSz="914400" rtl="0" eaLnBrk="1" fontAlgn="auto" latinLnBrk="1" hangingPunct="1">
                         <a:lnSpc>
                           <a:spcPct val="100000"/>
@@ -8725,34 +8796,7 @@
                         <a:tabLst/>
                         <a:defRPr/>
                       </a:pPr>
-                      <a:endParaRPr lang="ko-KR" altLang="en-US" sz="1200" dirty="0"/>
-                    </a:p>
-                  </a:txBody>
-                  <a:tcPr/>
-                </a:tc>
-                <a:tc>
-                  <a:txBody>
-                    <a:bodyPr/>
-                    <a:lstStyle/>
-                    <a:p>
-                      <a:pPr marL="0" marR="0" lvl="0" indent="0" algn="l" defTabSz="914400" rtl="0" eaLnBrk="1" fontAlgn="auto" latinLnBrk="1" hangingPunct="1">
-                        <a:lnSpc>
-                          <a:spcPct val="100000"/>
-                        </a:lnSpc>
-                        <a:spcBef>
-                          <a:spcPts val="0"/>
-                        </a:spcBef>
-                        <a:spcAft>
-                          <a:spcPts val="0"/>
-                        </a:spcAft>
-                        <a:buClrTx/>
-                        <a:buSzTx/>
-                        <a:buFontTx/>
-                        <a:buNone/>
-                        <a:tabLst/>
-                        <a:defRPr/>
-                      </a:pPr>
-                      <a:endParaRPr lang="en-US" altLang="ko-KR" sz="1800" b="0" kern="1200" dirty="0">
+                      <a:endParaRPr lang="fr-FR" altLang="ko-KR" sz="1800" b="0" kern="1200" dirty="0">
                         <a:solidFill>
                           <a:schemeClr val="tx1"/>
                         </a:solidFill>
@@ -11483,6 +11527,282 @@
     <p:extLst>
       <p:ext uri="{BB962C8B-B14F-4D97-AF65-F5344CB8AC3E}">
         <p14:creationId xmlns:p14="http://schemas.microsoft.com/office/powerpoint/2010/main" val="3602466799"/>
+      </p:ext>
+    </p:extLst>
+  </p:cSld>
+  <p:clrMapOvr>
+    <a:masterClrMapping/>
+  </p:clrMapOvr>
+</p:sld>
+</file>
+
+<file path=ppt/slides/slide23.xml><?xml version="1.0" encoding="utf-8"?>
+<p:sld xmlns:a="http://schemas.openxmlformats.org/drawingml/2006/main" xmlns:r="http://schemas.openxmlformats.org/officeDocument/2006/relationships" xmlns:p="http://schemas.openxmlformats.org/presentationml/2006/main">
+  <p:cSld>
+    <p:spTree>
+      <p:nvGrpSpPr>
+        <p:cNvPr id="1" name=""/>
+        <p:cNvGrpSpPr/>
+        <p:nvPr/>
+      </p:nvGrpSpPr>
+      <p:grpSpPr>
+        <a:xfrm>
+          <a:off x="0" y="0"/>
+          <a:ext cx="0" cy="0"/>
+          <a:chOff x="0" y="0"/>
+          <a:chExt cx="0" cy="0"/>
+        </a:xfrm>
+      </p:grpSpPr>
+      <p:sp>
+        <p:nvSpPr>
+          <p:cNvPr id="6" name="TextBox 5">
+            <a:extLst>
+              <a:ext uri="{FF2B5EF4-FFF2-40B4-BE49-F238E27FC236}">
+                <a16:creationId xmlns:a16="http://schemas.microsoft.com/office/drawing/2014/main" id="{608B54DE-1E89-40D6-B81A-3E1E3033A7D9}"/>
+              </a:ext>
+            </a:extLst>
+          </p:cNvPr>
+          <p:cNvSpPr txBox="1"/>
+          <p:nvPr/>
+        </p:nvSpPr>
+        <p:spPr>
+          <a:xfrm>
+            <a:off x="1666800" y="716091"/>
+            <a:ext cx="788999" cy="369332"/>
+          </a:xfrm>
+          <a:prstGeom prst="rect">
+            <a:avLst/>
+          </a:prstGeom>
+          <a:noFill/>
+        </p:spPr>
+        <p:txBody>
+          <a:bodyPr wrap="none" rtlCol="0">
+            <a:spAutoFit/>
+          </a:bodyPr>
+          <a:lstStyle/>
+          <a:p>
+            <a:r>
+              <a:rPr lang="en-US" altLang="ko-KR" dirty="0"/>
+              <a:t>clust0</a:t>
+            </a:r>
+            <a:endParaRPr lang="ko-KR" altLang="en-US" dirty="0"/>
+          </a:p>
+        </p:txBody>
+      </p:sp>
+      <p:sp>
+        <p:nvSpPr>
+          <p:cNvPr id="7" name="TextBox 6">
+            <a:extLst>
+              <a:ext uri="{FF2B5EF4-FFF2-40B4-BE49-F238E27FC236}">
+                <a16:creationId xmlns:a16="http://schemas.microsoft.com/office/drawing/2014/main" id="{826DEEB9-C138-4F43-B82C-A5D665D76060}"/>
+              </a:ext>
+            </a:extLst>
+          </p:cNvPr>
+          <p:cNvSpPr txBox="1"/>
+          <p:nvPr/>
+        </p:nvSpPr>
+        <p:spPr>
+          <a:xfrm>
+            <a:off x="4083263" y="716091"/>
+            <a:ext cx="788999" cy="369332"/>
+          </a:xfrm>
+          <a:prstGeom prst="rect">
+            <a:avLst/>
+          </a:prstGeom>
+          <a:noFill/>
+        </p:spPr>
+        <p:txBody>
+          <a:bodyPr wrap="none" rtlCol="0">
+            <a:spAutoFit/>
+          </a:bodyPr>
+          <a:lstStyle/>
+          <a:p>
+            <a:r>
+              <a:rPr lang="en-US" altLang="ko-KR" dirty="0"/>
+              <a:t>clust1</a:t>
+            </a:r>
+            <a:endParaRPr lang="ko-KR" altLang="en-US" dirty="0"/>
+          </a:p>
+        </p:txBody>
+      </p:sp>
+      <p:sp>
+        <p:nvSpPr>
+          <p:cNvPr id="8" name="TextBox 7">
+            <a:extLst>
+              <a:ext uri="{FF2B5EF4-FFF2-40B4-BE49-F238E27FC236}">
+                <a16:creationId xmlns:a16="http://schemas.microsoft.com/office/drawing/2014/main" id="{B9A463FD-418C-45DA-BC5C-E5A7C0A929E2}"/>
+              </a:ext>
+            </a:extLst>
+          </p:cNvPr>
+          <p:cNvSpPr txBox="1"/>
+          <p:nvPr/>
+        </p:nvSpPr>
+        <p:spPr>
+          <a:xfrm>
+            <a:off x="6323573" y="708496"/>
+            <a:ext cx="788999" cy="369332"/>
+          </a:xfrm>
+          <a:prstGeom prst="rect">
+            <a:avLst/>
+          </a:prstGeom>
+          <a:noFill/>
+        </p:spPr>
+        <p:txBody>
+          <a:bodyPr wrap="none" rtlCol="0">
+            <a:spAutoFit/>
+          </a:bodyPr>
+          <a:lstStyle/>
+          <a:p>
+            <a:r>
+              <a:rPr lang="en-US" altLang="ko-KR" dirty="0"/>
+              <a:t>clust2</a:t>
+            </a:r>
+            <a:endParaRPr lang="ko-KR" altLang="en-US" dirty="0"/>
+          </a:p>
+        </p:txBody>
+      </p:sp>
+      <p:sp>
+        <p:nvSpPr>
+          <p:cNvPr id="10" name="TextBox 9">
+            <a:extLst>
+              <a:ext uri="{FF2B5EF4-FFF2-40B4-BE49-F238E27FC236}">
+                <a16:creationId xmlns:a16="http://schemas.microsoft.com/office/drawing/2014/main" id="{ED1B76EF-4AC1-44CF-9987-6ADB9C95DB5B}"/>
+              </a:ext>
+            </a:extLst>
+          </p:cNvPr>
+          <p:cNvSpPr txBox="1"/>
+          <p:nvPr/>
+        </p:nvSpPr>
+        <p:spPr>
+          <a:xfrm>
+            <a:off x="9612275" y="738050"/>
+            <a:ext cx="788999" cy="369332"/>
+          </a:xfrm>
+          <a:prstGeom prst="rect">
+            <a:avLst/>
+          </a:prstGeom>
+          <a:noFill/>
+        </p:spPr>
+        <p:txBody>
+          <a:bodyPr wrap="none" rtlCol="0">
+            <a:spAutoFit/>
+          </a:bodyPr>
+          <a:lstStyle/>
+          <a:p>
+            <a:r>
+              <a:rPr lang="en-US" altLang="ko-KR" dirty="0"/>
+              <a:t>clust3</a:t>
+            </a:r>
+            <a:endParaRPr lang="ko-KR" altLang="en-US" dirty="0"/>
+          </a:p>
+        </p:txBody>
+      </p:sp>
+      <p:sp>
+        <p:nvSpPr>
+          <p:cNvPr id="9" name="TextBox 8">
+            <a:extLst>
+              <a:ext uri="{FF2B5EF4-FFF2-40B4-BE49-F238E27FC236}">
+                <a16:creationId xmlns:a16="http://schemas.microsoft.com/office/drawing/2014/main" id="{B2509AD6-61B7-423A-94F8-AC417B6B49DA}"/>
+              </a:ext>
+            </a:extLst>
+          </p:cNvPr>
+          <p:cNvSpPr txBox="1"/>
+          <p:nvPr/>
+        </p:nvSpPr>
+        <p:spPr>
+          <a:xfrm>
+            <a:off x="1081754" y="2096790"/>
+            <a:ext cx="6030818" cy="646331"/>
+          </a:xfrm>
+          <a:prstGeom prst="rect">
+            <a:avLst/>
+          </a:prstGeom>
+          <a:noFill/>
+        </p:spPr>
+        <p:txBody>
+          <a:bodyPr wrap="none" rtlCol="0">
+            <a:spAutoFit/>
+          </a:bodyPr>
+          <a:lstStyle/>
+          <a:p>
+            <a:r>
+              <a:rPr lang="en-US" altLang="ko-KR" dirty="0" err="1"/>
+              <a:t>et_model</a:t>
+            </a:r>
+            <a:r>
+              <a:rPr lang="en-US" altLang="ko-KR" dirty="0"/>
+              <a:t>, et_model1, et_model2, et_model3 : </a:t>
+            </a:r>
+            <a:r>
+              <a:rPr lang="ko-KR" altLang="en-US" dirty="0"/>
+              <a:t>그냥 모델</a:t>
+            </a:r>
+            <a:endParaRPr lang="en-US" altLang="ko-KR" dirty="0"/>
+          </a:p>
+          <a:p>
+            <a:r>
+              <a:rPr lang="en-US" altLang="ko-KR" dirty="0"/>
+              <a:t>et_model_final0 ~ : </a:t>
+            </a:r>
+            <a:r>
+              <a:rPr lang="ko-KR" altLang="en-US" dirty="0"/>
+              <a:t>최종 모델</a:t>
+            </a:r>
+          </a:p>
+        </p:txBody>
+      </p:sp>
+      <p:sp>
+        <p:nvSpPr>
+          <p:cNvPr id="11" name="TextBox 10">
+            <a:extLst>
+              <a:ext uri="{FF2B5EF4-FFF2-40B4-BE49-F238E27FC236}">
+                <a16:creationId xmlns:a16="http://schemas.microsoft.com/office/drawing/2014/main" id="{B37B8C43-A9A9-4A5D-BCF6-F2E4B9F2FA15}"/>
+              </a:ext>
+            </a:extLst>
+          </p:cNvPr>
+          <p:cNvSpPr txBox="1"/>
+          <p:nvPr/>
+        </p:nvSpPr>
+        <p:spPr>
+          <a:xfrm>
+            <a:off x="4284914" y="2419955"/>
+            <a:ext cx="6093724" cy="369332"/>
+          </a:xfrm>
+          <a:prstGeom prst="rect">
+            <a:avLst/>
+          </a:prstGeom>
+          <a:noFill/>
+        </p:spPr>
+        <p:txBody>
+          <a:bodyPr wrap="square">
+            <a:spAutoFit/>
+          </a:bodyPr>
+          <a:lstStyle/>
+          <a:p>
+            <a:r>
+              <a:rPr lang="fr-FR" altLang="ko-KR" b="0" dirty="0">
+                <a:solidFill>
+                  <a:srgbClr val="A31515"/>
+                </a:solidFill>
+                <a:effectLst/>
+                <a:latin typeface="Courier New" panose="02070309020205020404" pitchFamily="49" charset="0"/>
+              </a:rPr>
+              <a:t>submit_clust_et_model_fianl.csv</a:t>
+            </a:r>
+            <a:endParaRPr lang="fr-FR" altLang="ko-KR" b="0" dirty="0">
+              <a:solidFill>
+                <a:srgbClr val="000000"/>
+              </a:solidFill>
+              <a:effectLst/>
+              <a:latin typeface="Courier New" panose="02070309020205020404" pitchFamily="49" charset="0"/>
+            </a:endParaRPr>
+          </a:p>
+        </p:txBody>
+      </p:sp>
+    </p:spTree>
+    <p:extLst>
+      <p:ext uri="{BB962C8B-B14F-4D97-AF65-F5344CB8AC3E}">
+        <p14:creationId xmlns:p14="http://schemas.microsoft.com/office/powerpoint/2010/main" val="2236266259"/>
       </p:ext>
     </p:extLst>
   </p:cSld>

--- a/파일/대회.pptx
+++ b/파일/대회.pptx
@@ -281,7 +281,7 @@
           <a:p>
             <a:fld id="{0168CAD0-5ADE-4380-96FD-BA74CB642842}" type="datetimeFigureOut">
               <a:rPr lang="ko-KR" altLang="en-US" smtClean="0"/>
-              <a:t>2023-08-16</a:t>
+              <a:t>2023-08-17</a:t>
             </a:fld>
             <a:endParaRPr lang="ko-KR" altLang="en-US"/>
           </a:p>
@@ -479,7 +479,7 @@
           <a:p>
             <a:fld id="{0168CAD0-5ADE-4380-96FD-BA74CB642842}" type="datetimeFigureOut">
               <a:rPr lang="ko-KR" altLang="en-US" smtClean="0"/>
-              <a:t>2023-08-16</a:t>
+              <a:t>2023-08-17</a:t>
             </a:fld>
             <a:endParaRPr lang="ko-KR" altLang="en-US"/>
           </a:p>
@@ -687,7 +687,7 @@
           <a:p>
             <a:fld id="{0168CAD0-5ADE-4380-96FD-BA74CB642842}" type="datetimeFigureOut">
               <a:rPr lang="ko-KR" altLang="en-US" smtClean="0"/>
-              <a:t>2023-08-16</a:t>
+              <a:t>2023-08-17</a:t>
             </a:fld>
             <a:endParaRPr lang="ko-KR" altLang="en-US"/>
           </a:p>
@@ -885,7 +885,7 @@
           <a:p>
             <a:fld id="{0168CAD0-5ADE-4380-96FD-BA74CB642842}" type="datetimeFigureOut">
               <a:rPr lang="ko-KR" altLang="en-US" smtClean="0"/>
-              <a:t>2023-08-16</a:t>
+              <a:t>2023-08-17</a:t>
             </a:fld>
             <a:endParaRPr lang="ko-KR" altLang="en-US"/>
           </a:p>
@@ -1160,7 +1160,7 @@
           <a:p>
             <a:fld id="{0168CAD0-5ADE-4380-96FD-BA74CB642842}" type="datetimeFigureOut">
               <a:rPr lang="ko-KR" altLang="en-US" smtClean="0"/>
-              <a:t>2023-08-16</a:t>
+              <a:t>2023-08-17</a:t>
             </a:fld>
             <a:endParaRPr lang="ko-KR" altLang="en-US"/>
           </a:p>
@@ -1425,7 +1425,7 @@
           <a:p>
             <a:fld id="{0168CAD0-5ADE-4380-96FD-BA74CB642842}" type="datetimeFigureOut">
               <a:rPr lang="ko-KR" altLang="en-US" smtClean="0"/>
-              <a:t>2023-08-16</a:t>
+              <a:t>2023-08-17</a:t>
             </a:fld>
             <a:endParaRPr lang="ko-KR" altLang="en-US"/>
           </a:p>
@@ -1837,7 +1837,7 @@
           <a:p>
             <a:fld id="{0168CAD0-5ADE-4380-96FD-BA74CB642842}" type="datetimeFigureOut">
               <a:rPr lang="ko-KR" altLang="en-US" smtClean="0"/>
-              <a:t>2023-08-16</a:t>
+              <a:t>2023-08-17</a:t>
             </a:fld>
             <a:endParaRPr lang="ko-KR" altLang="en-US"/>
           </a:p>
@@ -1978,7 +1978,7 @@
           <a:p>
             <a:fld id="{0168CAD0-5ADE-4380-96FD-BA74CB642842}" type="datetimeFigureOut">
               <a:rPr lang="ko-KR" altLang="en-US" smtClean="0"/>
-              <a:t>2023-08-16</a:t>
+              <a:t>2023-08-17</a:t>
             </a:fld>
             <a:endParaRPr lang="ko-KR" altLang="en-US"/>
           </a:p>
@@ -2091,7 +2091,7 @@
           <a:p>
             <a:fld id="{0168CAD0-5ADE-4380-96FD-BA74CB642842}" type="datetimeFigureOut">
               <a:rPr lang="ko-KR" altLang="en-US" smtClean="0"/>
-              <a:t>2023-08-16</a:t>
+              <a:t>2023-08-17</a:t>
             </a:fld>
             <a:endParaRPr lang="ko-KR" altLang="en-US"/>
           </a:p>
@@ -2402,7 +2402,7 @@
           <a:p>
             <a:fld id="{0168CAD0-5ADE-4380-96FD-BA74CB642842}" type="datetimeFigureOut">
               <a:rPr lang="ko-KR" altLang="en-US" smtClean="0"/>
-              <a:t>2023-08-16</a:t>
+              <a:t>2023-08-17</a:t>
             </a:fld>
             <a:endParaRPr lang="ko-KR" altLang="en-US"/>
           </a:p>
@@ -2690,7 +2690,7 @@
           <a:p>
             <a:fld id="{0168CAD0-5ADE-4380-96FD-BA74CB642842}" type="datetimeFigureOut">
               <a:rPr lang="ko-KR" altLang="en-US" smtClean="0"/>
-              <a:t>2023-08-16</a:t>
+              <a:t>2023-08-17</a:t>
             </a:fld>
             <a:endParaRPr lang="ko-KR" altLang="en-US"/>
           </a:p>
@@ -2931,7 +2931,7 @@
           <a:p>
             <a:fld id="{0168CAD0-5ADE-4380-96FD-BA74CB642842}" type="datetimeFigureOut">
               <a:rPr lang="ko-KR" altLang="en-US" smtClean="0"/>
-              <a:t>2023-08-16</a:t>
+              <a:t>2023-08-17</a:t>
             </a:fld>
             <a:endParaRPr lang="ko-KR" altLang="en-US"/>
           </a:p>
@@ -11799,6 +11799,66 @@
           </a:p>
         </p:txBody>
       </p:sp>
+      <p:sp>
+        <p:nvSpPr>
+          <p:cNvPr id="12" name="TextBox 11">
+            <a:extLst>
+              <a:ext uri="{FF2B5EF4-FFF2-40B4-BE49-F238E27FC236}">
+                <a16:creationId xmlns:a16="http://schemas.microsoft.com/office/drawing/2014/main" id="{E5B7E86C-8FF0-4C88-B99C-19E2AC196EAD}"/>
+              </a:ext>
+            </a:extLst>
+          </p:cNvPr>
+          <p:cNvSpPr txBox="1"/>
+          <p:nvPr/>
+        </p:nvSpPr>
+        <p:spPr>
+          <a:xfrm>
+            <a:off x="1050301" y="4435102"/>
+            <a:ext cx="6093724" cy="369332"/>
+          </a:xfrm>
+          <a:prstGeom prst="rect">
+            <a:avLst/>
+          </a:prstGeom>
+          <a:noFill/>
+        </p:spPr>
+        <p:txBody>
+          <a:bodyPr wrap="square">
+            <a:spAutoFit/>
+          </a:bodyPr>
+          <a:lstStyle/>
+          <a:p>
+            <a:r>
+              <a:rPr lang="ko-KR" altLang="en-US" dirty="0" err="1"/>
+              <a:t>전력사용량예측_pycaret_et.ipynb</a:t>
+            </a:r>
+            <a:r>
+              <a:rPr lang="ko-KR" altLang="en-US" dirty="0"/>
+              <a:t> </a:t>
+            </a:r>
+            <a:r>
+              <a:rPr lang="en-US" altLang="ko-KR" dirty="0"/>
+              <a:t>: </a:t>
+            </a:r>
+            <a:r>
+              <a:rPr lang="ko-KR" altLang="en-US" dirty="0"/>
+              <a:t>튜닝 추가 코드 </a:t>
+            </a:r>
+            <a:r>
+              <a:rPr lang="en-US" altLang="ko-KR" dirty="0"/>
+              <a:t>(</a:t>
+            </a:r>
+            <a:r>
+              <a:rPr lang="ko-KR" altLang="en-US" dirty="0"/>
+              <a:t>단독</a:t>
+            </a:r>
+            <a:r>
+              <a:rPr lang="en-US" altLang="ko-KR" dirty="0"/>
+              <a:t>)</a:t>
+            </a:r>
+            <a:endParaRPr lang="ko-KR" altLang="en-US" dirty="0"/>
+          </a:p>
+        </p:txBody>
+      </p:sp>
     </p:spTree>
     <p:extLst>
       <p:ext uri="{BB962C8B-B14F-4D97-AF65-F5344CB8AC3E}">

--- a/파일/대회.pptx
+++ b/파일/대회.pptx
@@ -17,17 +17,18 @@
     <p:sldId id="280" r:id="rId11"/>
     <p:sldId id="284" r:id="rId12"/>
     <p:sldId id="257" r:id="rId13"/>
-    <p:sldId id="283" r:id="rId14"/>
-    <p:sldId id="258" r:id="rId15"/>
-    <p:sldId id="265" r:id="rId16"/>
-    <p:sldId id="259" r:id="rId17"/>
-    <p:sldId id="269" r:id="rId18"/>
-    <p:sldId id="272" r:id="rId19"/>
-    <p:sldId id="270" r:id="rId20"/>
-    <p:sldId id="273" r:id="rId21"/>
-    <p:sldId id="276" r:id="rId22"/>
-    <p:sldId id="277" r:id="rId23"/>
-    <p:sldId id="285" r:id="rId24"/>
+    <p:sldId id="286" r:id="rId14"/>
+    <p:sldId id="283" r:id="rId15"/>
+    <p:sldId id="258" r:id="rId16"/>
+    <p:sldId id="265" r:id="rId17"/>
+    <p:sldId id="259" r:id="rId18"/>
+    <p:sldId id="269" r:id="rId19"/>
+    <p:sldId id="272" r:id="rId20"/>
+    <p:sldId id="270" r:id="rId21"/>
+    <p:sldId id="273" r:id="rId22"/>
+    <p:sldId id="276" r:id="rId23"/>
+    <p:sldId id="277" r:id="rId24"/>
+    <p:sldId id="285" r:id="rId25"/>
   </p:sldIdLst>
   <p:sldSz cx="12192000" cy="6858000"/>
   <p:notesSz cx="6858000" cy="9144000"/>
@@ -281,7 +282,7 @@
           <a:p>
             <a:fld id="{0168CAD0-5ADE-4380-96FD-BA74CB642842}" type="datetimeFigureOut">
               <a:rPr lang="ko-KR" altLang="en-US" smtClean="0"/>
-              <a:t>2023-08-17</a:t>
+              <a:t>2023-08-18</a:t>
             </a:fld>
             <a:endParaRPr lang="ko-KR" altLang="en-US"/>
           </a:p>
@@ -479,7 +480,7 @@
           <a:p>
             <a:fld id="{0168CAD0-5ADE-4380-96FD-BA74CB642842}" type="datetimeFigureOut">
               <a:rPr lang="ko-KR" altLang="en-US" smtClean="0"/>
-              <a:t>2023-08-17</a:t>
+              <a:t>2023-08-18</a:t>
             </a:fld>
             <a:endParaRPr lang="ko-KR" altLang="en-US"/>
           </a:p>
@@ -687,7 +688,7 @@
           <a:p>
             <a:fld id="{0168CAD0-5ADE-4380-96FD-BA74CB642842}" type="datetimeFigureOut">
               <a:rPr lang="ko-KR" altLang="en-US" smtClean="0"/>
-              <a:t>2023-08-17</a:t>
+              <a:t>2023-08-18</a:t>
             </a:fld>
             <a:endParaRPr lang="ko-KR" altLang="en-US"/>
           </a:p>
@@ -885,7 +886,7 @@
           <a:p>
             <a:fld id="{0168CAD0-5ADE-4380-96FD-BA74CB642842}" type="datetimeFigureOut">
               <a:rPr lang="ko-KR" altLang="en-US" smtClean="0"/>
-              <a:t>2023-08-17</a:t>
+              <a:t>2023-08-18</a:t>
             </a:fld>
             <a:endParaRPr lang="ko-KR" altLang="en-US"/>
           </a:p>
@@ -1160,7 +1161,7 @@
           <a:p>
             <a:fld id="{0168CAD0-5ADE-4380-96FD-BA74CB642842}" type="datetimeFigureOut">
               <a:rPr lang="ko-KR" altLang="en-US" smtClean="0"/>
-              <a:t>2023-08-17</a:t>
+              <a:t>2023-08-18</a:t>
             </a:fld>
             <a:endParaRPr lang="ko-KR" altLang="en-US"/>
           </a:p>
@@ -1425,7 +1426,7 @@
           <a:p>
             <a:fld id="{0168CAD0-5ADE-4380-96FD-BA74CB642842}" type="datetimeFigureOut">
               <a:rPr lang="ko-KR" altLang="en-US" smtClean="0"/>
-              <a:t>2023-08-17</a:t>
+              <a:t>2023-08-18</a:t>
             </a:fld>
             <a:endParaRPr lang="ko-KR" altLang="en-US"/>
           </a:p>
@@ -1837,7 +1838,7 @@
           <a:p>
             <a:fld id="{0168CAD0-5ADE-4380-96FD-BA74CB642842}" type="datetimeFigureOut">
               <a:rPr lang="ko-KR" altLang="en-US" smtClean="0"/>
-              <a:t>2023-08-17</a:t>
+              <a:t>2023-08-18</a:t>
             </a:fld>
             <a:endParaRPr lang="ko-KR" altLang="en-US"/>
           </a:p>
@@ -1978,7 +1979,7 @@
           <a:p>
             <a:fld id="{0168CAD0-5ADE-4380-96FD-BA74CB642842}" type="datetimeFigureOut">
               <a:rPr lang="ko-KR" altLang="en-US" smtClean="0"/>
-              <a:t>2023-08-17</a:t>
+              <a:t>2023-08-18</a:t>
             </a:fld>
             <a:endParaRPr lang="ko-KR" altLang="en-US"/>
           </a:p>
@@ -2091,7 +2092,7 @@
           <a:p>
             <a:fld id="{0168CAD0-5ADE-4380-96FD-BA74CB642842}" type="datetimeFigureOut">
               <a:rPr lang="ko-KR" altLang="en-US" smtClean="0"/>
-              <a:t>2023-08-17</a:t>
+              <a:t>2023-08-18</a:t>
             </a:fld>
             <a:endParaRPr lang="ko-KR" altLang="en-US"/>
           </a:p>
@@ -2402,7 +2403,7 @@
           <a:p>
             <a:fld id="{0168CAD0-5ADE-4380-96FD-BA74CB642842}" type="datetimeFigureOut">
               <a:rPr lang="ko-KR" altLang="en-US" smtClean="0"/>
-              <a:t>2023-08-17</a:t>
+              <a:t>2023-08-18</a:t>
             </a:fld>
             <a:endParaRPr lang="ko-KR" altLang="en-US"/>
           </a:p>
@@ -2690,7 +2691,7 @@
           <a:p>
             <a:fld id="{0168CAD0-5ADE-4380-96FD-BA74CB642842}" type="datetimeFigureOut">
               <a:rPr lang="ko-KR" altLang="en-US" smtClean="0"/>
-              <a:t>2023-08-17</a:t>
+              <a:t>2023-08-18</a:t>
             </a:fld>
             <a:endParaRPr lang="ko-KR" altLang="en-US"/>
           </a:p>
@@ -2931,7 +2932,7 @@
           <a:p>
             <a:fld id="{0168CAD0-5ADE-4380-96FD-BA74CB642842}" type="datetimeFigureOut">
               <a:rPr lang="ko-KR" altLang="en-US" smtClean="0"/>
-              <a:t>2023-08-17</a:t>
+              <a:t>2023-08-18</a:t>
             </a:fld>
             <a:endParaRPr lang="ko-KR" altLang="en-US"/>
           </a:p>
@@ -4025,7 +4026,7 @@
           <p:nvPr>
             <p:extLst>
               <p:ext uri="{D42A27DB-BD31-4B8C-83A1-F6EECF244321}">
-                <p14:modId xmlns:p14="http://schemas.microsoft.com/office/powerpoint/2010/main" val="1329796143"/>
+                <p14:modId xmlns:p14="http://schemas.microsoft.com/office/powerpoint/2010/main" val="569154015"/>
               </p:ext>
             </p:extLst>
           </p:nvPr>
@@ -4176,7 +4177,12 @@
                     </a:p>
                   </a:txBody>
                   <a:tcPr>
-                    <a:noFill/>
+                    <a:solidFill>
+                      <a:schemeClr val="accent1">
+                        <a:lumMod val="20000"/>
+                        <a:lumOff val="80000"/>
+                      </a:schemeClr>
+                    </a:solidFill>
                   </a:tcPr>
                 </a:tc>
                 <a:tc>
@@ -4209,7 +4215,12 @@
                     </a:p>
                   </a:txBody>
                   <a:tcPr>
-                    <a:noFill/>
+                    <a:solidFill>
+                      <a:schemeClr val="accent1">
+                        <a:lumMod val="20000"/>
+                        <a:lumOff val="80000"/>
+                      </a:schemeClr>
+                    </a:solidFill>
                   </a:tcPr>
                 </a:tc>
                 <a:tc>
@@ -4250,7 +4261,12 @@
                     </a:p>
                   </a:txBody>
                   <a:tcPr>
-                    <a:noFill/>
+                    <a:solidFill>
+                      <a:schemeClr val="accent1">
+                        <a:lumMod val="20000"/>
+                        <a:lumOff val="80000"/>
+                      </a:schemeClr>
+                    </a:solidFill>
                   </a:tcPr>
                 </a:tc>
                 <a:extLst>
@@ -4916,6 +4932,42 @@
           </a:prstGeom>
         </p:spPr>
       </p:pic>
+      <p:cxnSp>
+        <p:nvCxnSpPr>
+          <p:cNvPr id="3" name="직선 연결선 2">
+            <a:extLst>
+              <a:ext uri="{FF2B5EF4-FFF2-40B4-BE49-F238E27FC236}">
+                <a16:creationId xmlns:a16="http://schemas.microsoft.com/office/drawing/2014/main" id="{A7A77D43-AB11-4E9F-B230-A7922DB7209B}"/>
+              </a:ext>
+            </a:extLst>
+          </p:cNvPr>
+          <p:cNvCxnSpPr/>
+          <p:nvPr/>
+        </p:nvCxnSpPr>
+        <p:spPr>
+          <a:xfrm>
+            <a:off x="7247823" y="0"/>
+            <a:ext cx="0" cy="6858000"/>
+          </a:xfrm>
+          <a:prstGeom prst="line">
+            <a:avLst/>
+          </a:prstGeom>
+        </p:spPr>
+        <p:style>
+          <a:lnRef idx="3">
+            <a:schemeClr val="accent2"/>
+          </a:lnRef>
+          <a:fillRef idx="0">
+            <a:schemeClr val="accent2"/>
+          </a:fillRef>
+          <a:effectRef idx="2">
+            <a:schemeClr val="accent2"/>
+          </a:effectRef>
+          <a:fontRef idx="minor">
+            <a:schemeClr val="tx1"/>
+          </a:fontRef>
+        </p:style>
+      </p:cxnSp>
     </p:spTree>
     <p:extLst>
       <p:ext uri="{BB962C8B-B14F-4D97-AF65-F5344CB8AC3E}">
@@ -7962,14 +8014,14 @@
           <p:nvPr>
             <p:extLst>
               <p:ext uri="{D42A27DB-BD31-4B8C-83A1-F6EECF244321}">
-                <p14:modId xmlns:p14="http://schemas.microsoft.com/office/powerpoint/2010/main" val="3817118960"/>
+                <p14:modId xmlns:p14="http://schemas.microsoft.com/office/powerpoint/2010/main" val="2205901554"/>
               </p:ext>
             </p:extLst>
           </p:nvPr>
         </p:nvGraphicFramePr>
         <p:xfrm>
           <a:off x="7351904" y="441226"/>
-          <a:ext cx="4545189" cy="5647771"/>
+          <a:ext cx="4545189" cy="5946501"/>
         </p:xfrm>
         <a:graphic>
           <a:graphicData uri="http://schemas.openxmlformats.org/drawingml/2006/table">
@@ -8176,7 +8228,7 @@
                         <a:defRPr/>
                       </a:pPr>
                       <a:r>
-                        <a:rPr lang="ko-KR" altLang="en-US" dirty="0"/>
+                        <a:rPr lang="ko-KR" altLang="en-US" sz="1200" dirty="0"/>
                         <a:t>submit_clust_xgb_feature.csv</a:t>
                       </a:r>
                     </a:p>
@@ -8213,7 +8265,7 @@
                         <a:defRPr/>
                       </a:pPr>
                       <a:r>
-                        <a:rPr lang="en-US" altLang="ko-KR" sz="1800" b="0" i="0" kern="1200" dirty="0">
+                        <a:rPr lang="en-US" altLang="ko-KR" sz="1200" b="0" i="0" kern="1200" dirty="0">
                           <a:solidFill>
                             <a:schemeClr val="tx1"/>
                           </a:solidFill>
@@ -8224,7 +8276,7 @@
                         </a:rPr>
                         <a:t>8.214</a:t>
                       </a:r>
-                      <a:endParaRPr lang="ko-KR" altLang="en-US" b="0" dirty="0"/>
+                      <a:endParaRPr lang="ko-KR" altLang="en-US" sz="1200" b="0" dirty="0"/>
                     </a:p>
                   </a:txBody>
                   <a:tcPr>
@@ -8337,10 +8389,10 @@
                     <a:lstStyle/>
                     <a:p>
                       <a:r>
-                        <a:rPr lang="en-US" altLang="ko-KR" b="0" dirty="0"/>
+                        <a:rPr lang="en-US" altLang="ko-KR" sz="1200" b="0" dirty="0"/>
                         <a:t>submit_clust_xgb_scale.csv</a:t>
                       </a:r>
-                      <a:endParaRPr lang="ko-KR" altLang="en-US" b="0" dirty="0"/>
+                      <a:endParaRPr lang="ko-KR" altLang="en-US" sz="1200" b="0" dirty="0"/>
                     </a:p>
                   </a:txBody>
                   <a:tcPr>
@@ -8353,7 +8405,7 @@
                     <a:lstStyle/>
                     <a:p>
                       <a:r>
-                        <a:rPr lang="en-US" altLang="ko-KR" sz="1800" b="0" i="0" kern="1200" dirty="0">
+                        <a:rPr lang="en-US" altLang="ko-KR" sz="1200" b="0" i="0" kern="1200" dirty="0">
                           <a:solidFill>
                             <a:schemeClr val="tx1"/>
                           </a:solidFill>
@@ -8364,7 +8416,7 @@
                         </a:rPr>
                         <a:t>9.433</a:t>
                       </a:r>
-                      <a:endParaRPr lang="ko-KR" altLang="en-US" b="0" dirty="0"/>
+                      <a:endParaRPr lang="ko-KR" altLang="en-US" sz="1200" b="0" dirty="0"/>
                     </a:p>
                   </a:txBody>
                   <a:tcPr>
@@ -8494,7 +8546,7 @@
                         <a:defRPr/>
                       </a:pPr>
                       <a:r>
-                        <a:rPr lang="en-US" altLang="ko-KR" sz="1800" b="0" kern="1200" dirty="0">
+                        <a:rPr lang="en-US" altLang="ko-KR" sz="1200" b="0" kern="1200" dirty="0">
                           <a:solidFill>
                             <a:schemeClr val="tx1"/>
                           </a:solidFill>
@@ -8517,7 +8569,7 @@
                     <a:lstStyle/>
                     <a:p>
                       <a:r>
-                        <a:rPr lang="en-US" altLang="ko-KR" sz="1800" b="0" i="0" kern="1200" dirty="0">
+                        <a:rPr lang="en-US" altLang="ko-KR" sz="1200" b="0" i="0" kern="1200" dirty="0">
                           <a:solidFill>
                             <a:schemeClr val="tx1"/>
                           </a:solidFill>
@@ -8528,7 +8580,7 @@
                         </a:rPr>
                         <a:t>54.209</a:t>
                       </a:r>
-                      <a:endParaRPr lang="ko-KR" altLang="en-US" b="0" dirty="0"/>
+                      <a:endParaRPr lang="ko-KR" altLang="en-US" sz="1200" b="0" dirty="0"/>
                     </a:p>
                   </a:txBody>
                   <a:tcPr>
@@ -8608,10 +8660,10 @@
                         <a:defRPr/>
                       </a:pPr>
                       <a:r>
-                        <a:rPr lang="en-US" altLang="ko-KR" dirty="0"/>
+                        <a:rPr lang="en-US" altLang="ko-KR" sz="1200" dirty="0"/>
                         <a:t>submit_clust_xgb_all_minmax.csv</a:t>
                       </a:r>
-                      <a:endParaRPr lang="ko-KR" altLang="en-US" dirty="0"/>
+                      <a:endParaRPr lang="ko-KR" altLang="en-US" sz="1200" dirty="0"/>
                     </a:p>
                   </a:txBody>
                   <a:tcPr/>
@@ -8639,10 +8691,10 @@
                         <a:defRPr/>
                       </a:pPr>
                       <a:r>
-                        <a:rPr lang="en-US" altLang="ko-KR" b="0" dirty="0"/>
+                        <a:rPr lang="en-US" altLang="ko-KR" sz="1200" b="0" dirty="0"/>
                         <a:t>9.300</a:t>
                       </a:r>
-                      <a:endParaRPr lang="ko-KR" altLang="en-US" b="0" dirty="0"/>
+                      <a:endParaRPr lang="ko-KR" altLang="en-US" sz="1200" b="0" dirty="0"/>
                     </a:p>
                   </a:txBody>
                   <a:tcPr/>
@@ -8682,11 +8734,39 @@
                       </a:r>
                       <a:r>
                         <a:rPr lang="en-US" altLang="ko-KR" sz="1200" dirty="0"/>
-                        <a:t>(et </a:t>
+                        <a:t>( </a:t>
+                      </a:r>
+                      <a:r>
+                        <a:rPr lang="ko-KR" altLang="en-US" sz="1200" dirty="0" err="1"/>
+                        <a:t>파이캐럿</a:t>
                       </a:r>
                       <a:r>
                         <a:rPr lang="ko-KR" altLang="en-US" sz="1200" dirty="0"/>
-                        <a:t>사용</a:t>
+                        <a:t> </a:t>
+                      </a:r>
+                      <a:r>
+                        <a:rPr lang="en-US" altLang="ko-KR" sz="1200" dirty="0"/>
+                        <a:t>best </a:t>
+                      </a:r>
+                      <a:r>
+                        <a:rPr lang="ko-KR" altLang="en-US" sz="1200" dirty="0"/>
+                        <a:t>모델 </a:t>
+                      </a:r>
+                      <a:r>
+                        <a:rPr lang="en-US" altLang="ko-KR" sz="1200" dirty="0"/>
+                        <a:t>-&gt; </a:t>
+                      </a:r>
+                      <a:r>
+                        <a:rPr lang="ko-KR" altLang="en-US" sz="1200" dirty="0"/>
+                        <a:t>모두 </a:t>
+                      </a:r>
+                      <a:r>
+                        <a:rPr lang="en-US" altLang="ko-KR" sz="1200" dirty="0"/>
+                        <a:t>et</a:t>
+                      </a:r>
+                      <a:r>
+                        <a:rPr lang="ko-KR" altLang="en-US" sz="1200" dirty="0"/>
+                        <a:t>로 나옴</a:t>
                       </a:r>
                       <a:r>
                         <a:rPr lang="en-US" altLang="ko-KR" sz="1200" dirty="0"/>
@@ -8702,8 +8782,126 @@
                     <a:bodyPr/>
                     <a:lstStyle/>
                     <a:p>
-                      <a:r>
-                        <a:rPr lang="fr-FR" altLang="ko-KR" sz="1800" b="0" kern="1200" dirty="0">
+                      <a:pPr marL="0" marR="0" lvl="0" indent="0" algn="l" defTabSz="914400" rtl="0" eaLnBrk="1" fontAlgn="auto" latinLnBrk="1" hangingPunct="1">
+                        <a:lnSpc>
+                          <a:spcPct val="100000"/>
+                        </a:lnSpc>
+                        <a:spcBef>
+                          <a:spcPts val="0"/>
+                        </a:spcBef>
+                        <a:spcAft>
+                          <a:spcPts val="0"/>
+                        </a:spcAft>
+                        <a:buClrTx/>
+                        <a:buSzTx/>
+                        <a:buFontTx/>
+                        <a:buNone/>
+                        <a:tabLst/>
+                        <a:defRPr/>
+                      </a:pPr>
+                      <a:r>
+                        <a:rPr lang="fr-FR" altLang="ko-KR" sz="1200" b="0" kern="1200" dirty="0">
+                          <a:solidFill>
+                            <a:schemeClr val="tx1"/>
+                          </a:solidFill>
+                          <a:effectLst/>
+                          <a:latin typeface="+mn-lt"/>
+                          <a:ea typeface="+mn-ea"/>
+                          <a:cs typeface="+mn-cs"/>
+                        </a:rPr>
+                        <a:t>submit_clust_et_model_fianl_best.csv</a:t>
+                      </a:r>
+                    </a:p>
+                  </a:txBody>
+                  <a:tcPr/>
+                </a:tc>
+                <a:tc>
+                  <a:txBody>
+                    <a:bodyPr/>
+                    <a:lstStyle/>
+                    <a:p>
+                      <a:r>
+                        <a:rPr lang="en-US" altLang="ko-KR" sz="1200" b="0" i="0" kern="1200" dirty="0">
+                          <a:solidFill>
+                            <a:schemeClr val="tx1"/>
+                          </a:solidFill>
+                          <a:effectLst/>
+                          <a:latin typeface="+mn-lt"/>
+                          <a:ea typeface="+mn-ea"/>
+                          <a:cs typeface="+mn-cs"/>
+                        </a:rPr>
+                        <a:t>6.192</a:t>
+                      </a:r>
+                      <a:endParaRPr lang="ko-KR" altLang="en-US" sz="1200" b="0" dirty="0"/>
+                    </a:p>
+                  </a:txBody>
+                  <a:tcPr/>
+                </a:tc>
+                <a:extLst>
+                  <a:ext uri="{0D108BD9-81ED-4DB2-BD59-A6C34878D82A}">
+                    <a16:rowId xmlns:a16="http://schemas.microsoft.com/office/drawing/2014/main" val="3049758920"/>
+                  </a:ext>
+                </a:extLst>
+              </a:tr>
+              <a:tr h="606565">
+                <a:tc>
+                  <a:txBody>
+                    <a:bodyPr/>
+                    <a:lstStyle/>
+                    <a:p>
+                      <a:pPr marL="0" marR="0" lvl="0" indent="0" algn="l" defTabSz="914400" rtl="0" eaLnBrk="1" fontAlgn="auto" latinLnBrk="1" hangingPunct="1">
+                        <a:lnSpc>
+                          <a:spcPct val="100000"/>
+                        </a:lnSpc>
+                        <a:spcBef>
+                          <a:spcPts val="0"/>
+                        </a:spcBef>
+                        <a:spcAft>
+                          <a:spcPts val="0"/>
+                        </a:spcAft>
+                        <a:buClrTx/>
+                        <a:buSzTx/>
+                        <a:buFontTx/>
+                        <a:buNone/>
+                        <a:tabLst/>
+                        <a:defRPr/>
+                      </a:pPr>
+                      <a:r>
+                        <a:rPr lang="ko-KR" altLang="en-US" sz="1200" dirty="0"/>
+                        <a:t>모델만 변경 </a:t>
+                      </a:r>
+                      <a:r>
+                        <a:rPr lang="en-US" altLang="ko-KR" sz="1200" dirty="0"/>
+                        <a:t>(et –</a:t>
+                      </a:r>
+                      <a:r>
+                        <a:rPr lang="ko-KR" altLang="en-US" sz="1200" dirty="0"/>
+                        <a:t> </a:t>
+                      </a:r>
+                      <a:r>
+                        <a:rPr lang="ko-KR" altLang="en-US" sz="1200" dirty="0" err="1"/>
+                        <a:t>파이캐럿</a:t>
+                      </a:r>
+                      <a:r>
+                        <a:rPr lang="ko-KR" altLang="en-US" sz="1200" dirty="0"/>
+                        <a:t> 사용</a:t>
+                      </a:r>
+                      <a:r>
+                        <a:rPr lang="en-US" altLang="ko-KR" sz="1200" dirty="0"/>
+                        <a:t>)</a:t>
+                      </a:r>
+                      <a:endParaRPr lang="ko-KR" altLang="en-US" sz="1200" dirty="0"/>
+                    </a:p>
+                  </a:txBody>
+                  <a:tcPr/>
+                </a:tc>
+                <a:tc>
+                  <a:txBody>
+                    <a:bodyPr/>
+                    <a:lstStyle/>
+                    <a:p>
+                      <a:r>
+                        <a:rPr lang="fr-FR" altLang="ko-KR" sz="1200" b="0" kern="1200" dirty="0">
                           <a:solidFill>
                             <a:schemeClr val="tx1"/>
                           </a:solidFill>
@@ -8724,7 +8922,7 @@
                     <a:lstStyle/>
                     <a:p>
                       <a:r>
-                        <a:rPr lang="en-US" altLang="ko-KR" sz="1800" b="0" i="0" kern="1200" dirty="0">
+                        <a:rPr lang="en-US" altLang="ko-KR" sz="1200" b="0" i="0" kern="1200" dirty="0">
                           <a:solidFill>
                             <a:schemeClr val="tx1"/>
                           </a:solidFill>
@@ -8735,14 +8933,14 @@
                         </a:rPr>
                         <a:t>6.135</a:t>
                       </a:r>
-                      <a:endParaRPr lang="ko-KR" altLang="en-US" b="0" dirty="0"/>
+                      <a:endParaRPr lang="ko-KR" altLang="en-US" sz="1200" b="0" dirty="0"/>
                     </a:p>
                   </a:txBody>
                   <a:tcPr/>
                 </a:tc>
                 <a:extLst>
                   <a:ext uri="{0D108BD9-81ED-4DB2-BD59-A6C34878D82A}">
-                    <a16:rowId xmlns:a16="http://schemas.microsoft.com/office/drawing/2014/main" val="151129042"/>
+                    <a16:rowId xmlns:a16="http://schemas.microsoft.com/office/drawing/2014/main" val="379668471"/>
                   </a:ext>
                 </a:extLst>
               </a:tr>
@@ -8769,6 +8967,34 @@
                         <a:tabLst/>
                         <a:defRPr/>
                       </a:pPr>
+                      <a:r>
+                        <a:rPr lang="ko-KR" altLang="en-US" sz="1200" dirty="0"/>
+                        <a:t>모델만 변경 </a:t>
+                      </a:r>
+                      <a:r>
+                        <a:rPr lang="en-US" altLang="ko-KR" sz="1200" dirty="0"/>
+                        <a:t>(</a:t>
+                      </a:r>
+                      <a:r>
+                        <a:rPr lang="en-US" altLang="ko-KR" sz="1200" dirty="0" err="1"/>
+                        <a:t>xgb</a:t>
+                      </a:r>
+                      <a:r>
+                        <a:rPr lang="en-US" altLang="ko-KR" sz="1200" dirty="0"/>
+                        <a:t> –</a:t>
+                      </a:r>
+                      <a:r>
+                        <a:rPr lang="ko-KR" altLang="en-US" sz="1200" dirty="0" err="1"/>
+                        <a:t>파이캐럿</a:t>
+                      </a:r>
+                      <a:r>
+                        <a:rPr lang="ko-KR" altLang="en-US" sz="1200" dirty="0"/>
+                        <a:t> 사용</a:t>
+                      </a:r>
+                      <a:r>
+                        <a:rPr lang="en-US" altLang="ko-KR" sz="1200" dirty="0"/>
+                        <a:t>)</a:t>
+                      </a:r>
                       <a:endParaRPr lang="ko-KR" altLang="en-US" sz="1200" dirty="0"/>
                     </a:p>
                   </a:txBody>
@@ -8796,15 +9022,18 @@
                         <a:tabLst/>
                         <a:defRPr/>
                       </a:pPr>
-                      <a:endParaRPr lang="fr-FR" altLang="ko-KR" sz="1800" b="0" kern="1200" dirty="0">
-                        <a:solidFill>
-                          <a:schemeClr val="tx1"/>
-                        </a:solidFill>
-                        <a:effectLst/>
-                        <a:latin typeface="+mn-lt"/>
-                        <a:ea typeface="+mn-ea"/>
-                        <a:cs typeface="+mn-cs"/>
-                      </a:endParaRPr>
+                      <a:r>
+                        <a:rPr lang="fr-FR" altLang="ko-KR" sz="1200" b="0" kern="1200" dirty="0">
+                          <a:solidFill>
+                            <a:schemeClr val="tx1"/>
+                          </a:solidFill>
+                          <a:effectLst/>
+                          <a:latin typeface="+mn-lt"/>
+                          <a:ea typeface="+mn-ea"/>
+                          <a:cs typeface="+mn-cs"/>
+                        </a:rPr>
+                        <a:t>submit_clust_et_model_fianl_xgb.csv</a:t>
+                      </a:r>
                     </a:p>
                   </a:txBody>
                   <a:tcPr/>
@@ -8814,14 +9043,18 @@
                     <a:bodyPr/>
                     <a:lstStyle/>
                     <a:p>
-                      <a:endParaRPr lang="ko-KR" altLang="en-US" b="0" dirty="0"/>
+                      <a:r>
+                        <a:rPr lang="en-US" altLang="ko-KR" sz="1200" b="0" dirty="0"/>
+                        <a:t>8.161</a:t>
+                      </a:r>
+                      <a:endParaRPr lang="ko-KR" altLang="en-US" sz="1200" b="0" dirty="0"/>
                     </a:p>
                   </a:txBody>
                   <a:tcPr/>
                 </a:tc>
                 <a:extLst>
                   <a:ext uri="{0D108BD9-81ED-4DB2-BD59-A6C34878D82A}">
-                    <a16:rowId xmlns:a16="http://schemas.microsoft.com/office/drawing/2014/main" val="379668471"/>
+                    <a16:rowId xmlns:a16="http://schemas.microsoft.com/office/drawing/2014/main" val="2426582760"/>
                   </a:ext>
                 </a:extLst>
               </a:tr>
@@ -8848,6 +9081,26 @@
                         <a:tabLst/>
                         <a:defRPr/>
                       </a:pPr>
+                      <a:r>
+                        <a:rPr lang="ko-KR" altLang="en-US" sz="1200" dirty="0"/>
+                        <a:t>모델만 변경 </a:t>
+                      </a:r>
+                      <a:r>
+                        <a:rPr lang="en-US" altLang="ko-KR" sz="1200" dirty="0"/>
+                        <a:t>(rf - </a:t>
+                      </a:r>
+                      <a:r>
+                        <a:rPr lang="ko-KR" altLang="en-US" sz="1200" dirty="0" err="1"/>
+                        <a:t>파이캐럿</a:t>
+                      </a:r>
+                      <a:r>
+                        <a:rPr lang="ko-KR" altLang="en-US" sz="1200" dirty="0"/>
+                        <a:t> 사용</a:t>
+                      </a:r>
+                      <a:r>
+                        <a:rPr lang="en-US" altLang="ko-KR" sz="1200" dirty="0"/>
+                        <a:t>)</a:t>
+                      </a:r>
                       <a:endParaRPr lang="ko-KR" altLang="en-US" sz="1200" dirty="0"/>
                     </a:p>
                   </a:txBody>
@@ -8875,15 +9128,42 @@
                         <a:tabLst/>
                         <a:defRPr/>
                       </a:pPr>
-                      <a:endParaRPr lang="en-US" altLang="ko-KR" sz="1800" b="0" kern="1200" dirty="0">
-                        <a:solidFill>
-                          <a:schemeClr val="tx1"/>
-                        </a:solidFill>
-                        <a:effectLst/>
-                        <a:latin typeface="+mn-lt"/>
-                        <a:ea typeface="+mn-ea"/>
-                        <a:cs typeface="+mn-cs"/>
-                      </a:endParaRPr>
+                      <a:r>
+                        <a:rPr lang="fr-FR" altLang="ko-KR" sz="1200" b="0" kern="1200" dirty="0">
+                          <a:solidFill>
+                            <a:schemeClr val="tx1"/>
+                          </a:solidFill>
+                          <a:effectLst/>
+                          <a:latin typeface="+mn-lt"/>
+                          <a:ea typeface="+mn-ea"/>
+                          <a:cs typeface="+mn-cs"/>
+                        </a:rPr>
+                        <a:t>submit_clust_et_model_fianl_</a:t>
+                      </a:r>
+                      <a:r>
+                        <a:rPr lang="en-US" altLang="ko-KR" sz="1200" b="0" kern="1200" dirty="0">
+                          <a:solidFill>
+                            <a:schemeClr val="tx1"/>
+                          </a:solidFill>
+                          <a:effectLst/>
+                          <a:latin typeface="+mn-lt"/>
+                          <a:ea typeface="+mn-ea"/>
+                          <a:cs typeface="+mn-cs"/>
+                        </a:rPr>
+                        <a:t>rf</a:t>
+                      </a:r>
+                      <a:r>
+                        <a:rPr lang="fr-FR" altLang="ko-KR" sz="1200" b="0" kern="1200" dirty="0">
+                          <a:solidFill>
+                            <a:schemeClr val="tx1"/>
+                          </a:solidFill>
+                          <a:effectLst/>
+                          <a:latin typeface="+mn-lt"/>
+                          <a:ea typeface="+mn-ea"/>
+                          <a:cs typeface="+mn-cs"/>
+                        </a:rPr>
+                        <a:t>.csv</a:t>
+                      </a:r>
                     </a:p>
                   </a:txBody>
                   <a:tcPr/>
@@ -8893,14 +9173,18 @@
                     <a:bodyPr/>
                     <a:lstStyle/>
                     <a:p>
-                      <a:endParaRPr lang="ko-KR" altLang="en-US" b="0" dirty="0"/>
+                      <a:r>
+                        <a:rPr lang="en-US" altLang="ko-KR" sz="1200" b="0" dirty="0"/>
+                        <a:t>6.460</a:t>
+                      </a:r>
+                      <a:endParaRPr lang="ko-KR" altLang="en-US" sz="1200" b="0" dirty="0"/>
                     </a:p>
                   </a:txBody>
                   <a:tcPr/>
                 </a:tc>
                 <a:extLst>
                   <a:ext uri="{0D108BD9-81ED-4DB2-BD59-A6C34878D82A}">
-                    <a16:rowId xmlns:a16="http://schemas.microsoft.com/office/drawing/2014/main" val="2426582760"/>
+                    <a16:rowId xmlns:a16="http://schemas.microsoft.com/office/drawing/2014/main" val="2254365311"/>
                   </a:ext>
                 </a:extLst>
               </a:tr>
@@ -8973,6 +9257,1016 @@
 </file>
 
 <file path=ppt/slides/slide13.xml><?xml version="1.0" encoding="utf-8"?>
+<p:sld xmlns:a="http://schemas.openxmlformats.org/drawingml/2006/main" xmlns:r="http://schemas.openxmlformats.org/officeDocument/2006/relationships" xmlns:p="http://schemas.openxmlformats.org/presentationml/2006/main">
+  <p:cSld>
+    <p:spTree>
+      <p:nvGrpSpPr>
+        <p:cNvPr id="1" name=""/>
+        <p:cNvGrpSpPr/>
+        <p:nvPr/>
+      </p:nvGrpSpPr>
+      <p:grpSpPr>
+        <a:xfrm>
+          <a:off x="0" y="0"/>
+          <a:ext cx="0" cy="0"/>
+          <a:chOff x="0" y="0"/>
+          <a:chExt cx="0" cy="0"/>
+        </a:xfrm>
+      </p:grpSpPr>
+      <p:pic>
+        <p:nvPicPr>
+          <p:cNvPr id="3" name="그림 2">
+            <a:extLst>
+              <a:ext uri="{FF2B5EF4-FFF2-40B4-BE49-F238E27FC236}">
+                <a16:creationId xmlns:a16="http://schemas.microsoft.com/office/drawing/2014/main" id="{55AE952B-33B6-41B5-A039-65DD2C5C78CC}"/>
+              </a:ext>
+            </a:extLst>
+          </p:cNvPr>
+          <p:cNvPicPr>
+            <a:picLocks noChangeAspect="1"/>
+          </p:cNvPicPr>
+          <p:nvPr/>
+        </p:nvPicPr>
+        <p:blipFill>
+          <a:blip r:embed="rId2"/>
+          <a:stretch>
+            <a:fillRect/>
+          </a:stretch>
+        </p:blipFill>
+        <p:spPr>
+          <a:xfrm>
+            <a:off x="1435103" y="259776"/>
+            <a:ext cx="4556450" cy="1937323"/>
+          </a:xfrm>
+          <a:prstGeom prst="rect">
+            <a:avLst/>
+          </a:prstGeom>
+          <a:ln>
+            <a:solidFill>
+              <a:schemeClr val="tx1"/>
+            </a:solidFill>
+          </a:ln>
+        </p:spPr>
+      </p:pic>
+      <p:sp>
+        <p:nvSpPr>
+          <p:cNvPr id="14" name="타원 13">
+            <a:extLst>
+              <a:ext uri="{FF2B5EF4-FFF2-40B4-BE49-F238E27FC236}">
+                <a16:creationId xmlns:a16="http://schemas.microsoft.com/office/drawing/2014/main" id="{D79D2296-2FB8-495A-97E1-BBCBE9526CAF}"/>
+              </a:ext>
+            </a:extLst>
+          </p:cNvPr>
+          <p:cNvSpPr/>
+          <p:nvPr/>
+        </p:nvSpPr>
+        <p:spPr>
+          <a:xfrm>
+            <a:off x="385011" y="356759"/>
+            <a:ext cx="606392" cy="605767"/>
+          </a:xfrm>
+          <a:prstGeom prst="ellipse">
+            <a:avLst/>
+          </a:prstGeom>
+          <a:solidFill>
+            <a:schemeClr val="accent4"/>
+          </a:solidFill>
+          <a:ln>
+            <a:solidFill>
+              <a:schemeClr val="accent2"/>
+            </a:solidFill>
+          </a:ln>
+        </p:spPr>
+        <p:style>
+          <a:lnRef idx="2">
+            <a:schemeClr val="accent1">
+              <a:shade val="50000"/>
+            </a:schemeClr>
+          </a:lnRef>
+          <a:fillRef idx="1">
+            <a:schemeClr val="accent1"/>
+          </a:fillRef>
+          <a:effectRef idx="0">
+            <a:schemeClr val="accent1"/>
+          </a:effectRef>
+          <a:fontRef idx="minor">
+            <a:schemeClr val="lt1"/>
+          </a:fontRef>
+        </p:style>
+        <p:txBody>
+          <a:bodyPr rtlCol="0" anchor="ctr"/>
+          <a:lstStyle/>
+          <a:p>
+            <a:pPr algn="ctr"/>
+            <a:r>
+              <a:rPr lang="en-US" altLang="ko-KR" dirty="0"/>
+              <a:t>3</a:t>
+            </a:r>
+            <a:endParaRPr lang="ko-KR" altLang="en-US" dirty="0"/>
+          </a:p>
+        </p:txBody>
+      </p:sp>
+      <p:graphicFrame>
+        <p:nvGraphicFramePr>
+          <p:cNvPr id="19" name="표 18">
+            <a:extLst>
+              <a:ext uri="{FF2B5EF4-FFF2-40B4-BE49-F238E27FC236}">
+                <a16:creationId xmlns:a16="http://schemas.microsoft.com/office/drawing/2014/main" id="{6A7CDAE4-F89A-4ED9-A568-9C8CFF0C290A}"/>
+              </a:ext>
+            </a:extLst>
+          </p:cNvPr>
+          <p:cNvGraphicFramePr>
+            <a:graphicFrameLocks noGrp="1"/>
+          </p:cNvGraphicFramePr>
+          <p:nvPr>
+            <p:extLst>
+              <p:ext uri="{D42A27DB-BD31-4B8C-83A1-F6EECF244321}">
+                <p14:modId xmlns:p14="http://schemas.microsoft.com/office/powerpoint/2010/main" val="1817963411"/>
+              </p:ext>
+            </p:extLst>
+          </p:nvPr>
+        </p:nvGraphicFramePr>
+        <p:xfrm>
+          <a:off x="6697386" y="455749"/>
+          <a:ext cx="4545189" cy="5696591"/>
+        </p:xfrm>
+        <a:graphic>
+          <a:graphicData uri="http://schemas.openxmlformats.org/drawingml/2006/table">
+            <a:tbl>
+              <a:tblPr firstRow="1" bandRow="1">
+                <a:tableStyleId>{5940675A-B579-460E-94D1-54222C63F5DA}</a:tableStyleId>
+              </a:tblPr>
+              <a:tblGrid>
+                <a:gridCol w="1591974">
+                  <a:extLst>
+                    <a:ext uri="{9D8B030D-6E8A-4147-A177-3AD203B41FA5}">
+                      <a16:colId xmlns:a16="http://schemas.microsoft.com/office/drawing/2014/main" val="1413976546"/>
+                    </a:ext>
+                  </a:extLst>
+                </a:gridCol>
+                <a:gridCol w="1901512">
+                  <a:extLst>
+                    <a:ext uri="{9D8B030D-6E8A-4147-A177-3AD203B41FA5}">
+                      <a16:colId xmlns:a16="http://schemas.microsoft.com/office/drawing/2014/main" val="192059268"/>
+                    </a:ext>
+                  </a:extLst>
+                </a:gridCol>
+                <a:gridCol w="1051703">
+                  <a:extLst>
+                    <a:ext uri="{9D8B030D-6E8A-4147-A177-3AD203B41FA5}">
+                      <a16:colId xmlns:a16="http://schemas.microsoft.com/office/drawing/2014/main" val="2236916480"/>
+                    </a:ext>
+                  </a:extLst>
+                </a:gridCol>
+              </a:tblGrid>
+              <a:tr h="411281">
+                <a:tc>
+                  <a:txBody>
+                    <a:bodyPr/>
+                    <a:lstStyle/>
+                    <a:p>
+                      <a:pPr latinLnBrk="1"/>
+                      <a:endParaRPr lang="ko-KR" altLang="en-US" dirty="0"/>
+                    </a:p>
+                  </a:txBody>
+                  <a:tcPr/>
+                </a:tc>
+                <a:tc>
+                  <a:txBody>
+                    <a:bodyPr/>
+                    <a:lstStyle/>
+                    <a:p>
+                      <a:pPr latinLnBrk="1"/>
+                      <a:r>
+                        <a:rPr lang="ko-KR" altLang="en-US" dirty="0"/>
+                        <a:t>파일명</a:t>
+                      </a:r>
+                    </a:p>
+                  </a:txBody>
+                  <a:tcPr/>
+                </a:tc>
+                <a:tc>
+                  <a:txBody>
+                    <a:bodyPr/>
+                    <a:lstStyle/>
+                    <a:p>
+                      <a:pPr latinLnBrk="1"/>
+                      <a:r>
+                        <a:rPr lang="en-US" altLang="ko-KR" dirty="0"/>
+                        <a:t>SMAPE</a:t>
+                      </a:r>
+                      <a:endParaRPr lang="ko-KR" altLang="en-US" dirty="0"/>
+                    </a:p>
+                  </a:txBody>
+                  <a:tcPr/>
+                </a:tc>
+                <a:extLst>
+                  <a:ext uri="{0D108BD9-81ED-4DB2-BD59-A6C34878D82A}">
+                    <a16:rowId xmlns:a16="http://schemas.microsoft.com/office/drawing/2014/main" val="3429086994"/>
+                  </a:ext>
+                </a:extLst>
+              </a:tr>
+              <a:tr h="606565">
+                <a:tc>
+                  <a:txBody>
+                    <a:bodyPr/>
+                    <a:lstStyle/>
+                    <a:p>
+                      <a:pPr marL="0" marR="0" lvl="0" indent="0" algn="l" defTabSz="914400" rtl="0" eaLnBrk="1" fontAlgn="auto" latinLnBrk="1" hangingPunct="1">
+                        <a:lnSpc>
+                          <a:spcPct val="100000"/>
+                        </a:lnSpc>
+                        <a:spcBef>
+                          <a:spcPts val="0"/>
+                        </a:spcBef>
+                        <a:spcAft>
+                          <a:spcPts val="0"/>
+                        </a:spcAft>
+                        <a:buClrTx/>
+                        <a:buSzTx/>
+                        <a:buFontTx/>
+                        <a:buNone/>
+                        <a:tabLst/>
+                        <a:defRPr/>
+                      </a:pPr>
+                      <a:r>
+                        <a:rPr lang="ko-KR" altLang="en-US" sz="1200" dirty="0"/>
+                        <a:t>모델만 변경 </a:t>
+                      </a:r>
+                      <a:r>
+                        <a:rPr lang="en-US" altLang="ko-KR" sz="1200" dirty="0"/>
+                        <a:t>(et –</a:t>
+                      </a:r>
+                      <a:r>
+                        <a:rPr lang="ko-KR" altLang="en-US" sz="1200" dirty="0"/>
+                        <a:t> </a:t>
+                      </a:r>
+                      <a:r>
+                        <a:rPr lang="ko-KR" altLang="en-US" sz="1200" dirty="0" err="1"/>
+                        <a:t>파이캐럿</a:t>
+                      </a:r>
+                      <a:r>
+                        <a:rPr lang="ko-KR" altLang="en-US" sz="1200" dirty="0"/>
+                        <a:t> 사용</a:t>
+                      </a:r>
+                      <a:r>
+                        <a:rPr lang="en-US" altLang="ko-KR" sz="1200" dirty="0"/>
+                        <a:t>)</a:t>
+                      </a:r>
+                      <a:endParaRPr lang="ko-KR" altLang="en-US" sz="1200" dirty="0"/>
+                    </a:p>
+                  </a:txBody>
+                  <a:tcPr>
+                    <a:solidFill>
+                      <a:schemeClr val="accent1">
+                        <a:lumMod val="20000"/>
+                        <a:lumOff val="80000"/>
+                      </a:schemeClr>
+                    </a:solidFill>
+                  </a:tcPr>
+                </a:tc>
+                <a:tc>
+                  <a:txBody>
+                    <a:bodyPr/>
+                    <a:lstStyle/>
+                    <a:p>
+                      <a:r>
+                        <a:rPr lang="fr-FR" altLang="ko-KR" sz="1200" b="0" kern="1200" dirty="0">
+                          <a:solidFill>
+                            <a:schemeClr val="tx1"/>
+                          </a:solidFill>
+                          <a:effectLst/>
+                          <a:latin typeface="+mn-lt"/>
+                          <a:ea typeface="+mn-ea"/>
+                          <a:cs typeface="+mn-cs"/>
+                        </a:rPr>
+                        <a:t>submit_clust_et_model_fianl.csv</a:t>
+                      </a:r>
+                    </a:p>
+                  </a:txBody>
+                  <a:tcPr>
+                    <a:solidFill>
+                      <a:schemeClr val="accent1">
+                        <a:lumMod val="20000"/>
+                        <a:lumOff val="80000"/>
+                      </a:schemeClr>
+                    </a:solidFill>
+                  </a:tcPr>
+                </a:tc>
+                <a:tc>
+                  <a:txBody>
+                    <a:bodyPr/>
+                    <a:lstStyle/>
+                    <a:p>
+                      <a:r>
+                        <a:rPr lang="en-US" altLang="ko-KR" sz="1200" b="0" i="0" kern="1200" dirty="0">
+                          <a:solidFill>
+                            <a:schemeClr val="tx1"/>
+                          </a:solidFill>
+                          <a:effectLst/>
+                          <a:latin typeface="+mn-lt"/>
+                          <a:ea typeface="+mn-ea"/>
+                          <a:cs typeface="+mn-cs"/>
+                        </a:rPr>
+                        <a:t>6.135</a:t>
+                      </a:r>
+                      <a:endParaRPr lang="ko-KR" altLang="en-US" sz="1200" b="0" dirty="0"/>
+                    </a:p>
+                  </a:txBody>
+                  <a:tcPr>
+                    <a:solidFill>
+                      <a:schemeClr val="accent1">
+                        <a:lumMod val="20000"/>
+                        <a:lumOff val="80000"/>
+                      </a:schemeClr>
+                    </a:solidFill>
+                  </a:tcPr>
+                </a:tc>
+                <a:extLst>
+                  <a:ext uri="{0D108BD9-81ED-4DB2-BD59-A6C34878D82A}">
+                    <a16:rowId xmlns:a16="http://schemas.microsoft.com/office/drawing/2014/main" val="275859928"/>
+                  </a:ext>
+                </a:extLst>
+              </a:tr>
+              <a:tr h="606565">
+                <a:tc>
+                  <a:txBody>
+                    <a:bodyPr/>
+                    <a:lstStyle/>
+                    <a:p>
+                      <a:pPr marL="0" marR="0" lvl="0" indent="0" algn="l" defTabSz="914400" rtl="0" eaLnBrk="1" fontAlgn="auto" latinLnBrk="1" hangingPunct="1">
+                        <a:lnSpc>
+                          <a:spcPct val="100000"/>
+                        </a:lnSpc>
+                        <a:spcBef>
+                          <a:spcPts val="0"/>
+                        </a:spcBef>
+                        <a:spcAft>
+                          <a:spcPts val="0"/>
+                        </a:spcAft>
+                        <a:buClrTx/>
+                        <a:buSzTx/>
+                        <a:buFontTx/>
+                        <a:buNone/>
+                        <a:tabLst/>
+                        <a:defRPr/>
+                      </a:pPr>
+                      <a:r>
+                        <a:rPr lang="ko-KR" altLang="en-US" sz="1200" dirty="0" err="1"/>
+                        <a:t>변수바꿈</a:t>
+                      </a:r>
+                      <a:endParaRPr lang="en-US" altLang="ko-KR" sz="1200" dirty="0"/>
+                    </a:p>
+                    <a:p>
+                      <a:pPr marL="0" marR="0" lvl="0" indent="0" algn="l" defTabSz="914400" rtl="0" eaLnBrk="1" fontAlgn="auto" latinLnBrk="1" hangingPunct="1">
+                        <a:lnSpc>
+                          <a:spcPct val="100000"/>
+                        </a:lnSpc>
+                        <a:spcBef>
+                          <a:spcPts val="0"/>
+                        </a:spcBef>
+                        <a:spcAft>
+                          <a:spcPts val="0"/>
+                        </a:spcAft>
+                        <a:buClrTx/>
+                        <a:buSzTx/>
+                        <a:buFontTx/>
+                        <a:buNone/>
+                        <a:tabLst/>
+                        <a:defRPr/>
+                      </a:pPr>
+                      <a:r>
+                        <a:rPr lang="ko-KR" altLang="en-US" sz="1200" dirty="0" err="1"/>
+                        <a:t>파이캐럿</a:t>
+                      </a:r>
+                      <a:r>
+                        <a:rPr lang="ko-KR" altLang="en-US" sz="1200" dirty="0"/>
+                        <a:t> 변수중요도 참고해 </a:t>
+                      </a:r>
+                      <a:r>
+                        <a:rPr lang="en-US" altLang="ko-KR" sz="1200" dirty="0"/>
+                        <a:t>0</a:t>
+                      </a:r>
+                      <a:r>
+                        <a:rPr lang="ko-KR" altLang="en-US" sz="1200" dirty="0"/>
+                        <a:t>만 제거</a:t>
+                      </a:r>
+                    </a:p>
+                  </a:txBody>
+                  <a:tcPr>
+                    <a:noFill/>
+                  </a:tcPr>
+                </a:tc>
+                <a:tc>
+                  <a:txBody>
+                    <a:bodyPr/>
+                    <a:lstStyle/>
+                    <a:p>
+                      <a:r>
+                        <a:rPr lang="en-US" altLang="ko-KR" sz="1200" b="0" dirty="0"/>
+                        <a:t>submit_et2.csv</a:t>
+                      </a:r>
+                      <a:endParaRPr lang="ko-KR" altLang="en-US" sz="1200" b="0" dirty="0"/>
+                    </a:p>
+                  </a:txBody>
+                  <a:tcPr>
+                    <a:noFill/>
+                  </a:tcPr>
+                </a:tc>
+                <a:tc>
+                  <a:txBody>
+                    <a:bodyPr/>
+                    <a:lstStyle/>
+                    <a:p>
+                      <a:r>
+                        <a:rPr lang="en-US" altLang="ko-KR" sz="1200" b="0" dirty="0"/>
+                        <a:t>6.202</a:t>
+                      </a:r>
+                      <a:endParaRPr lang="ko-KR" altLang="en-US" sz="1200" b="0" dirty="0"/>
+                    </a:p>
+                  </a:txBody>
+                  <a:tcPr>
+                    <a:noFill/>
+                  </a:tcPr>
+                </a:tc>
+                <a:extLst>
+                  <a:ext uri="{0D108BD9-81ED-4DB2-BD59-A6C34878D82A}">
+                    <a16:rowId xmlns:a16="http://schemas.microsoft.com/office/drawing/2014/main" val="3032278111"/>
+                  </a:ext>
+                </a:extLst>
+              </a:tr>
+              <a:tr h="606565">
+                <a:tc>
+                  <a:txBody>
+                    <a:bodyPr/>
+                    <a:lstStyle/>
+                    <a:p>
+                      <a:pPr marL="0" marR="0" lvl="0" indent="0" algn="l" defTabSz="914400" rtl="0" eaLnBrk="1" fontAlgn="auto" latinLnBrk="1" hangingPunct="1">
+                        <a:lnSpc>
+                          <a:spcPct val="100000"/>
+                        </a:lnSpc>
+                        <a:spcBef>
+                          <a:spcPts val="0"/>
+                        </a:spcBef>
+                        <a:spcAft>
+                          <a:spcPts val="0"/>
+                        </a:spcAft>
+                        <a:buClrTx/>
+                        <a:buSzTx/>
+                        <a:buFontTx/>
+                        <a:buNone/>
+                        <a:tabLst/>
+                        <a:defRPr/>
+                      </a:pPr>
+                      <a:r>
+                        <a:rPr lang="ko-KR" altLang="en-US" sz="1200" dirty="0" err="1"/>
+                        <a:t>변수바꿈</a:t>
+                      </a:r>
+                      <a:endParaRPr lang="en-US" altLang="ko-KR" sz="1200" dirty="0"/>
+                    </a:p>
+                    <a:p>
+                      <a:pPr marL="0" marR="0" lvl="0" indent="0" algn="l" defTabSz="914400" rtl="0" eaLnBrk="1" fontAlgn="auto" latinLnBrk="1" hangingPunct="1">
+                        <a:lnSpc>
+                          <a:spcPct val="100000"/>
+                        </a:lnSpc>
+                        <a:spcBef>
+                          <a:spcPts val="0"/>
+                        </a:spcBef>
+                        <a:spcAft>
+                          <a:spcPts val="0"/>
+                        </a:spcAft>
+                        <a:buClrTx/>
+                        <a:buSzTx/>
+                        <a:buFontTx/>
+                        <a:buNone/>
+                        <a:tabLst/>
+                        <a:defRPr/>
+                      </a:pPr>
+                      <a:r>
+                        <a:rPr lang="ko-KR" altLang="en-US" sz="1200" dirty="0" err="1"/>
+                        <a:t>파이캐럿</a:t>
+                      </a:r>
+                      <a:r>
+                        <a:rPr lang="ko-KR" altLang="en-US" sz="1200" dirty="0"/>
+                        <a:t> 변수중요도 참고해 </a:t>
+                      </a:r>
+                      <a:r>
+                        <a:rPr lang="en-US" altLang="ko-KR" sz="1200" dirty="0"/>
+                        <a:t>0</a:t>
+                      </a:r>
+                      <a:r>
+                        <a:rPr lang="ko-KR" altLang="en-US" sz="1200" dirty="0"/>
+                        <a:t>만 제거</a:t>
+                      </a:r>
+                    </a:p>
+                    <a:p>
+                      <a:pPr marL="0" marR="0" lvl="0" indent="0" algn="l" defTabSz="914400" rtl="0" eaLnBrk="1" fontAlgn="auto" latinLnBrk="1" hangingPunct="1">
+                        <a:lnSpc>
+                          <a:spcPct val="100000"/>
+                        </a:lnSpc>
+                        <a:spcBef>
+                          <a:spcPts val="0"/>
+                        </a:spcBef>
+                        <a:spcAft>
+                          <a:spcPts val="0"/>
+                        </a:spcAft>
+                        <a:buClrTx/>
+                        <a:buSzTx/>
+                        <a:buFontTx/>
+                        <a:buNone/>
+                        <a:tabLst/>
+                        <a:defRPr/>
+                      </a:pPr>
+                      <a:r>
+                        <a:rPr lang="en-US" altLang="ko-KR" sz="1200" dirty="0"/>
+                        <a:t>+ </a:t>
+                      </a:r>
+                      <a:r>
+                        <a:rPr lang="ko-KR" altLang="en-US" sz="1200" dirty="0"/>
+                        <a:t>하위권 제거</a:t>
+                      </a:r>
+                      <a:r>
+                        <a:rPr lang="en-US" altLang="ko-KR" sz="1200" dirty="0"/>
+                        <a:t>/</a:t>
+                      </a:r>
+                      <a:r>
+                        <a:rPr lang="ko-KR" altLang="en-US" sz="1200" dirty="0" err="1"/>
+                        <a:t>건물라벨제거</a:t>
+                      </a:r>
+                      <a:endParaRPr lang="ko-KR" altLang="en-US" sz="1200" dirty="0"/>
+                    </a:p>
+                  </a:txBody>
+                  <a:tcPr>
+                    <a:noFill/>
+                  </a:tcPr>
+                </a:tc>
+                <a:tc>
+                  <a:txBody>
+                    <a:bodyPr/>
+                    <a:lstStyle/>
+                    <a:p>
+                      <a:pPr marL="0" marR="0" lvl="0" indent="0" algn="l" defTabSz="914400" rtl="0" eaLnBrk="1" fontAlgn="auto" latinLnBrk="1" hangingPunct="1">
+                        <a:lnSpc>
+                          <a:spcPct val="100000"/>
+                        </a:lnSpc>
+                        <a:spcBef>
+                          <a:spcPts val="0"/>
+                        </a:spcBef>
+                        <a:spcAft>
+                          <a:spcPts val="0"/>
+                        </a:spcAft>
+                        <a:buClrTx/>
+                        <a:buSzTx/>
+                        <a:buFontTx/>
+                        <a:buNone/>
+                        <a:tabLst/>
+                        <a:defRPr/>
+                      </a:pPr>
+                      <a:r>
+                        <a:rPr lang="en-US" altLang="ko-KR" sz="1200" b="0" kern="1200" dirty="0">
+                          <a:solidFill>
+                            <a:schemeClr val="tx1"/>
+                          </a:solidFill>
+                          <a:effectLst/>
+                          <a:latin typeface="+mn-lt"/>
+                          <a:ea typeface="+mn-ea"/>
+                          <a:cs typeface="+mn-cs"/>
+                        </a:rPr>
+                        <a:t>submit_et3.csv</a:t>
+                      </a:r>
+                    </a:p>
+                  </a:txBody>
+                  <a:tcPr>
+                    <a:noFill/>
+                  </a:tcPr>
+                </a:tc>
+                <a:tc>
+                  <a:txBody>
+                    <a:bodyPr/>
+                    <a:lstStyle/>
+                    <a:p>
+                      <a:r>
+                        <a:rPr lang="en-US" altLang="ko-KR" sz="1200" b="0" dirty="0"/>
+                        <a:t>6.261</a:t>
+                      </a:r>
+                      <a:endParaRPr lang="ko-KR" altLang="en-US" sz="1200" b="0" dirty="0"/>
+                    </a:p>
+                  </a:txBody>
+                  <a:tcPr>
+                    <a:noFill/>
+                  </a:tcPr>
+                </a:tc>
+                <a:extLst>
+                  <a:ext uri="{0D108BD9-81ED-4DB2-BD59-A6C34878D82A}">
+                    <a16:rowId xmlns:a16="http://schemas.microsoft.com/office/drawing/2014/main" val="1496979251"/>
+                  </a:ext>
+                </a:extLst>
+              </a:tr>
+              <a:tr h="606565">
+                <a:tc>
+                  <a:txBody>
+                    <a:bodyPr/>
+                    <a:lstStyle/>
+                    <a:p>
+                      <a:pPr marL="0" marR="0" lvl="0" indent="0" algn="l" defTabSz="914400" rtl="0" eaLnBrk="1" fontAlgn="auto" latinLnBrk="1" hangingPunct="1">
+                        <a:lnSpc>
+                          <a:spcPct val="100000"/>
+                        </a:lnSpc>
+                        <a:spcBef>
+                          <a:spcPts val="0"/>
+                        </a:spcBef>
+                        <a:spcAft>
+                          <a:spcPts val="0"/>
+                        </a:spcAft>
+                        <a:buClrTx/>
+                        <a:buSzTx/>
+                        <a:buFontTx/>
+                        <a:buNone/>
+                        <a:tabLst/>
+                        <a:defRPr/>
+                      </a:pPr>
+                      <a:endParaRPr lang="ko-KR" altLang="en-US" sz="1200" dirty="0"/>
+                    </a:p>
+                  </a:txBody>
+                  <a:tcPr/>
+                </a:tc>
+                <a:tc>
+                  <a:txBody>
+                    <a:bodyPr/>
+                    <a:lstStyle/>
+                    <a:p>
+                      <a:pPr marL="0" marR="0" lvl="0" indent="0" algn="l" defTabSz="914400" rtl="0" eaLnBrk="1" fontAlgn="auto" latinLnBrk="1" hangingPunct="1">
+                        <a:lnSpc>
+                          <a:spcPct val="100000"/>
+                        </a:lnSpc>
+                        <a:spcBef>
+                          <a:spcPts val="0"/>
+                        </a:spcBef>
+                        <a:spcAft>
+                          <a:spcPts val="0"/>
+                        </a:spcAft>
+                        <a:buClrTx/>
+                        <a:buSzTx/>
+                        <a:buFontTx/>
+                        <a:buNone/>
+                        <a:tabLst/>
+                        <a:defRPr/>
+                      </a:pPr>
+                      <a:endParaRPr lang="ko-KR" altLang="en-US" sz="1200" dirty="0"/>
+                    </a:p>
+                  </a:txBody>
+                  <a:tcPr/>
+                </a:tc>
+                <a:tc>
+                  <a:txBody>
+                    <a:bodyPr/>
+                    <a:lstStyle/>
+                    <a:p>
+                      <a:pPr marL="0" marR="0" lvl="0" indent="0" algn="l" defTabSz="914400" rtl="0" eaLnBrk="1" fontAlgn="auto" latinLnBrk="1" hangingPunct="1">
+                        <a:lnSpc>
+                          <a:spcPct val="100000"/>
+                        </a:lnSpc>
+                        <a:spcBef>
+                          <a:spcPts val="0"/>
+                        </a:spcBef>
+                        <a:spcAft>
+                          <a:spcPts val="0"/>
+                        </a:spcAft>
+                        <a:buClrTx/>
+                        <a:buSzTx/>
+                        <a:buFontTx/>
+                        <a:buNone/>
+                        <a:tabLst/>
+                        <a:defRPr/>
+                      </a:pPr>
+                      <a:endParaRPr lang="ko-KR" altLang="en-US" sz="1200" b="0" dirty="0"/>
+                    </a:p>
+                  </a:txBody>
+                  <a:tcPr/>
+                </a:tc>
+                <a:extLst>
+                  <a:ext uri="{0D108BD9-81ED-4DB2-BD59-A6C34878D82A}">
+                    <a16:rowId xmlns:a16="http://schemas.microsoft.com/office/drawing/2014/main" val="793635337"/>
+                  </a:ext>
+                </a:extLst>
+              </a:tr>
+              <a:tr h="606565">
+                <a:tc>
+                  <a:txBody>
+                    <a:bodyPr/>
+                    <a:lstStyle/>
+                    <a:p>
+                      <a:pPr marL="0" marR="0" lvl="0" indent="0" algn="l" defTabSz="914400" rtl="0" eaLnBrk="1" fontAlgn="auto" latinLnBrk="1" hangingPunct="1">
+                        <a:lnSpc>
+                          <a:spcPct val="100000"/>
+                        </a:lnSpc>
+                        <a:spcBef>
+                          <a:spcPts val="0"/>
+                        </a:spcBef>
+                        <a:spcAft>
+                          <a:spcPts val="0"/>
+                        </a:spcAft>
+                        <a:buClrTx/>
+                        <a:buSzTx/>
+                        <a:buFontTx/>
+                        <a:buNone/>
+                        <a:tabLst/>
+                        <a:defRPr/>
+                      </a:pPr>
+                      <a:endParaRPr lang="ko-KR" altLang="en-US" sz="1200" dirty="0"/>
+                    </a:p>
+                  </a:txBody>
+                  <a:tcPr/>
+                </a:tc>
+                <a:tc>
+                  <a:txBody>
+                    <a:bodyPr/>
+                    <a:lstStyle/>
+                    <a:p>
+                      <a:pPr marL="0" marR="0" lvl="0" indent="0" algn="l" defTabSz="914400" rtl="0" eaLnBrk="1" fontAlgn="auto" latinLnBrk="1" hangingPunct="1">
+                        <a:lnSpc>
+                          <a:spcPct val="100000"/>
+                        </a:lnSpc>
+                        <a:spcBef>
+                          <a:spcPts val="0"/>
+                        </a:spcBef>
+                        <a:spcAft>
+                          <a:spcPts val="0"/>
+                        </a:spcAft>
+                        <a:buClrTx/>
+                        <a:buSzTx/>
+                        <a:buFontTx/>
+                        <a:buNone/>
+                        <a:tabLst/>
+                        <a:defRPr/>
+                      </a:pPr>
+                      <a:endParaRPr lang="fr-FR" altLang="ko-KR" sz="1200" b="0" kern="1200" dirty="0">
+                        <a:solidFill>
+                          <a:schemeClr val="tx1"/>
+                        </a:solidFill>
+                        <a:effectLst/>
+                        <a:latin typeface="+mn-lt"/>
+                        <a:ea typeface="+mn-ea"/>
+                        <a:cs typeface="+mn-cs"/>
+                      </a:endParaRPr>
+                    </a:p>
+                  </a:txBody>
+                  <a:tcPr/>
+                </a:tc>
+                <a:tc>
+                  <a:txBody>
+                    <a:bodyPr/>
+                    <a:lstStyle/>
+                    <a:p>
+                      <a:endParaRPr lang="ko-KR" altLang="en-US" sz="1200" b="0" dirty="0"/>
+                    </a:p>
+                  </a:txBody>
+                  <a:tcPr/>
+                </a:tc>
+                <a:extLst>
+                  <a:ext uri="{0D108BD9-81ED-4DB2-BD59-A6C34878D82A}">
+                    <a16:rowId xmlns:a16="http://schemas.microsoft.com/office/drawing/2014/main" val="3049758920"/>
+                  </a:ext>
+                </a:extLst>
+              </a:tr>
+              <a:tr h="606565">
+                <a:tc>
+                  <a:txBody>
+                    <a:bodyPr/>
+                    <a:lstStyle/>
+                    <a:p>
+                      <a:pPr marL="0" marR="0" lvl="0" indent="0" algn="l" defTabSz="914400" rtl="0" eaLnBrk="1" fontAlgn="auto" latinLnBrk="1" hangingPunct="1">
+                        <a:lnSpc>
+                          <a:spcPct val="100000"/>
+                        </a:lnSpc>
+                        <a:spcBef>
+                          <a:spcPts val="0"/>
+                        </a:spcBef>
+                        <a:spcAft>
+                          <a:spcPts val="0"/>
+                        </a:spcAft>
+                        <a:buClrTx/>
+                        <a:buSzTx/>
+                        <a:buFontTx/>
+                        <a:buNone/>
+                        <a:tabLst/>
+                        <a:defRPr/>
+                      </a:pPr>
+                      <a:endParaRPr lang="ko-KR" altLang="en-US" sz="1200" dirty="0"/>
+                    </a:p>
+                  </a:txBody>
+                  <a:tcPr/>
+                </a:tc>
+                <a:tc>
+                  <a:txBody>
+                    <a:bodyPr/>
+                    <a:lstStyle/>
+                    <a:p>
+                      <a:endParaRPr lang="fr-FR" altLang="ko-KR" sz="1200" b="0" kern="1200" dirty="0">
+                        <a:solidFill>
+                          <a:schemeClr val="tx1"/>
+                        </a:solidFill>
+                        <a:effectLst/>
+                        <a:latin typeface="+mn-lt"/>
+                        <a:ea typeface="+mn-ea"/>
+                        <a:cs typeface="+mn-cs"/>
+                      </a:endParaRPr>
+                    </a:p>
+                  </a:txBody>
+                  <a:tcPr/>
+                </a:tc>
+                <a:tc>
+                  <a:txBody>
+                    <a:bodyPr/>
+                    <a:lstStyle/>
+                    <a:p>
+                      <a:endParaRPr lang="ko-KR" altLang="en-US" sz="1200" b="0" dirty="0"/>
+                    </a:p>
+                  </a:txBody>
+                  <a:tcPr/>
+                </a:tc>
+                <a:extLst>
+                  <a:ext uri="{0D108BD9-81ED-4DB2-BD59-A6C34878D82A}">
+                    <a16:rowId xmlns:a16="http://schemas.microsoft.com/office/drawing/2014/main" val="379668471"/>
+                  </a:ext>
+                </a:extLst>
+              </a:tr>
+              <a:tr h="606565">
+                <a:tc>
+                  <a:txBody>
+                    <a:bodyPr/>
+                    <a:lstStyle/>
+                    <a:p>
+                      <a:pPr marL="0" marR="0" lvl="0" indent="0" algn="l" defTabSz="914400" rtl="0" eaLnBrk="1" fontAlgn="auto" latinLnBrk="1" hangingPunct="1">
+                        <a:lnSpc>
+                          <a:spcPct val="100000"/>
+                        </a:lnSpc>
+                        <a:spcBef>
+                          <a:spcPts val="0"/>
+                        </a:spcBef>
+                        <a:spcAft>
+                          <a:spcPts val="0"/>
+                        </a:spcAft>
+                        <a:buClrTx/>
+                        <a:buSzTx/>
+                        <a:buFontTx/>
+                        <a:buNone/>
+                        <a:tabLst/>
+                        <a:defRPr/>
+                      </a:pPr>
+                      <a:endParaRPr lang="ko-KR" altLang="en-US" sz="1200" dirty="0"/>
+                    </a:p>
+                  </a:txBody>
+                  <a:tcPr/>
+                </a:tc>
+                <a:tc>
+                  <a:txBody>
+                    <a:bodyPr/>
+                    <a:lstStyle/>
+                    <a:p>
+                      <a:pPr marL="0" marR="0" lvl="0" indent="0" algn="l" defTabSz="914400" rtl="0" eaLnBrk="1" fontAlgn="auto" latinLnBrk="1" hangingPunct="1">
+                        <a:lnSpc>
+                          <a:spcPct val="100000"/>
+                        </a:lnSpc>
+                        <a:spcBef>
+                          <a:spcPts val="0"/>
+                        </a:spcBef>
+                        <a:spcAft>
+                          <a:spcPts val="0"/>
+                        </a:spcAft>
+                        <a:buClrTx/>
+                        <a:buSzTx/>
+                        <a:buFontTx/>
+                        <a:buNone/>
+                        <a:tabLst/>
+                        <a:defRPr/>
+                      </a:pPr>
+                      <a:endParaRPr lang="fr-FR" altLang="ko-KR" sz="1200" b="0" kern="1200" dirty="0">
+                        <a:solidFill>
+                          <a:schemeClr val="tx1"/>
+                        </a:solidFill>
+                        <a:effectLst/>
+                        <a:latin typeface="+mn-lt"/>
+                        <a:ea typeface="+mn-ea"/>
+                        <a:cs typeface="+mn-cs"/>
+                      </a:endParaRPr>
+                    </a:p>
+                  </a:txBody>
+                  <a:tcPr/>
+                </a:tc>
+                <a:tc>
+                  <a:txBody>
+                    <a:bodyPr/>
+                    <a:lstStyle/>
+                    <a:p>
+                      <a:endParaRPr lang="ko-KR" altLang="en-US" sz="1200" b="0" dirty="0"/>
+                    </a:p>
+                  </a:txBody>
+                  <a:tcPr/>
+                </a:tc>
+                <a:extLst>
+                  <a:ext uri="{0D108BD9-81ED-4DB2-BD59-A6C34878D82A}">
+                    <a16:rowId xmlns:a16="http://schemas.microsoft.com/office/drawing/2014/main" val="2426582760"/>
+                  </a:ext>
+                </a:extLst>
+              </a:tr>
+              <a:tr h="606565">
+                <a:tc>
+                  <a:txBody>
+                    <a:bodyPr/>
+                    <a:lstStyle/>
+                    <a:p>
+                      <a:pPr marL="0" marR="0" lvl="0" indent="0" algn="l" defTabSz="914400" rtl="0" eaLnBrk="1" fontAlgn="auto" latinLnBrk="1" hangingPunct="1">
+                        <a:lnSpc>
+                          <a:spcPct val="100000"/>
+                        </a:lnSpc>
+                        <a:spcBef>
+                          <a:spcPts val="0"/>
+                        </a:spcBef>
+                        <a:spcAft>
+                          <a:spcPts val="0"/>
+                        </a:spcAft>
+                        <a:buClrTx/>
+                        <a:buSzTx/>
+                        <a:buFontTx/>
+                        <a:buNone/>
+                        <a:tabLst/>
+                        <a:defRPr/>
+                      </a:pPr>
+                      <a:endParaRPr lang="ko-KR" altLang="en-US" sz="1200" dirty="0"/>
+                    </a:p>
+                  </a:txBody>
+                  <a:tcPr/>
+                </a:tc>
+                <a:tc>
+                  <a:txBody>
+                    <a:bodyPr/>
+                    <a:lstStyle/>
+                    <a:p>
+                      <a:pPr marL="0" marR="0" lvl="0" indent="0" algn="l" defTabSz="914400" rtl="0" eaLnBrk="1" fontAlgn="auto" latinLnBrk="1" hangingPunct="1">
+                        <a:lnSpc>
+                          <a:spcPct val="100000"/>
+                        </a:lnSpc>
+                        <a:spcBef>
+                          <a:spcPts val="0"/>
+                        </a:spcBef>
+                        <a:spcAft>
+                          <a:spcPts val="0"/>
+                        </a:spcAft>
+                        <a:buClrTx/>
+                        <a:buSzTx/>
+                        <a:buFontTx/>
+                        <a:buNone/>
+                        <a:tabLst/>
+                        <a:defRPr/>
+                      </a:pPr>
+                      <a:endParaRPr lang="fr-FR" altLang="ko-KR" sz="1200" b="0" kern="1200" dirty="0">
+                        <a:solidFill>
+                          <a:schemeClr val="tx1"/>
+                        </a:solidFill>
+                        <a:effectLst/>
+                        <a:latin typeface="+mn-lt"/>
+                        <a:ea typeface="+mn-ea"/>
+                        <a:cs typeface="+mn-cs"/>
+                      </a:endParaRPr>
+                    </a:p>
+                  </a:txBody>
+                  <a:tcPr/>
+                </a:tc>
+                <a:tc>
+                  <a:txBody>
+                    <a:bodyPr/>
+                    <a:lstStyle/>
+                    <a:p>
+                      <a:endParaRPr lang="ko-KR" altLang="en-US" sz="1200" b="0" dirty="0"/>
+                    </a:p>
+                  </a:txBody>
+                  <a:tcPr/>
+                </a:tc>
+                <a:extLst>
+                  <a:ext uri="{0D108BD9-81ED-4DB2-BD59-A6C34878D82A}">
+                    <a16:rowId xmlns:a16="http://schemas.microsoft.com/office/drawing/2014/main" val="2254365311"/>
+                  </a:ext>
+                </a:extLst>
+              </a:tr>
+            </a:tbl>
+          </a:graphicData>
+        </a:graphic>
+      </p:graphicFrame>
+    </p:spTree>
+    <p:extLst>
+      <p:ext uri="{BB962C8B-B14F-4D97-AF65-F5344CB8AC3E}">
+        <p14:creationId xmlns:p14="http://schemas.microsoft.com/office/powerpoint/2010/main" val="201776938"/>
+      </p:ext>
+    </p:extLst>
+  </p:cSld>
+  <p:clrMapOvr>
+    <a:masterClrMapping/>
+  </p:clrMapOvr>
+</p:sld>
+</file>
+
+<file path=ppt/slides/slide14.xml><?xml version="1.0" encoding="utf-8"?>
 <p:sld xmlns:a="http://schemas.openxmlformats.org/drawingml/2006/main" xmlns:r="http://schemas.openxmlformats.org/officeDocument/2006/relationships" xmlns:p="http://schemas.openxmlformats.org/presentationml/2006/main">
   <p:cSld>
     <p:spTree>
@@ -9210,7 +10504,7 @@
 </p:sld>
 </file>
 
-<file path=ppt/slides/slide14.xml><?xml version="1.0" encoding="utf-8"?>
+<file path=ppt/slides/slide15.xml><?xml version="1.0" encoding="utf-8"?>
 <p:sld xmlns:a="http://schemas.openxmlformats.org/drawingml/2006/main" xmlns:r="http://schemas.openxmlformats.org/officeDocument/2006/relationships" xmlns:p="http://schemas.openxmlformats.org/presentationml/2006/main">
   <p:cSld>
     <p:spTree>
@@ -9275,7 +10569,7 @@
 </p:sld>
 </file>
 
-<file path=ppt/slides/slide15.xml><?xml version="1.0" encoding="utf-8"?>
+<file path=ppt/slides/slide16.xml><?xml version="1.0" encoding="utf-8"?>
 <p:sld xmlns:a="http://schemas.openxmlformats.org/drawingml/2006/main" xmlns:r="http://schemas.openxmlformats.org/officeDocument/2006/relationships" xmlns:p="http://schemas.openxmlformats.org/presentationml/2006/main">
   <p:cSld>
     <p:spTree>
@@ -9392,7 +10686,7 @@
 </p:sld>
 </file>
 
-<file path=ppt/slides/slide16.xml><?xml version="1.0" encoding="utf-8"?>
+<file path=ppt/slides/slide17.xml><?xml version="1.0" encoding="utf-8"?>
 <p:sld xmlns:a="http://schemas.openxmlformats.org/drawingml/2006/main" xmlns:r="http://schemas.openxmlformats.org/officeDocument/2006/relationships" xmlns:p="http://schemas.openxmlformats.org/presentationml/2006/main">
   <p:cSld>
     <p:spTree>
@@ -9456,7 +10750,7 @@
 </p:sld>
 </file>
 
-<file path=ppt/slides/slide17.xml><?xml version="1.0" encoding="utf-8"?>
+<file path=ppt/slides/slide18.xml><?xml version="1.0" encoding="utf-8"?>
 <p:sld xmlns:a="http://schemas.openxmlformats.org/drawingml/2006/main" xmlns:r="http://schemas.openxmlformats.org/officeDocument/2006/relationships" xmlns:p="http://schemas.openxmlformats.org/presentationml/2006/main">
   <p:cSld>
     <p:spTree>
@@ -9591,7 +10885,7 @@
 </p:sld>
 </file>
 
-<file path=ppt/slides/slide18.xml><?xml version="1.0" encoding="utf-8"?>
+<file path=ppt/slides/slide19.xml><?xml version="1.0" encoding="utf-8"?>
 <p:sld xmlns:a="http://schemas.openxmlformats.org/drawingml/2006/main" xmlns:r="http://schemas.openxmlformats.org/officeDocument/2006/relationships" xmlns:p="http://schemas.openxmlformats.org/presentationml/2006/main">
   <p:cSld>
     <p:spTree>
@@ -9752,7 +11046,295 @@
 </p:sld>
 </file>
 
-<file path=ppt/slides/slide19.xml><?xml version="1.0" encoding="utf-8"?>
+<file path=ppt/slides/slide2.xml><?xml version="1.0" encoding="utf-8"?>
+<p:sld xmlns:a="http://schemas.openxmlformats.org/drawingml/2006/main" xmlns:r="http://schemas.openxmlformats.org/officeDocument/2006/relationships" xmlns:p="http://schemas.openxmlformats.org/presentationml/2006/main">
+  <p:cSld>
+    <p:spTree>
+      <p:nvGrpSpPr>
+        <p:cNvPr id="1" name=""/>
+        <p:cNvGrpSpPr/>
+        <p:nvPr/>
+      </p:nvGrpSpPr>
+      <p:grpSpPr>
+        <a:xfrm>
+          <a:off x="0" y="0"/>
+          <a:ext cx="0" cy="0"/>
+          <a:chOff x="0" y="0"/>
+          <a:chExt cx="0" cy="0"/>
+        </a:xfrm>
+      </p:grpSpPr>
+      <p:sp>
+        <p:nvSpPr>
+          <p:cNvPr id="4" name="TextBox 3">
+            <a:extLst>
+              <a:ext uri="{FF2B5EF4-FFF2-40B4-BE49-F238E27FC236}">
+                <a16:creationId xmlns:a16="http://schemas.microsoft.com/office/drawing/2014/main" id="{4F598DD1-D3F7-4B83-A68E-9BB041E558CF}"/>
+              </a:ext>
+            </a:extLst>
+          </p:cNvPr>
+          <p:cNvSpPr txBox="1"/>
+          <p:nvPr/>
+        </p:nvSpPr>
+        <p:spPr>
+          <a:xfrm>
+            <a:off x="955698" y="979997"/>
+            <a:ext cx="6426759" cy="2616101"/>
+          </a:xfrm>
+          <a:prstGeom prst="rect">
+            <a:avLst/>
+          </a:prstGeom>
+          <a:noFill/>
+        </p:spPr>
+        <p:txBody>
+          <a:bodyPr wrap="none" rtlCol="0">
+            <a:spAutoFit/>
+          </a:bodyPr>
+          <a:lstStyle/>
+          <a:p>
+            <a:r>
+              <a:rPr lang="en-US" altLang="ko-KR" sz="2000" b="1" dirty="0"/>
+              <a:t>train </a:t>
+            </a:r>
+            <a:r>
+              <a:rPr lang="ko-KR" altLang="en-US" sz="2000" b="1" dirty="0"/>
+              <a:t>데이터</a:t>
+            </a:r>
+            <a:endParaRPr lang="en-US" altLang="ko-KR" sz="2000" b="1" dirty="0"/>
+          </a:p>
+          <a:p>
+            <a:endParaRPr lang="en-US" altLang="ko-KR" dirty="0"/>
+          </a:p>
+          <a:p>
+            <a:pPr marL="285750" indent="-285750">
+              <a:buFont typeface="Wingdings" panose="05000000000000000000" pitchFamily="2" charset="2"/>
+              <a:buChar char="ü"/>
+            </a:pPr>
+            <a:r>
+              <a:rPr lang="ko-KR" altLang="en-US" dirty="0"/>
+              <a:t>강수량</a:t>
+            </a:r>
+            <a:r>
+              <a:rPr lang="en-US" altLang="ko-KR" dirty="0"/>
+              <a:t>, </a:t>
+            </a:r>
+            <a:r>
+              <a:rPr lang="ko-KR" altLang="en-US" dirty="0"/>
+              <a:t>일조</a:t>
+            </a:r>
+            <a:r>
+              <a:rPr lang="en-US" altLang="ko-KR" dirty="0"/>
+              <a:t>, </a:t>
+            </a:r>
+            <a:r>
+              <a:rPr lang="ko-KR" altLang="en-US" dirty="0"/>
+              <a:t>일사 컬럼 삭제</a:t>
+            </a:r>
+            <a:endParaRPr lang="en-US" altLang="ko-KR" dirty="0"/>
+          </a:p>
+          <a:p>
+            <a:pPr marL="285750" indent="-285750">
+              <a:buFont typeface="Wingdings" panose="05000000000000000000" pitchFamily="2" charset="2"/>
+              <a:buChar char="ü"/>
+            </a:pPr>
+            <a:r>
+              <a:rPr lang="ko-KR" altLang="en-US" dirty="0"/>
+              <a:t>풍속</a:t>
+            </a:r>
+            <a:r>
+              <a:rPr lang="en-US" altLang="ko-KR" dirty="0"/>
+              <a:t>, </a:t>
+            </a:r>
+            <a:r>
+              <a:rPr lang="ko-KR" altLang="en-US" dirty="0"/>
+              <a:t>습도 값이 </a:t>
+            </a:r>
+            <a:r>
+              <a:rPr lang="en-US" altLang="ko-KR" dirty="0" err="1"/>
+              <a:t>NaN</a:t>
+            </a:r>
+            <a:r>
+              <a:rPr lang="ko-KR" altLang="en-US" dirty="0"/>
+              <a:t>일 때 전 행의 값으로 치환 </a:t>
+            </a:r>
+            <a:r>
+              <a:rPr lang="en-US" altLang="ko-KR" dirty="0"/>
+              <a:t>(</a:t>
+            </a:r>
+            <a:r>
+              <a:rPr lang="en-US" altLang="ko-KR" dirty="0" err="1"/>
+              <a:t>ffill</a:t>
+            </a:r>
+            <a:r>
+              <a:rPr lang="en-US" altLang="ko-KR" dirty="0"/>
+              <a:t> </a:t>
+            </a:r>
+            <a:r>
+              <a:rPr lang="ko-KR" altLang="en-US" dirty="0"/>
+              <a:t>함수</a:t>
+            </a:r>
+            <a:r>
+              <a:rPr lang="en-US" altLang="ko-KR" dirty="0"/>
+              <a:t>)</a:t>
+            </a:r>
+          </a:p>
+          <a:p>
+            <a:pPr marL="285750" indent="-285750">
+              <a:buFont typeface="Wingdings" panose="05000000000000000000" pitchFamily="2" charset="2"/>
+              <a:buChar char="ü"/>
+            </a:pPr>
+            <a:r>
+              <a:rPr lang="ko-KR" altLang="en-US" dirty="0"/>
+              <a:t>불쾌지수 계산 후 컬럼 추가</a:t>
+            </a:r>
+            <a:endParaRPr lang="en-US" altLang="ko-KR" dirty="0"/>
+          </a:p>
+          <a:p>
+            <a:pPr marL="285750" indent="-285750">
+              <a:buFont typeface="Wingdings" panose="05000000000000000000" pitchFamily="2" charset="2"/>
+              <a:buChar char="ü"/>
+            </a:pPr>
+            <a:r>
+              <a:rPr lang="ko-KR" altLang="en-US" dirty="0"/>
+              <a:t>불쾌지수 이동평균 </a:t>
+            </a:r>
+            <a:r>
+              <a:rPr lang="en-US" altLang="ko-KR" dirty="0"/>
+              <a:t>3</a:t>
+            </a:r>
+            <a:r>
+              <a:rPr lang="ko-KR" altLang="en-US" dirty="0"/>
+              <a:t>일</a:t>
+            </a:r>
+            <a:r>
+              <a:rPr lang="en-US" altLang="ko-KR" dirty="0"/>
+              <a:t>, 5</a:t>
+            </a:r>
+            <a:r>
+              <a:rPr lang="ko-KR" altLang="en-US" dirty="0"/>
+              <a:t>일 컬럼 추가</a:t>
+            </a:r>
+            <a:endParaRPr lang="en-US" altLang="ko-KR" dirty="0"/>
+          </a:p>
+          <a:p>
+            <a:pPr marL="285750" indent="-285750">
+              <a:buFont typeface="Wingdings" panose="05000000000000000000" pitchFamily="2" charset="2"/>
+              <a:buChar char="ü"/>
+            </a:pPr>
+            <a:r>
+              <a:rPr lang="en-US" altLang="ko-KR" dirty="0"/>
+              <a:t>holiday </a:t>
+            </a:r>
+            <a:r>
+              <a:rPr lang="ko-KR" altLang="en-US" dirty="0"/>
+              <a:t>컬럼 추가 </a:t>
+            </a:r>
+            <a:r>
+              <a:rPr lang="en-US" altLang="ko-KR" dirty="0"/>
+              <a:t>(</a:t>
+            </a:r>
+            <a:r>
+              <a:rPr lang="ko-KR" altLang="en-US" dirty="0"/>
+              <a:t>주말 및 공휴일</a:t>
+            </a:r>
+            <a:r>
+              <a:rPr lang="en-US" altLang="ko-KR" dirty="0"/>
+              <a:t>: true, </a:t>
+            </a:r>
+            <a:r>
+              <a:rPr lang="ko-KR" altLang="en-US" dirty="0"/>
+              <a:t>평일</a:t>
+            </a:r>
+            <a:r>
+              <a:rPr lang="en-US" altLang="ko-KR" dirty="0"/>
+              <a:t>: false)</a:t>
+            </a:r>
+          </a:p>
+          <a:p>
+            <a:pPr marL="285750" indent="-285750">
+              <a:buFont typeface="Wingdings" panose="05000000000000000000" pitchFamily="2" charset="2"/>
+              <a:buChar char="ü"/>
+            </a:pPr>
+            <a:r>
+              <a:rPr lang="ko-KR" altLang="en-US" dirty="0"/>
+              <a:t>월</a:t>
+            </a:r>
+            <a:r>
+              <a:rPr lang="en-US" altLang="ko-KR" dirty="0"/>
+              <a:t>, </a:t>
+            </a:r>
+            <a:r>
+              <a:rPr lang="ko-KR" altLang="en-US" dirty="0"/>
+              <a:t>일</a:t>
+            </a:r>
+            <a:r>
+              <a:rPr lang="en-US" altLang="ko-KR" dirty="0"/>
+              <a:t>, </a:t>
+            </a:r>
+            <a:r>
+              <a:rPr lang="ko-KR" altLang="en-US" dirty="0"/>
+              <a:t>시간</a:t>
+            </a:r>
+            <a:r>
+              <a:rPr lang="en-US" altLang="ko-KR" dirty="0"/>
+              <a:t>, </a:t>
+            </a:r>
+            <a:r>
+              <a:rPr lang="ko-KR" altLang="en-US" dirty="0"/>
+              <a:t>요일 컬럼 추가</a:t>
+            </a:r>
+            <a:endParaRPr lang="en-US" altLang="ko-KR" dirty="0"/>
+          </a:p>
+          <a:p>
+            <a:pPr marL="285750" indent="-285750">
+              <a:buFont typeface="Wingdings" panose="05000000000000000000" pitchFamily="2" charset="2"/>
+              <a:buChar char="ü"/>
+            </a:pPr>
+            <a:r>
+              <a:rPr lang="ko-KR" altLang="en-US" dirty="0"/>
+              <a:t>월</a:t>
+            </a:r>
+            <a:r>
+              <a:rPr lang="en-US" altLang="ko-KR" dirty="0"/>
+              <a:t>,</a:t>
+            </a:r>
+            <a:r>
+              <a:rPr lang="ko-KR" altLang="en-US" dirty="0"/>
+              <a:t>일</a:t>
+            </a:r>
+            <a:r>
+              <a:rPr lang="en-US" altLang="ko-KR" dirty="0"/>
+              <a:t>,</a:t>
+            </a:r>
+            <a:r>
+              <a:rPr lang="ko-KR" altLang="en-US" dirty="0"/>
+              <a:t>시간 </a:t>
+            </a:r>
+            <a:r>
+              <a:rPr lang="en-US" altLang="ko-KR" dirty="0"/>
+              <a:t>sin </a:t>
+            </a:r>
+            <a:r>
+              <a:rPr lang="ko-KR" altLang="en-US" dirty="0"/>
+              <a:t>컬럼 추가</a:t>
+            </a:r>
+            <a:endParaRPr lang="en-US" altLang="ko-KR" dirty="0"/>
+          </a:p>
+        </p:txBody>
+      </p:sp>
+    </p:spTree>
+    <p:extLst>
+      <p:ext uri="{BB962C8B-B14F-4D97-AF65-F5344CB8AC3E}">
+        <p14:creationId xmlns:p14="http://schemas.microsoft.com/office/powerpoint/2010/main" val="925909085"/>
+      </p:ext>
+    </p:extLst>
+  </p:cSld>
+  <p:clrMapOvr>
+    <a:masterClrMapping/>
+  </p:clrMapOvr>
+</p:sld>
+</file>
+
+<file path=ppt/slides/slide20.xml><?xml version="1.0" encoding="utf-8"?>
 <p:sld xmlns:a="http://schemas.openxmlformats.org/drawingml/2006/main" xmlns:r="http://schemas.openxmlformats.org/officeDocument/2006/relationships" xmlns:p="http://schemas.openxmlformats.org/presentationml/2006/main">
   <p:cSld>
     <p:spTree>
@@ -9913,295 +11495,7 @@
 </p:sld>
 </file>
 
-<file path=ppt/slides/slide2.xml><?xml version="1.0" encoding="utf-8"?>
-<p:sld xmlns:a="http://schemas.openxmlformats.org/drawingml/2006/main" xmlns:r="http://schemas.openxmlformats.org/officeDocument/2006/relationships" xmlns:p="http://schemas.openxmlformats.org/presentationml/2006/main">
-  <p:cSld>
-    <p:spTree>
-      <p:nvGrpSpPr>
-        <p:cNvPr id="1" name=""/>
-        <p:cNvGrpSpPr/>
-        <p:nvPr/>
-      </p:nvGrpSpPr>
-      <p:grpSpPr>
-        <a:xfrm>
-          <a:off x="0" y="0"/>
-          <a:ext cx="0" cy="0"/>
-          <a:chOff x="0" y="0"/>
-          <a:chExt cx="0" cy="0"/>
-        </a:xfrm>
-      </p:grpSpPr>
-      <p:sp>
-        <p:nvSpPr>
-          <p:cNvPr id="4" name="TextBox 3">
-            <a:extLst>
-              <a:ext uri="{FF2B5EF4-FFF2-40B4-BE49-F238E27FC236}">
-                <a16:creationId xmlns:a16="http://schemas.microsoft.com/office/drawing/2014/main" id="{4F598DD1-D3F7-4B83-A68E-9BB041E558CF}"/>
-              </a:ext>
-            </a:extLst>
-          </p:cNvPr>
-          <p:cNvSpPr txBox="1"/>
-          <p:nvPr/>
-        </p:nvSpPr>
-        <p:spPr>
-          <a:xfrm>
-            <a:off x="955698" y="979997"/>
-            <a:ext cx="6426759" cy="2616101"/>
-          </a:xfrm>
-          <a:prstGeom prst="rect">
-            <a:avLst/>
-          </a:prstGeom>
-          <a:noFill/>
-        </p:spPr>
-        <p:txBody>
-          <a:bodyPr wrap="none" rtlCol="0">
-            <a:spAutoFit/>
-          </a:bodyPr>
-          <a:lstStyle/>
-          <a:p>
-            <a:r>
-              <a:rPr lang="en-US" altLang="ko-KR" sz="2000" b="1" dirty="0"/>
-              <a:t>train </a:t>
-            </a:r>
-            <a:r>
-              <a:rPr lang="ko-KR" altLang="en-US" sz="2000" b="1" dirty="0"/>
-              <a:t>데이터</a:t>
-            </a:r>
-            <a:endParaRPr lang="en-US" altLang="ko-KR" sz="2000" b="1" dirty="0"/>
-          </a:p>
-          <a:p>
-            <a:endParaRPr lang="en-US" altLang="ko-KR" dirty="0"/>
-          </a:p>
-          <a:p>
-            <a:pPr marL="285750" indent="-285750">
-              <a:buFont typeface="Wingdings" panose="05000000000000000000" pitchFamily="2" charset="2"/>
-              <a:buChar char="ü"/>
-            </a:pPr>
-            <a:r>
-              <a:rPr lang="ko-KR" altLang="en-US" dirty="0"/>
-              <a:t>강수량</a:t>
-            </a:r>
-            <a:r>
-              <a:rPr lang="en-US" altLang="ko-KR" dirty="0"/>
-              <a:t>, </a:t>
-            </a:r>
-            <a:r>
-              <a:rPr lang="ko-KR" altLang="en-US" dirty="0"/>
-              <a:t>일조</a:t>
-            </a:r>
-            <a:r>
-              <a:rPr lang="en-US" altLang="ko-KR" dirty="0"/>
-              <a:t>, </a:t>
-            </a:r>
-            <a:r>
-              <a:rPr lang="ko-KR" altLang="en-US" dirty="0"/>
-              <a:t>일사 컬럼 삭제</a:t>
-            </a:r>
-            <a:endParaRPr lang="en-US" altLang="ko-KR" dirty="0"/>
-          </a:p>
-          <a:p>
-            <a:pPr marL="285750" indent="-285750">
-              <a:buFont typeface="Wingdings" panose="05000000000000000000" pitchFamily="2" charset="2"/>
-              <a:buChar char="ü"/>
-            </a:pPr>
-            <a:r>
-              <a:rPr lang="ko-KR" altLang="en-US" dirty="0"/>
-              <a:t>풍속</a:t>
-            </a:r>
-            <a:r>
-              <a:rPr lang="en-US" altLang="ko-KR" dirty="0"/>
-              <a:t>, </a:t>
-            </a:r>
-            <a:r>
-              <a:rPr lang="ko-KR" altLang="en-US" dirty="0"/>
-              <a:t>습도 값이 </a:t>
-            </a:r>
-            <a:r>
-              <a:rPr lang="en-US" altLang="ko-KR" dirty="0" err="1"/>
-              <a:t>NaN</a:t>
-            </a:r>
-            <a:r>
-              <a:rPr lang="ko-KR" altLang="en-US" dirty="0"/>
-              <a:t>일 때 전 행의 값으로 치환 </a:t>
-            </a:r>
-            <a:r>
-              <a:rPr lang="en-US" altLang="ko-KR" dirty="0"/>
-              <a:t>(</a:t>
-            </a:r>
-            <a:r>
-              <a:rPr lang="en-US" altLang="ko-KR" dirty="0" err="1"/>
-              <a:t>ffill</a:t>
-            </a:r>
-            <a:r>
-              <a:rPr lang="en-US" altLang="ko-KR" dirty="0"/>
-              <a:t> </a:t>
-            </a:r>
-            <a:r>
-              <a:rPr lang="ko-KR" altLang="en-US" dirty="0"/>
-              <a:t>함수</a:t>
-            </a:r>
-            <a:r>
-              <a:rPr lang="en-US" altLang="ko-KR" dirty="0"/>
-              <a:t>)</a:t>
-            </a:r>
-          </a:p>
-          <a:p>
-            <a:pPr marL="285750" indent="-285750">
-              <a:buFont typeface="Wingdings" panose="05000000000000000000" pitchFamily="2" charset="2"/>
-              <a:buChar char="ü"/>
-            </a:pPr>
-            <a:r>
-              <a:rPr lang="ko-KR" altLang="en-US" dirty="0"/>
-              <a:t>불쾌지수 계산 후 컬럼 추가</a:t>
-            </a:r>
-            <a:endParaRPr lang="en-US" altLang="ko-KR" dirty="0"/>
-          </a:p>
-          <a:p>
-            <a:pPr marL="285750" indent="-285750">
-              <a:buFont typeface="Wingdings" panose="05000000000000000000" pitchFamily="2" charset="2"/>
-              <a:buChar char="ü"/>
-            </a:pPr>
-            <a:r>
-              <a:rPr lang="ko-KR" altLang="en-US" dirty="0"/>
-              <a:t>불쾌지수 이동평균 </a:t>
-            </a:r>
-            <a:r>
-              <a:rPr lang="en-US" altLang="ko-KR" dirty="0"/>
-              <a:t>3</a:t>
-            </a:r>
-            <a:r>
-              <a:rPr lang="ko-KR" altLang="en-US" dirty="0"/>
-              <a:t>일</a:t>
-            </a:r>
-            <a:r>
-              <a:rPr lang="en-US" altLang="ko-KR" dirty="0"/>
-              <a:t>, 5</a:t>
-            </a:r>
-            <a:r>
-              <a:rPr lang="ko-KR" altLang="en-US" dirty="0"/>
-              <a:t>일 컬럼 추가</a:t>
-            </a:r>
-            <a:endParaRPr lang="en-US" altLang="ko-KR" dirty="0"/>
-          </a:p>
-          <a:p>
-            <a:pPr marL="285750" indent="-285750">
-              <a:buFont typeface="Wingdings" panose="05000000000000000000" pitchFamily="2" charset="2"/>
-              <a:buChar char="ü"/>
-            </a:pPr>
-            <a:r>
-              <a:rPr lang="en-US" altLang="ko-KR" dirty="0"/>
-              <a:t>holiday </a:t>
-            </a:r>
-            <a:r>
-              <a:rPr lang="ko-KR" altLang="en-US" dirty="0"/>
-              <a:t>컬럼 추가 </a:t>
-            </a:r>
-            <a:r>
-              <a:rPr lang="en-US" altLang="ko-KR" dirty="0"/>
-              <a:t>(</a:t>
-            </a:r>
-            <a:r>
-              <a:rPr lang="ko-KR" altLang="en-US" dirty="0"/>
-              <a:t>주말 및 공휴일</a:t>
-            </a:r>
-            <a:r>
-              <a:rPr lang="en-US" altLang="ko-KR" dirty="0"/>
-              <a:t>: true, </a:t>
-            </a:r>
-            <a:r>
-              <a:rPr lang="ko-KR" altLang="en-US" dirty="0"/>
-              <a:t>평일</a:t>
-            </a:r>
-            <a:r>
-              <a:rPr lang="en-US" altLang="ko-KR" dirty="0"/>
-              <a:t>: false)</a:t>
-            </a:r>
-          </a:p>
-          <a:p>
-            <a:pPr marL="285750" indent="-285750">
-              <a:buFont typeface="Wingdings" panose="05000000000000000000" pitchFamily="2" charset="2"/>
-              <a:buChar char="ü"/>
-            </a:pPr>
-            <a:r>
-              <a:rPr lang="ko-KR" altLang="en-US" dirty="0"/>
-              <a:t>월</a:t>
-            </a:r>
-            <a:r>
-              <a:rPr lang="en-US" altLang="ko-KR" dirty="0"/>
-              <a:t>, </a:t>
-            </a:r>
-            <a:r>
-              <a:rPr lang="ko-KR" altLang="en-US" dirty="0"/>
-              <a:t>일</a:t>
-            </a:r>
-            <a:r>
-              <a:rPr lang="en-US" altLang="ko-KR" dirty="0"/>
-              <a:t>, </a:t>
-            </a:r>
-            <a:r>
-              <a:rPr lang="ko-KR" altLang="en-US" dirty="0"/>
-              <a:t>시간</a:t>
-            </a:r>
-            <a:r>
-              <a:rPr lang="en-US" altLang="ko-KR" dirty="0"/>
-              <a:t>, </a:t>
-            </a:r>
-            <a:r>
-              <a:rPr lang="ko-KR" altLang="en-US" dirty="0"/>
-              <a:t>요일 컬럼 추가</a:t>
-            </a:r>
-            <a:endParaRPr lang="en-US" altLang="ko-KR" dirty="0"/>
-          </a:p>
-          <a:p>
-            <a:pPr marL="285750" indent="-285750">
-              <a:buFont typeface="Wingdings" panose="05000000000000000000" pitchFamily="2" charset="2"/>
-              <a:buChar char="ü"/>
-            </a:pPr>
-            <a:r>
-              <a:rPr lang="ko-KR" altLang="en-US" dirty="0"/>
-              <a:t>월</a:t>
-            </a:r>
-            <a:r>
-              <a:rPr lang="en-US" altLang="ko-KR" dirty="0"/>
-              <a:t>,</a:t>
-            </a:r>
-            <a:r>
-              <a:rPr lang="ko-KR" altLang="en-US" dirty="0"/>
-              <a:t>일</a:t>
-            </a:r>
-            <a:r>
-              <a:rPr lang="en-US" altLang="ko-KR" dirty="0"/>
-              <a:t>,</a:t>
-            </a:r>
-            <a:r>
-              <a:rPr lang="ko-KR" altLang="en-US" dirty="0"/>
-              <a:t>시간 </a:t>
-            </a:r>
-            <a:r>
-              <a:rPr lang="en-US" altLang="ko-KR" dirty="0"/>
-              <a:t>sin </a:t>
-            </a:r>
-            <a:r>
-              <a:rPr lang="ko-KR" altLang="en-US" dirty="0"/>
-              <a:t>컬럼 추가</a:t>
-            </a:r>
-            <a:endParaRPr lang="en-US" altLang="ko-KR" dirty="0"/>
-          </a:p>
-        </p:txBody>
-      </p:sp>
-    </p:spTree>
-    <p:extLst>
-      <p:ext uri="{BB962C8B-B14F-4D97-AF65-F5344CB8AC3E}">
-        <p14:creationId xmlns:p14="http://schemas.microsoft.com/office/powerpoint/2010/main" val="925909085"/>
-      </p:ext>
-    </p:extLst>
-  </p:cSld>
-  <p:clrMapOvr>
-    <a:masterClrMapping/>
-  </p:clrMapOvr>
-</p:sld>
-</file>
-
-<file path=ppt/slides/slide20.xml><?xml version="1.0" encoding="utf-8"?>
+<file path=ppt/slides/slide21.xml><?xml version="1.0" encoding="utf-8"?>
 <p:sld xmlns:a="http://schemas.openxmlformats.org/drawingml/2006/main" xmlns:r="http://schemas.openxmlformats.org/officeDocument/2006/relationships" xmlns:p="http://schemas.openxmlformats.org/presentationml/2006/main">
   <p:cSld>
     <p:spTree>
@@ -10594,7 +11888,7 @@
 </p:sld>
 </file>
 
-<file path=ppt/slides/slide21.xml><?xml version="1.0" encoding="utf-8"?>
+<file path=ppt/slides/slide22.xml><?xml version="1.0" encoding="utf-8"?>
 <p:sld xmlns:a="http://schemas.openxmlformats.org/drawingml/2006/main" xmlns:r="http://schemas.openxmlformats.org/officeDocument/2006/relationships" xmlns:p="http://schemas.openxmlformats.org/presentationml/2006/main">
   <p:cSld>
     <p:spTree>
@@ -10815,7 +12109,7 @@
 </p:sld>
 </file>
 
-<file path=ppt/slides/slide22.xml><?xml version="1.0" encoding="utf-8"?>
+<file path=ppt/slides/slide23.xml><?xml version="1.0" encoding="utf-8"?>
 <p:sld xmlns:a="http://schemas.openxmlformats.org/drawingml/2006/main" xmlns:r="http://schemas.openxmlformats.org/officeDocument/2006/relationships" xmlns:p="http://schemas.openxmlformats.org/presentationml/2006/main">
   <p:cSld>
     <p:spTree>
@@ -11536,7 +12830,7 @@
 </p:sld>
 </file>
 
-<file path=ppt/slides/slide23.xml><?xml version="1.0" encoding="utf-8"?>
+<file path=ppt/slides/slide24.xml><?xml version="1.0" encoding="utf-8"?>
 <p:sld xmlns:a="http://schemas.openxmlformats.org/drawingml/2006/main" xmlns:r="http://schemas.openxmlformats.org/officeDocument/2006/relationships" xmlns:p="http://schemas.openxmlformats.org/presentationml/2006/main">
   <p:cSld>
     <p:spTree>
@@ -11553,150 +12847,6 @@
           <a:chExt cx="0" cy="0"/>
         </a:xfrm>
       </p:grpSpPr>
-      <p:sp>
-        <p:nvSpPr>
-          <p:cNvPr id="6" name="TextBox 5">
-            <a:extLst>
-              <a:ext uri="{FF2B5EF4-FFF2-40B4-BE49-F238E27FC236}">
-                <a16:creationId xmlns:a16="http://schemas.microsoft.com/office/drawing/2014/main" id="{608B54DE-1E89-40D6-B81A-3E1E3033A7D9}"/>
-              </a:ext>
-            </a:extLst>
-          </p:cNvPr>
-          <p:cNvSpPr txBox="1"/>
-          <p:nvPr/>
-        </p:nvSpPr>
-        <p:spPr>
-          <a:xfrm>
-            <a:off x="1666800" y="716091"/>
-            <a:ext cx="788999" cy="369332"/>
-          </a:xfrm>
-          <a:prstGeom prst="rect">
-            <a:avLst/>
-          </a:prstGeom>
-          <a:noFill/>
-        </p:spPr>
-        <p:txBody>
-          <a:bodyPr wrap="none" rtlCol="0">
-            <a:spAutoFit/>
-          </a:bodyPr>
-          <a:lstStyle/>
-          <a:p>
-            <a:r>
-              <a:rPr lang="en-US" altLang="ko-KR" dirty="0"/>
-              <a:t>clust0</a:t>
-            </a:r>
-            <a:endParaRPr lang="ko-KR" altLang="en-US" dirty="0"/>
-          </a:p>
-        </p:txBody>
-      </p:sp>
-      <p:sp>
-        <p:nvSpPr>
-          <p:cNvPr id="7" name="TextBox 6">
-            <a:extLst>
-              <a:ext uri="{FF2B5EF4-FFF2-40B4-BE49-F238E27FC236}">
-                <a16:creationId xmlns:a16="http://schemas.microsoft.com/office/drawing/2014/main" id="{826DEEB9-C138-4F43-B82C-A5D665D76060}"/>
-              </a:ext>
-            </a:extLst>
-          </p:cNvPr>
-          <p:cNvSpPr txBox="1"/>
-          <p:nvPr/>
-        </p:nvSpPr>
-        <p:spPr>
-          <a:xfrm>
-            <a:off x="4083263" y="716091"/>
-            <a:ext cx="788999" cy="369332"/>
-          </a:xfrm>
-          <a:prstGeom prst="rect">
-            <a:avLst/>
-          </a:prstGeom>
-          <a:noFill/>
-        </p:spPr>
-        <p:txBody>
-          <a:bodyPr wrap="none" rtlCol="0">
-            <a:spAutoFit/>
-          </a:bodyPr>
-          <a:lstStyle/>
-          <a:p>
-            <a:r>
-              <a:rPr lang="en-US" altLang="ko-KR" dirty="0"/>
-              <a:t>clust1</a:t>
-            </a:r>
-            <a:endParaRPr lang="ko-KR" altLang="en-US" dirty="0"/>
-          </a:p>
-        </p:txBody>
-      </p:sp>
-      <p:sp>
-        <p:nvSpPr>
-          <p:cNvPr id="8" name="TextBox 7">
-            <a:extLst>
-              <a:ext uri="{FF2B5EF4-FFF2-40B4-BE49-F238E27FC236}">
-                <a16:creationId xmlns:a16="http://schemas.microsoft.com/office/drawing/2014/main" id="{B9A463FD-418C-45DA-BC5C-E5A7C0A929E2}"/>
-              </a:ext>
-            </a:extLst>
-          </p:cNvPr>
-          <p:cNvSpPr txBox="1"/>
-          <p:nvPr/>
-        </p:nvSpPr>
-        <p:spPr>
-          <a:xfrm>
-            <a:off x="6323573" y="708496"/>
-            <a:ext cx="788999" cy="369332"/>
-          </a:xfrm>
-          <a:prstGeom prst="rect">
-            <a:avLst/>
-          </a:prstGeom>
-          <a:noFill/>
-        </p:spPr>
-        <p:txBody>
-          <a:bodyPr wrap="none" rtlCol="0">
-            <a:spAutoFit/>
-          </a:bodyPr>
-          <a:lstStyle/>
-          <a:p>
-            <a:r>
-              <a:rPr lang="en-US" altLang="ko-KR" dirty="0"/>
-              <a:t>clust2</a:t>
-            </a:r>
-            <a:endParaRPr lang="ko-KR" altLang="en-US" dirty="0"/>
-          </a:p>
-        </p:txBody>
-      </p:sp>
-      <p:sp>
-        <p:nvSpPr>
-          <p:cNvPr id="10" name="TextBox 9">
-            <a:extLst>
-              <a:ext uri="{FF2B5EF4-FFF2-40B4-BE49-F238E27FC236}">
-                <a16:creationId xmlns:a16="http://schemas.microsoft.com/office/drawing/2014/main" id="{ED1B76EF-4AC1-44CF-9987-6ADB9C95DB5B}"/>
-              </a:ext>
-            </a:extLst>
-          </p:cNvPr>
-          <p:cNvSpPr txBox="1"/>
-          <p:nvPr/>
-        </p:nvSpPr>
-        <p:spPr>
-          <a:xfrm>
-            <a:off x="9612275" y="738050"/>
-            <a:ext cx="788999" cy="369332"/>
-          </a:xfrm>
-          <a:prstGeom prst="rect">
-            <a:avLst/>
-          </a:prstGeom>
-          <a:noFill/>
-        </p:spPr>
-        <p:txBody>
-          <a:bodyPr wrap="none" rtlCol="0">
-            <a:spAutoFit/>
-          </a:bodyPr>
-          <a:lstStyle/>
-          <a:p>
-            <a:r>
-              <a:rPr lang="en-US" altLang="ko-KR" dirty="0"/>
-              <a:t>clust3</a:t>
-            </a:r>
-            <a:endParaRPr lang="ko-KR" altLang="en-US" dirty="0"/>
-          </a:p>
-        </p:txBody>
-      </p:sp>
       <p:sp>
         <p:nvSpPr>
           <p:cNvPr id="9" name="TextBox 8">
@@ -11813,7 +12963,7 @@
         </p:nvSpPr>
         <p:spPr>
           <a:xfrm>
-            <a:off x="1050301" y="4435102"/>
+            <a:off x="1018848" y="3112452"/>
             <a:ext cx="6093724" cy="369332"/>
           </a:xfrm>
           <a:prstGeom prst="rect">
@@ -11854,6 +13004,234 @@
             <a:r>
               <a:rPr lang="en-US" altLang="ko-KR" dirty="0"/>
               <a:t>)</a:t>
+            </a:r>
+            <a:endParaRPr lang="ko-KR" altLang="en-US" dirty="0"/>
+          </a:p>
+        </p:txBody>
+      </p:sp>
+      <p:sp>
+        <p:nvSpPr>
+          <p:cNvPr id="14" name="TextBox 13">
+            <a:extLst>
+              <a:ext uri="{FF2B5EF4-FFF2-40B4-BE49-F238E27FC236}">
+                <a16:creationId xmlns:a16="http://schemas.microsoft.com/office/drawing/2014/main" id="{88D4E001-0451-4F36-9A30-C053E1BC6E0B}"/>
+              </a:ext>
+            </a:extLst>
+          </p:cNvPr>
+          <p:cNvSpPr txBox="1"/>
+          <p:nvPr/>
+        </p:nvSpPr>
+        <p:spPr>
+          <a:xfrm>
+            <a:off x="1081754" y="3712615"/>
+            <a:ext cx="2277993" cy="2585323"/>
+          </a:xfrm>
+          <a:prstGeom prst="rect">
+            <a:avLst/>
+          </a:prstGeom>
+          <a:noFill/>
+        </p:spPr>
+        <p:txBody>
+          <a:bodyPr wrap="square">
+            <a:spAutoFit/>
+          </a:bodyPr>
+          <a:lstStyle/>
+          <a:p>
+            <a:r>
+              <a:rPr lang="en-US" altLang="ko-KR" b="0" i="0" dirty="0">
+                <a:solidFill>
+                  <a:srgbClr val="212121"/>
+                </a:solidFill>
+                <a:effectLst/>
+                <a:latin typeface="+mn-ea"/>
+              </a:rPr>
+              <a:t>--et--</a:t>
+            </a:r>
+          </a:p>
+          <a:p>
+            <a:r>
+              <a:rPr lang="en-US" altLang="ko-KR" b="0" i="0" dirty="0">
+                <a:solidFill>
+                  <a:srgbClr val="212121"/>
+                </a:solidFill>
+                <a:effectLst/>
+                <a:latin typeface="Courier New" panose="02070309020205020404" pitchFamily="49" charset="0"/>
+              </a:rPr>
+              <a:t>4.01986</a:t>
+            </a:r>
+          </a:p>
+          <a:p>
+            <a:r>
+              <a:rPr lang="en-US" altLang="ko-KR" b="0" i="0" dirty="0">
+                <a:solidFill>
+                  <a:srgbClr val="212121"/>
+                </a:solidFill>
+                <a:effectLst/>
+                <a:latin typeface="Courier New" panose="02070309020205020404" pitchFamily="49" charset="0"/>
+              </a:rPr>
+              <a:t>5.11189</a:t>
+            </a:r>
+            <a:endParaRPr lang="en-US" altLang="ko-KR" dirty="0">
+              <a:solidFill>
+                <a:srgbClr val="212121"/>
+              </a:solidFill>
+              <a:latin typeface="Courier New" panose="02070309020205020404" pitchFamily="49" charset="0"/>
+            </a:endParaRPr>
+          </a:p>
+          <a:p>
+            <a:r>
+              <a:rPr lang="en-US" altLang="ko-KR" b="0" i="0" dirty="0">
+                <a:solidFill>
+                  <a:srgbClr val="212121"/>
+                </a:solidFill>
+                <a:effectLst/>
+                <a:latin typeface="Courier New" panose="02070309020205020404" pitchFamily="49" charset="0"/>
+              </a:rPr>
+              <a:t>2.14110</a:t>
+            </a:r>
+          </a:p>
+          <a:p>
+            <a:r>
+              <a:rPr lang="en-US" altLang="ko-KR" b="0" i="0" dirty="0">
+                <a:solidFill>
+                  <a:srgbClr val="212121"/>
+                </a:solidFill>
+                <a:effectLst/>
+                <a:latin typeface="Courier New" panose="02070309020205020404" pitchFamily="49" charset="0"/>
+              </a:rPr>
+              <a:t>2.92625</a:t>
+            </a:r>
+          </a:p>
+          <a:p>
+            <a:endParaRPr lang="en-US" altLang="ko-KR" dirty="0">
+              <a:solidFill>
+                <a:srgbClr val="212121"/>
+              </a:solidFill>
+              <a:latin typeface="+mn-ea"/>
+            </a:endParaRPr>
+          </a:p>
+          <a:p>
+            <a:r>
+              <a:rPr lang="en-US" altLang="ko-KR" dirty="0">
+                <a:solidFill>
+                  <a:srgbClr val="212121"/>
+                </a:solidFill>
+                <a:latin typeface="+mn-ea"/>
+              </a:rPr>
+              <a:t>(train </a:t>
+            </a:r>
+            <a:r>
+              <a:rPr lang="ko-KR" altLang="en-US" dirty="0">
+                <a:solidFill>
+                  <a:srgbClr val="212121"/>
+                </a:solidFill>
+                <a:latin typeface="+mn-ea"/>
+              </a:rPr>
+              <a:t>확인</a:t>
+            </a:r>
+            <a:r>
+              <a:rPr lang="en-US" altLang="ko-KR" dirty="0">
+                <a:solidFill>
+                  <a:srgbClr val="212121"/>
+                </a:solidFill>
+                <a:latin typeface="+mn-ea"/>
+              </a:rPr>
+              <a:t>)</a:t>
+            </a:r>
+          </a:p>
+          <a:p>
+            <a:r>
+              <a:rPr lang="en-US" altLang="ko-KR" sz="1800" b="0" dirty="0">
+                <a:latin typeface="+mn-ea"/>
+              </a:rPr>
+              <a:t>submit_pc_et.csv</a:t>
+            </a:r>
+          </a:p>
+          <a:p>
+            <a:r>
+              <a:rPr lang="en-US" altLang="ko-KR" dirty="0">
+                <a:latin typeface="+mn-ea"/>
+              </a:rPr>
+              <a:t>6.2304</a:t>
+            </a:r>
+            <a:endParaRPr lang="ko-KR" altLang="en-US" sz="1800" b="0" dirty="0">
+              <a:latin typeface="+mn-ea"/>
+            </a:endParaRPr>
+          </a:p>
+        </p:txBody>
+      </p:sp>
+      <p:sp>
+        <p:nvSpPr>
+          <p:cNvPr id="15" name="TextBox 14">
+            <a:extLst>
+              <a:ext uri="{FF2B5EF4-FFF2-40B4-BE49-F238E27FC236}">
+                <a16:creationId xmlns:a16="http://schemas.microsoft.com/office/drawing/2014/main" id="{4A53373F-70FC-4D38-BA6D-6B5BDD6D57E6}"/>
+              </a:ext>
+            </a:extLst>
+          </p:cNvPr>
+          <p:cNvSpPr txBox="1"/>
+          <p:nvPr/>
+        </p:nvSpPr>
+        <p:spPr>
+          <a:xfrm>
+            <a:off x="3785418" y="3928117"/>
+            <a:ext cx="998991" cy="2031325"/>
+          </a:xfrm>
+          <a:prstGeom prst="rect">
+            <a:avLst/>
+          </a:prstGeom>
+          <a:noFill/>
+        </p:spPr>
+        <p:txBody>
+          <a:bodyPr wrap="none" rtlCol="0">
+            <a:spAutoFit/>
+          </a:bodyPr>
+          <a:lstStyle/>
+          <a:p>
+            <a:r>
+              <a:rPr lang="en-US" altLang="ko-KR" dirty="0"/>
+              <a:t>--</a:t>
+            </a:r>
+            <a:r>
+              <a:rPr lang="en-US" altLang="ko-KR" dirty="0" err="1"/>
+              <a:t>xgb</a:t>
+            </a:r>
+            <a:r>
+              <a:rPr lang="en-US" altLang="ko-KR" dirty="0"/>
+              <a:t>--</a:t>
+            </a:r>
+          </a:p>
+          <a:p>
+            <a:r>
+              <a:rPr lang="en-US" altLang="ko-KR" dirty="0"/>
+              <a:t>8.66889</a:t>
+            </a:r>
+          </a:p>
+          <a:p>
+            <a:r>
+              <a:rPr lang="en-US" altLang="ko-KR" dirty="0"/>
+              <a:t>7.36751</a:t>
+            </a:r>
+          </a:p>
+          <a:p>
+            <a:r>
+              <a:rPr lang="en-US" altLang="ko-KR" dirty="0"/>
+              <a:t>3.34338</a:t>
+            </a:r>
+          </a:p>
+          <a:p>
+            <a:r>
+              <a:rPr lang="en-US" altLang="ko-KR" dirty="0"/>
+              <a:t>6.45837</a:t>
+            </a:r>
+          </a:p>
+          <a:p>
+            <a:endParaRPr lang="en-US" altLang="ko-KR" dirty="0"/>
+          </a:p>
+          <a:p>
+            <a:r>
+              <a:rPr lang="en-US" altLang="ko-KR" dirty="0"/>
+              <a:t>-&gt;8.214</a:t>
             </a:r>
             <a:endParaRPr lang="ko-KR" altLang="en-US" dirty="0"/>
           </a:p>
